--- a/The Darkest ppt.pptx
+++ b/The Darkest ppt.pptx
@@ -1,22 +1,24 @@
 
 <file path=ppt/presentation.xml><?xml version="1.0" encoding="utf-8"?>
-<p:presentation xmlns:a="http://schemas.openxmlformats.org/drawingml/2006/main" xmlns:r="http://schemas.openxmlformats.org/officeDocument/2006/relationships" xmlns:p="http://schemas.openxmlformats.org/presentationml/2006/main">
+<p:presentation xmlns:r="http://schemas.openxmlformats.org/officeDocument/2006/relationships" xmlns:c="http://schemas.openxmlformats.org/drawingml/2006/chart" xmlns:a="http://schemas.openxmlformats.org/drawingml/2006/main" xmlns:dgm="http://schemas.openxmlformats.org/drawingml/2006/diagram" xmlns:dsp="http://schemas.microsoft.com/office/drawing/2008/diagram" xmlns:p="http://schemas.openxmlformats.org/presentationml/2006/main">
   <p:sldMasterIdLst>
     <p:sldMasterId id="2147483687" r:id="rId1"/>
   </p:sldMasterIdLst>
   <p:notesMasterIdLst>
-    <p:notesMasterId r:id="rId11"/>
+    <p:notesMasterId r:id="rId2"/>
   </p:notesMasterIdLst>
   <p:sldIdLst>
-    <p:sldId id="256" r:id="rId2"/>
-    <p:sldId id="263" r:id="rId3"/>
-    <p:sldId id="257" r:id="rId4"/>
-    <p:sldId id="261" r:id="rId5"/>
-    <p:sldId id="258" r:id="rId6"/>
-    <p:sldId id="260" r:id="rId7"/>
-    <p:sldId id="264" r:id="rId8"/>
-    <p:sldId id="262" r:id="rId9"/>
-    <p:sldId id="259" r:id="rId10"/>
+    <p:sldId id="256" r:id="rId3"/>
+    <p:sldId id="263" r:id="rId4"/>
+    <p:sldId id="257" r:id="rId5"/>
+    <p:sldId id="261" r:id="rId6"/>
+    <p:sldId id="258" r:id="rId7"/>
+    <p:sldId id="260" r:id="rId8"/>
+    <p:sldId id="265" r:id="rId9"/>
+    <p:sldId id="264" r:id="rId10"/>
+    <p:sldId id="266" r:id="rId11"/>
+    <p:sldId id="262" r:id="rId12"/>
+    <p:sldId id="259" r:id="rId13"/>
   </p:sldIdLst>
   <p:sldSz cx="12192000" cy="6858000"/>
   <p:notesSz cx="6858000" cy="9144000"/>
@@ -115,27 +117,11 @@
       </a:defRPr>
     </a:lvl9pPr>
   </p:defaultTextStyle>
-  <p:extLst>
-    <p:ext uri="{EFAFB233-063F-42B5-8137-9DF3F51BA10A}">
-      <p15:sldGuideLst xmlns:p15="http://schemas.microsoft.com/office/powerpoint/2012/main">
-        <p15:guide id="1" orient="horz" pos="2159">
-          <p15:clr>
-            <a:srgbClr val="A4A3A4"/>
-          </p15:clr>
-        </p15:guide>
-        <p15:guide id="2" pos="3839">
-          <p15:clr>
-            <a:srgbClr val="A4A3A4"/>
-          </p15:clr>
-        </p15:guide>
-      </p15:sldGuideLst>
-    </p:ext>
-  </p:extLst>
 </p:presentation>
 </file>
 
 <file path=ppt/notesMasters/notesMaster1.xml><?xml version="1.0" encoding="utf-8"?>
-<p:notesMaster xmlns:a="http://schemas.openxmlformats.org/drawingml/2006/main" xmlns:r="http://schemas.openxmlformats.org/officeDocument/2006/relationships" xmlns:p="http://schemas.openxmlformats.org/presentationml/2006/main">
+<p:notesMaster xmlns:r="http://schemas.openxmlformats.org/officeDocument/2006/relationships" xmlns:c="http://schemas.openxmlformats.org/drawingml/2006/chart" xmlns:a="http://schemas.openxmlformats.org/drawingml/2006/main" xmlns:dgm="http://schemas.openxmlformats.org/drawingml/2006/diagram" xmlns:dsp="http://schemas.microsoft.com/office/drawing/2008/diagram" xmlns:p="http://schemas.openxmlformats.org/presentationml/2006/main">
   <p:cSld>
     <p:bg>
       <p:bgRef idx="1001">
@@ -163,7 +149,7 @@
             <a:spLocks noGrp="1"/>
           </p:cNvSpPr>
           <p:nvPr>
-            <p:ph type="hdr" sz="quarter"/>
+            <p:ph type="hdr" sz="quarter" idx="0"/>
           </p:nvPr>
         </p:nvSpPr>
         <p:spPr>
@@ -225,7 +211,7 @@
               <a:pPr lvl="0">
                 <a:defRPr/>
               </a:pPr>
-              <a:t>2024-03-22</a:t>
+              <a:t>2024-03-23</a:t>
             </a:fld>
             <a:endParaRPr lang="ko-KR" altLang="en-US"/>
           </a:p>
@@ -299,6 +285,7 @@
               <a:rPr lang="ko-KR" altLang="en-US"/>
               <a:t>마스터 텍스트 스타일을 편집합니다</a:t>
             </a:r>
+            <a:endParaRPr lang="ko-KR" altLang="en-US"/>
           </a:p>
           <a:p>
             <a:pPr lvl="1">
@@ -308,6 +295,7 @@
               <a:rPr lang="ko-KR" altLang="en-US"/>
               <a:t>둘째 수준</a:t>
             </a:r>
+            <a:endParaRPr lang="ko-KR" altLang="en-US"/>
           </a:p>
           <a:p>
             <a:pPr lvl="2">
@@ -317,6 +305,7 @@
               <a:rPr lang="ko-KR" altLang="en-US"/>
               <a:t>셋째 수준</a:t>
             </a:r>
+            <a:endParaRPr lang="ko-KR" altLang="en-US"/>
           </a:p>
           <a:p>
             <a:pPr lvl="3">
@@ -326,6 +315,7 @@
               <a:rPr lang="ko-KR" altLang="en-US"/>
               <a:t>넷째 수준</a:t>
             </a:r>
+            <a:endParaRPr lang="ko-KR" altLang="en-US"/>
           </a:p>
           <a:p>
             <a:pPr lvl="4">
@@ -335,6 +325,7 @@
               <a:rPr lang="ko-KR" altLang="en-US"/>
               <a:t>다섯째 수준</a:t>
             </a:r>
+            <a:endParaRPr lang="ko-KR" altLang="en-US"/>
           </a:p>
         </p:txBody>
       </p:sp>
@@ -5108,7 +5099,7 @@
 </file>
 
 <file path=ppt/slides/slide1.xml><?xml version="1.0" encoding="utf-8"?>
-<p:sld xmlns:a="http://schemas.openxmlformats.org/drawingml/2006/main" xmlns:r="http://schemas.openxmlformats.org/officeDocument/2006/relationships" xmlns:p="http://schemas.openxmlformats.org/presentationml/2006/main">
+<p:sld xmlns:r="http://schemas.openxmlformats.org/officeDocument/2006/relationships" xmlns:c="http://schemas.openxmlformats.org/drawingml/2006/chart" xmlns:a="http://schemas.openxmlformats.org/drawingml/2006/main" xmlns:dgm="http://schemas.openxmlformats.org/drawingml/2006/diagram" xmlns:dsp="http://schemas.microsoft.com/office/drawing/2008/diagram" xmlns:p="http://schemas.openxmlformats.org/presentationml/2006/main">
   <p:cSld>
     <p:spTree>
       <p:nvGrpSpPr>
@@ -5131,13 +5122,13 @@
             <a:spLocks noGrp="1"/>
           </p:cNvSpPr>
           <p:nvPr>
-            <p:ph type="ctrTitle"/>
+            <p:ph type="ctrTitle" idx="0"/>
           </p:nvPr>
         </p:nvSpPr>
         <p:spPr>
           <a:xfrm>
-            <a:off x="2871729" y="3037666"/>
-            <a:ext cx="6051665" cy="1235074"/>
+            <a:off x="2562167" y="2811463"/>
+            <a:ext cx="7067665" cy="1235074"/>
           </a:xfrm>
           <a:ln>
             <a:noFill/>
@@ -5151,16 +5142,23 @@
               <a:defRPr/>
             </a:pPr>
             <a:r>
-              <a:rPr lang="en-US" altLang="ko-KR" sz="10000" dirty="0">
+              <a:rPr lang="en-US" altLang="ko-KR" sz="10000">
                 <a:solidFill>
-                  <a:srgbClr val="FFFFFF"/>
+                  <a:srgbClr val="ffffff"/>
                 </a:solidFill>
                 <a:effectLst/>
-                <a:latin typeface="Centaur" panose="02030504050205020304" pitchFamily="18" charset="0"/>
-                <a:ea typeface="나눔손글씨 붓"/>
+                <a:latin typeface="맑은 고딕"/>
+                <a:ea typeface="맑은 고딕"/>
               </a:rPr>
               <a:t>The Darkest</a:t>
             </a:r>
+            <a:endParaRPr lang="en-US" altLang="ko-KR" sz="10000">
+              <a:solidFill>
+                <a:srgbClr val="ffffff"/>
+              </a:solidFill>
+              <a:latin typeface="맑은 고딕"/>
+              <a:ea typeface="맑은 고딕"/>
+            </a:endParaRPr>
           </a:p>
         </p:txBody>
       </p:sp>
@@ -5179,8 +5177,8 @@
 </p:sld>
 </file>
 
-<file path=ppt/slides/slide2.xml><?xml version="1.0" encoding="utf-8"?>
-<p:sld xmlns:a="http://schemas.openxmlformats.org/drawingml/2006/main" xmlns:r="http://schemas.openxmlformats.org/officeDocument/2006/relationships" xmlns:p="http://schemas.openxmlformats.org/presentationml/2006/main">
+<file path=ppt/slides/slide10.xml><?xml version="1.0" encoding="utf-8"?>
+<p:sld xmlns:r="http://schemas.openxmlformats.org/officeDocument/2006/relationships" xmlns:c="http://schemas.openxmlformats.org/drawingml/2006/chart" xmlns:a="http://schemas.openxmlformats.org/drawingml/2006/main" xmlns:dgm="http://schemas.openxmlformats.org/drawingml/2006/diagram" xmlns:dsp="http://schemas.microsoft.com/office/drawing/2008/diagram" xmlns:p="http://schemas.openxmlformats.org/presentationml/2006/main">
   <p:cSld>
     <p:spTree>
       <p:nvGrpSpPr>
@@ -5198,6 +5196,821 @@
       </p:grpSpPr>
       <p:sp>
         <p:nvSpPr>
+          <p:cNvPr id="2" name="제목 1"/>
+          <p:cNvSpPr>
+            <a:spLocks noGrp="1"/>
+          </p:cNvSpPr>
+          <p:nvPr>
+            <p:ph type="title" idx="0"/>
+          </p:nvPr>
+        </p:nvSpPr>
+        <p:spPr/>
+        <p:txBody>
+          <a:bodyPr/>
+          <a:lstStyle/>
+          <a:p>
+            <a:pPr lvl="0">
+              <a:defRPr/>
+            </a:pPr>
+            <a:r>
+              <a:rPr lang="en-US" altLang="ko-KR"/>
+              <a:t>5.</a:t>
+            </a:r>
+            <a:r>
+              <a:rPr lang="ko-KR" altLang="en-US"/>
+              <a:t> </a:t>
+            </a:r>
+            <a:r>
+              <a:rPr lang="en-US" altLang="ko-KR"/>
+              <a:t>Object</a:t>
+            </a:r>
+            <a:r>
+              <a:rPr lang="ko-KR" altLang="en-US"/>
+              <a:t> 관리</a:t>
+            </a:r>
+            <a:endParaRPr lang="ko-KR" altLang="en-US"/>
+          </a:p>
+        </p:txBody>
+      </p:sp>
+      <p:sp>
+        <p:nvSpPr>
+          <p:cNvPr id="10" name="가로 글상자 9"/>
+          <p:cNvSpPr txBox="1"/>
+          <p:nvPr/>
+        </p:nvSpPr>
+        <p:spPr>
+          <a:xfrm>
+            <a:off x="269875" y="1283653"/>
+            <a:ext cx="6717561" cy="1181417"/>
+          </a:xfrm>
+          <a:prstGeom prst="rect">
+            <a:avLst/>
+          </a:prstGeom>
+        </p:spPr>
+        <p:txBody>
+          <a:bodyPr wrap="square">
+            <a:spAutoFit/>
+          </a:bodyPr>
+          <a:lstStyle/>
+          <a:p>
+            <a:pPr lvl="0">
+              <a:defRPr/>
+            </a:pPr>
+            <a:r>
+              <a:rPr lang="ko-KR" altLang="en-US"/>
+              <a:t>자주 생겼다 없어지는</a:t>
+            </a:r>
+            <a:r>
+              <a:rPr lang="en-US" altLang="ko-KR"/>
+              <a:t>Object</a:t>
+            </a:r>
+            <a:r>
+              <a:rPr lang="ko-KR" altLang="en-US"/>
+              <a:t>들은 </a:t>
+            </a:r>
+            <a:r>
+              <a:rPr lang="en-US" altLang="ko-KR"/>
+              <a:t>PoolManager</a:t>
+            </a:r>
+            <a:r>
+              <a:rPr lang="ko-KR" altLang="en-US"/>
+              <a:t>로 관리 하였습니다</a:t>
+            </a:r>
+            <a:r>
+              <a:rPr lang="en-US" altLang="ko-KR"/>
+              <a:t>.</a:t>
+            </a:r>
+            <a:r>
+              <a:rPr lang="ko-KR" altLang="en-US"/>
+              <a:t> </a:t>
+            </a:r>
+            <a:endParaRPr lang="ko-KR" altLang="en-US"/>
+          </a:p>
+          <a:p>
+            <a:pPr lvl="0">
+              <a:defRPr/>
+            </a:pPr>
+            <a:r>
+              <a:rPr lang="ko-KR" altLang="en-US"/>
+              <a:t>예를 들어 </a:t>
+            </a:r>
+            <a:r>
+              <a:rPr lang="en-US" altLang="ko-KR"/>
+              <a:t>Monster</a:t>
+            </a:r>
+            <a:r>
+              <a:rPr lang="ko-KR" altLang="en-US"/>
+              <a:t>를 </a:t>
+            </a:r>
+            <a:r>
+              <a:rPr lang="en-US" altLang="ko-KR"/>
+              <a:t>3</a:t>
+            </a:r>
+            <a:r>
+              <a:rPr lang="ko-KR" altLang="en-US"/>
+              <a:t>마리 까지 소환을 하고앞에 비활성화 된 </a:t>
+            </a:r>
+            <a:r>
+              <a:rPr lang="en-US" altLang="ko-KR"/>
+              <a:t>Monster</a:t>
+            </a:r>
+            <a:r>
+              <a:rPr lang="ko-KR" altLang="en-US"/>
+              <a:t>가 </a:t>
+            </a:r>
+            <a:endParaRPr lang="ko-KR" altLang="en-US"/>
+          </a:p>
+          <a:p>
+            <a:pPr lvl="0">
+              <a:defRPr/>
+            </a:pPr>
+            <a:r>
+              <a:rPr lang="ko-KR" altLang="en-US"/>
+              <a:t>있으면 활성화 하고 소환하여 메모리 낭비를 최소화 했습니다</a:t>
+            </a:r>
+            <a:r>
+              <a:rPr lang="en-US" altLang="ko-KR"/>
+              <a:t>.</a:t>
+            </a:r>
+            <a:endParaRPr lang="en-US" altLang="ko-KR"/>
+          </a:p>
+        </p:txBody>
+      </p:sp>
+      <p:pic>
+        <p:nvPicPr>
+          <p:cNvPr id="11" name="그림 10"/>
+          <p:cNvPicPr>
+            <a:picLocks noChangeAspect="1"/>
+          </p:cNvPicPr>
+          <p:nvPr/>
+        </p:nvPicPr>
+        <p:blipFill rotWithShape="1">
+          <a:blip r:embed="rId2"/>
+          <a:stretch>
+            <a:fillRect/>
+          </a:stretch>
+        </p:blipFill>
+        <p:spPr>
+          <a:xfrm>
+            <a:off x="269875" y="2542857"/>
+            <a:ext cx="3640486" cy="3745946"/>
+          </a:xfrm>
+          <a:prstGeom prst="rect">
+            <a:avLst/>
+          </a:prstGeom>
+        </p:spPr>
+      </p:pic>
+      <p:sp>
+        <p:nvSpPr>
+          <p:cNvPr id="12" name="가로 글상자 11"/>
+          <p:cNvSpPr txBox="1"/>
+          <p:nvPr/>
+        </p:nvSpPr>
+        <p:spPr>
+          <a:xfrm>
+            <a:off x="4229357" y="4965609"/>
+            <a:ext cx="2297705" cy="1461861"/>
+          </a:xfrm>
+          <a:prstGeom prst="rect">
+            <a:avLst/>
+          </a:prstGeom>
+        </p:spPr>
+        <p:txBody>
+          <a:bodyPr wrap="square">
+            <a:spAutoFit/>
+          </a:bodyPr>
+          <a:lstStyle/>
+          <a:p>
+            <a:pPr lvl="0">
+              <a:defRPr/>
+            </a:pPr>
+            <a:r>
+              <a:rPr lang="en-US" altLang="ko-KR"/>
+              <a:t>Get()</a:t>
+            </a:r>
+            <a:r>
+              <a:rPr lang="ko-KR" altLang="en-US"/>
+              <a:t>함수를 </a:t>
+            </a:r>
+            <a:r>
+              <a:rPr lang="en-US" altLang="ko-KR"/>
+              <a:t>OverLoading</a:t>
+            </a:r>
+            <a:r>
+              <a:rPr lang="ko-KR" altLang="en-US"/>
+              <a:t>을 사용하여 용도에 따라 </a:t>
+            </a:r>
+            <a:endParaRPr lang="ko-KR" altLang="en-US"/>
+          </a:p>
+          <a:p>
+            <a:pPr lvl="0">
+              <a:defRPr/>
+            </a:pPr>
+            <a:r>
+              <a:rPr lang="ko-KR" altLang="en-US"/>
+              <a:t>사용할 수 있게 </a:t>
+            </a:r>
+            <a:endParaRPr lang="ko-KR" altLang="en-US"/>
+          </a:p>
+          <a:p>
+            <a:pPr lvl="0">
+              <a:defRPr/>
+            </a:pPr>
+            <a:r>
+              <a:rPr lang="ko-KR" altLang="en-US"/>
+              <a:t>만들었습니다</a:t>
+            </a:r>
+            <a:r>
+              <a:rPr lang="en-US" altLang="ko-KR"/>
+              <a:t>.</a:t>
+            </a:r>
+            <a:endParaRPr lang="en-US" altLang="ko-KR"/>
+          </a:p>
+        </p:txBody>
+      </p:sp>
+      <p:sp>
+        <p:nvSpPr>
+          <p:cNvPr id="15" name="시계/반시계 방향 화살표 14"/>
+          <p:cNvSpPr/>
+          <p:nvPr/>
+        </p:nvSpPr>
+        <p:spPr>
+          <a:xfrm rot="5410345">
+            <a:off x="3558651" y="5508519"/>
+            <a:ext cx="482614" cy="857348"/>
+          </a:xfrm>
+          <a:prstGeom prst="leftRightCircularArrow">
+            <a:avLst>
+              <a:gd name="adj1" fmla="val 9375"/>
+              <a:gd name="adj2" fmla="val 146806"/>
+              <a:gd name="adj3" fmla="val 20561796"/>
+              <a:gd name="adj4" fmla="val 11942319"/>
+              <a:gd name="adj5" fmla="val 2148"/>
+            </a:avLst>
+          </a:prstGeom>
+          <a:solidFill>
+            <a:schemeClr val="lt1"/>
+          </a:solidFill>
+          <a:ln>
+            <a:solidFill>
+              <a:schemeClr val="lt1"/>
+            </a:solidFill>
+          </a:ln>
+        </p:spPr>
+        <p:style>
+          <a:lnRef idx="2">
+            <a:schemeClr val="accent1">
+              <a:shade val="20000"/>
+            </a:schemeClr>
+          </a:lnRef>
+          <a:fillRef idx="1">
+            <a:schemeClr val="accent1"/>
+          </a:fillRef>
+          <a:effectRef idx="0">
+            <a:schemeClr val="accent1"/>
+          </a:effectRef>
+          <a:fontRef idx="minor">
+            <a:schemeClr val="lt1"/>
+          </a:fontRef>
+        </p:style>
+        <p:txBody>
+          <a:bodyPr anchor="ctr"/>
+          <a:lstStyle/>
+          <a:p>
+            <a:pPr lvl="0" algn="ctr">
+              <a:defRPr/>
+            </a:pPr>
+            <a:endParaRPr lang="ko-KR" altLang="en-US">
+              <a:solidFill>
+                <a:schemeClr val="tx1"/>
+              </a:solidFill>
+            </a:endParaRPr>
+          </a:p>
+        </p:txBody>
+      </p:sp>
+      <p:pic>
+        <p:nvPicPr>
+          <p:cNvPr id="17" name="그림 16"/>
+          <p:cNvPicPr>
+            <a:picLocks noChangeAspect="1"/>
+          </p:cNvPicPr>
+          <p:nvPr/>
+        </p:nvPicPr>
+        <p:blipFill rotWithShape="1">
+          <a:blip r:embed="rId3"/>
+          <a:stretch>
+            <a:fillRect/>
+          </a:stretch>
+        </p:blipFill>
+        <p:spPr>
+          <a:xfrm>
+            <a:off x="6987436" y="2678114"/>
+            <a:ext cx="4414525" cy="3501674"/>
+          </a:xfrm>
+          <a:prstGeom prst="rect">
+            <a:avLst/>
+          </a:prstGeom>
+        </p:spPr>
+      </p:pic>
+      <p:sp>
+        <p:nvSpPr>
+          <p:cNvPr id="18" name="가로 글상자 17"/>
+          <p:cNvSpPr txBox="1"/>
+          <p:nvPr/>
+        </p:nvSpPr>
+        <p:spPr>
+          <a:xfrm>
+            <a:off x="8444605" y="2102961"/>
+            <a:ext cx="1500187" cy="362109"/>
+          </a:xfrm>
+          <a:prstGeom prst="rect">
+            <a:avLst/>
+          </a:prstGeom>
+        </p:spPr>
+        <p:txBody>
+          <a:bodyPr wrap="square">
+            <a:spAutoFit/>
+          </a:bodyPr>
+          <a:p>
+            <a:pPr lvl="0">
+              <a:defRPr/>
+            </a:pPr>
+            <a:r>
+              <a:rPr lang="en-US" altLang="ko-KR"/>
+              <a:t>Pooling </a:t>
+            </a:r>
+            <a:r>
+              <a:rPr lang="ko-KR" altLang="en-US"/>
+              <a:t>방식</a:t>
+            </a:r>
+            <a:endParaRPr lang="ko-KR" altLang="en-US"/>
+          </a:p>
+        </p:txBody>
+      </p:sp>
+    </p:spTree>
+    <p:extLst>
+      <p:ext uri="{BB962C8B-B14F-4D97-AF65-F5344CB8AC3E}">
+        <p14:creationId xmlns:p14="http://schemas.microsoft.com/office/powerpoint/2010/main" val="3734751642"/>
+      </p:ext>
+    </p:extLst>
+  </p:cSld>
+  <p:clrMapOvr>
+    <a:masterClrMapping/>
+  </p:clrMapOvr>
+  <p:timing>
+    <p:tnLst>
+      <p:par>
+        <p:cTn id="1" dur="indefinite" restart="never" nodeType="tmRoot"/>
+      </p:par>
+    </p:tnLst>
+  </p:timing>
+</p:sld>
+</file>
+
+<file path=ppt/slides/slide11.xml><?xml version="1.0" encoding="utf-8"?>
+<p:sld xmlns:r="http://schemas.openxmlformats.org/officeDocument/2006/relationships" xmlns:c="http://schemas.openxmlformats.org/drawingml/2006/chart" xmlns:a="http://schemas.openxmlformats.org/drawingml/2006/main" xmlns:dgm="http://schemas.openxmlformats.org/drawingml/2006/diagram" xmlns:dsp="http://schemas.microsoft.com/office/drawing/2008/diagram" xmlns:p="http://schemas.openxmlformats.org/presentationml/2006/main">
+  <p:cSld>
+    <p:spTree>
+      <p:nvGrpSpPr>
+        <p:cNvPr id="1" name=""/>
+        <p:cNvGrpSpPr/>
+        <p:nvPr/>
+      </p:nvGrpSpPr>
+      <p:grpSpPr>
+        <a:xfrm>
+          <a:off x="0" y="0"/>
+          <a:ext cx="0" cy="0"/>
+          <a:chOff x="0" y="0"/>
+          <a:chExt cx="0" cy="0"/>
+        </a:xfrm>
+      </p:grpSpPr>
+      <p:sp>
+        <p:nvSpPr>
+          <p:cNvPr id="2" name="제목 1"/>
+          <p:cNvSpPr>
+            <a:spLocks noGrp="1"/>
+          </p:cNvSpPr>
+          <p:nvPr>
+            <p:ph type="title" idx="0"/>
+          </p:nvPr>
+        </p:nvSpPr>
+        <p:spPr/>
+        <p:txBody>
+          <a:bodyPr/>
+          <a:lstStyle/>
+          <a:p>
+            <a:pPr lvl="0">
+              <a:defRPr/>
+            </a:pPr>
+            <a:r>
+              <a:rPr lang="en-US" altLang="ko-KR"/>
+              <a:t>6.</a:t>
+            </a:r>
+            <a:r>
+              <a:rPr lang="ko-KR" altLang="en-US"/>
+              <a:t> </a:t>
+            </a:r>
+            <a:r>
+              <a:rPr lang="en-US" altLang="ko-KR"/>
+              <a:t>UI </a:t>
+            </a:r>
+            <a:r>
+              <a:rPr lang="ko-KR" altLang="en-US"/>
+              <a:t>작동 방식</a:t>
+            </a:r>
+            <a:endParaRPr lang="ko-KR" altLang="en-US"/>
+          </a:p>
+        </p:txBody>
+      </p:sp>
+      <p:sp>
+        <p:nvSpPr>
+          <p:cNvPr id="3" name="내용 개체 틀 2"/>
+          <p:cNvSpPr>
+            <a:spLocks noGrp="1"/>
+          </p:cNvSpPr>
+          <p:nvPr>
+            <p:ph idx="1"/>
+          </p:nvPr>
+        </p:nvSpPr>
+        <p:spPr/>
+        <p:txBody>
+          <a:bodyPr/>
+          <a:lstStyle/>
+          <a:p>
+            <a:pPr marL="0" lvl="0" indent="0">
+              <a:buNone/>
+              <a:defRPr/>
+            </a:pPr>
+            <a:r>
+              <a:rPr lang="en-US" altLang="ko-KR" dirty="0"/>
+              <a:t>UI</a:t>
+            </a:r>
+            <a:r>
+              <a:rPr lang="ko-KR" altLang="en-US" dirty="0"/>
+              <a:t> </a:t>
+            </a:r>
+            <a:r>
+              <a:rPr lang="en-US" altLang="ko-KR" dirty="0" err="1"/>
+              <a:t>GameObject</a:t>
+            </a:r>
+            <a:r>
+              <a:rPr lang="ko-KR" altLang="en-US" dirty="0"/>
+              <a:t>는</a:t>
+            </a:r>
+            <a:r>
+              <a:rPr lang="en-US" altLang="ko-KR" dirty="0"/>
+              <a:t> list</a:t>
+            </a:r>
+            <a:r>
+              <a:rPr lang="ko-KR" altLang="en-US" dirty="0"/>
+              <a:t>구현 하였습니다</a:t>
+            </a:r>
+            <a:r>
+              <a:rPr lang="en-US" altLang="ko-KR" dirty="0"/>
+              <a:t>.</a:t>
+            </a:r>
+            <a:r>
+              <a:rPr lang="ko-KR" altLang="en-US" dirty="0"/>
+              <a:t> </a:t>
+            </a:r>
+            <a:r>
+              <a:rPr lang="en-US" altLang="ko-KR" dirty="0"/>
+              <a:t>list</a:t>
+            </a:r>
+            <a:r>
+              <a:rPr lang="ko-KR" altLang="en-US" dirty="0"/>
+              <a:t>로 구현한 이유는 마우스로 누른 </a:t>
+            </a:r>
+            <a:r>
+              <a:rPr lang="en-US" altLang="ko-KR" dirty="0"/>
+              <a:t>Object</a:t>
+            </a:r>
+            <a:r>
+              <a:rPr lang="ko-KR" altLang="en-US" dirty="0"/>
+              <a:t>에 순서를 바꾸기 위해 </a:t>
+            </a:r>
+            <a:r>
+              <a:rPr lang="en-US" altLang="ko-KR" dirty="0"/>
+              <a:t>list</a:t>
+            </a:r>
+            <a:r>
+              <a:rPr lang="ko-KR" altLang="en-US" dirty="0"/>
+              <a:t>를</a:t>
+            </a:r>
+            <a:r>
+              <a:rPr lang="en-US" altLang="ko-KR" dirty="0"/>
+              <a:t> </a:t>
+            </a:r>
+            <a:r>
+              <a:rPr lang="ko-KR" altLang="en-US" dirty="0"/>
+              <a:t>채택하였습니다</a:t>
+            </a:r>
+            <a:r>
+              <a:rPr lang="en-US" altLang="ko-KR" dirty="0"/>
+              <a:t>.</a:t>
+            </a:r>
+          </a:p>
+          <a:p>
+            <a:pPr marL="0" lvl="0" indent="0">
+              <a:buNone/>
+              <a:defRPr/>
+            </a:pPr>
+            <a:endParaRPr lang="en-US" altLang="ko-KR" dirty="0"/>
+          </a:p>
+        </p:txBody>
+      </p:sp>
+      <p:pic>
+        <p:nvPicPr>
+          <p:cNvPr id="4" name="그림 3"/>
+          <p:cNvPicPr>
+            <a:picLocks noChangeAspect="1"/>
+          </p:cNvPicPr>
+          <p:nvPr/>
+        </p:nvPicPr>
+        <p:blipFill rotWithShape="1">
+          <a:blip r:embed="rId3"/>
+          <a:stretch>
+            <a:fillRect/>
+          </a:stretch>
+        </p:blipFill>
+        <p:spPr>
+          <a:xfrm>
+            <a:off x="281064" y="2291508"/>
+            <a:ext cx="4868906" cy="3717468"/>
+          </a:xfrm>
+          <a:prstGeom prst="rect">
+            <a:avLst/>
+          </a:prstGeom>
+        </p:spPr>
+      </p:pic>
+      <p:sp>
+        <p:nvSpPr>
+          <p:cNvPr id="5" name="가로 글상자 4"/>
+          <p:cNvSpPr txBox="1"/>
+          <p:nvPr/>
+        </p:nvSpPr>
+        <p:spPr>
+          <a:xfrm>
+            <a:off x="5700348" y="4305852"/>
+            <a:ext cx="5040924" cy="902238"/>
+          </a:xfrm>
+          <a:prstGeom prst="rect">
+            <a:avLst/>
+          </a:prstGeom>
+        </p:spPr>
+        <p:txBody>
+          <a:bodyPr wrap="square">
+            <a:spAutoFit/>
+          </a:bodyPr>
+          <a:lstStyle/>
+          <a:p>
+            <a:pPr lvl="0">
+              <a:defRPr/>
+            </a:pPr>
+            <a:r>
+              <a:rPr lang="en-US" altLang="ko-KR" dirty="0"/>
+              <a:t>ESC</a:t>
+            </a:r>
+            <a:r>
+              <a:rPr lang="ko-KR" altLang="en-US" dirty="0"/>
+              <a:t>를 누르면 가장 마지막에 켜졌거나 마우스로 누른 </a:t>
+            </a:r>
+            <a:r>
+              <a:rPr lang="en-US" altLang="ko-KR" dirty="0"/>
+              <a:t>UI</a:t>
+            </a:r>
+            <a:r>
+              <a:rPr lang="ko-KR" altLang="en-US" dirty="0"/>
+              <a:t>를 끌 수 있고 </a:t>
+            </a:r>
+            <a:r>
+              <a:rPr lang="en-US" altLang="ko-KR" dirty="0"/>
+              <a:t>list</a:t>
+            </a:r>
+            <a:r>
+              <a:rPr lang="ko-KR" altLang="en-US" dirty="0"/>
+              <a:t>가 </a:t>
+            </a:r>
+            <a:r>
+              <a:rPr lang="en-US" altLang="ko-KR" dirty="0"/>
+              <a:t>null</a:t>
+            </a:r>
+            <a:r>
+              <a:rPr lang="ko-KR" altLang="en-US" dirty="0"/>
+              <a:t>이면 </a:t>
+            </a:r>
+            <a:r>
+              <a:rPr lang="en-US" altLang="ko-KR" dirty="0"/>
+              <a:t>Option</a:t>
+            </a:r>
+            <a:r>
+              <a:rPr lang="ko-KR" altLang="en-US" dirty="0"/>
+              <a:t>이 </a:t>
+            </a:r>
+          </a:p>
+          <a:p>
+            <a:pPr lvl="0">
+              <a:defRPr/>
+            </a:pPr>
+            <a:r>
+              <a:rPr lang="ko-KR" altLang="en-US" dirty="0"/>
+              <a:t>켜질 수 있도록 구현 하였습니다</a:t>
+            </a:r>
+            <a:r>
+              <a:rPr lang="en-US" altLang="ko-KR" dirty="0"/>
+              <a:t>.</a:t>
+            </a:r>
+          </a:p>
+        </p:txBody>
+      </p:sp>
+      <p:sp>
+        <p:nvSpPr>
+          <p:cNvPr id="6" name="가로 글상자 5"/>
+          <p:cNvSpPr txBox="1"/>
+          <p:nvPr/>
+        </p:nvSpPr>
+        <p:spPr>
+          <a:xfrm>
+            <a:off x="5700348" y="2594771"/>
+            <a:ext cx="4366848" cy="637736"/>
+          </a:xfrm>
+          <a:prstGeom prst="rect">
+            <a:avLst/>
+          </a:prstGeom>
+        </p:spPr>
+        <p:txBody>
+          <a:bodyPr wrap="square">
+            <a:spAutoFit/>
+          </a:bodyPr>
+          <a:lstStyle/>
+          <a:p>
+            <a:pPr lvl="0">
+              <a:defRPr/>
+            </a:pPr>
+            <a:r>
+              <a:rPr lang="en-US" altLang="ko-KR"/>
+              <a:t>UI</a:t>
+            </a:r>
+            <a:r>
+              <a:rPr lang="ko-KR" altLang="en-US"/>
+              <a:t>가 한개라도 켜져있으면 </a:t>
+            </a:r>
+            <a:r>
+              <a:rPr lang="en-US" altLang="ko-KR"/>
+              <a:t>MouseControll</a:t>
+            </a:r>
+            <a:r>
+              <a:rPr lang="ko-KR" altLang="en-US"/>
+              <a:t>에 대한 제한을 두었습니다</a:t>
+            </a:r>
+            <a:r>
+              <a:rPr lang="en-US" altLang="ko-KR"/>
+              <a:t>.</a:t>
+            </a:r>
+            <a:endParaRPr lang="en-US" altLang="ko-KR"/>
+          </a:p>
+        </p:txBody>
+      </p:sp>
+      <p:sp>
+        <p:nvSpPr>
+          <p:cNvPr id="13" name="시계/반시계 방향 화살표 12"/>
+          <p:cNvSpPr/>
+          <p:nvPr/>
+        </p:nvSpPr>
+        <p:spPr>
+          <a:xfrm rot="5410345">
+            <a:off x="2055069" y="2414693"/>
+            <a:ext cx="596900" cy="857348"/>
+          </a:xfrm>
+          <a:prstGeom prst="leftRightCircularArrow">
+            <a:avLst>
+              <a:gd name="adj1" fmla="val 9375"/>
+              <a:gd name="adj2" fmla="val 146806"/>
+              <a:gd name="adj3" fmla="val 20561796"/>
+              <a:gd name="adj4" fmla="val 11942319"/>
+              <a:gd name="adj5" fmla="val 8593"/>
+            </a:avLst>
+          </a:prstGeom>
+          <a:solidFill>
+            <a:schemeClr val="lt1"/>
+          </a:solidFill>
+        </p:spPr>
+        <p:style>
+          <a:lnRef idx="2">
+            <a:schemeClr val="accent1">
+              <a:shade val="20000"/>
+            </a:schemeClr>
+          </a:lnRef>
+          <a:fillRef idx="1">
+            <a:schemeClr val="accent1"/>
+          </a:fillRef>
+          <a:effectRef idx="0">
+            <a:schemeClr val="accent1"/>
+          </a:effectRef>
+          <a:fontRef idx="minor">
+            <a:schemeClr val="lt1"/>
+          </a:fontRef>
+        </p:style>
+        <p:txBody>
+          <a:bodyPr anchor="ctr"/>
+          <a:lstStyle/>
+          <a:p>
+            <a:pPr lvl="0" algn="ctr">
+              <a:defRPr/>
+            </a:pPr>
+            <a:endParaRPr lang="ko-KR" altLang="en-US">
+              <a:solidFill>
+                <a:schemeClr val="tx1"/>
+              </a:solidFill>
+            </a:endParaRPr>
+          </a:p>
+        </p:txBody>
+      </p:sp>
+      <p:sp>
+        <p:nvSpPr>
+          <p:cNvPr id="14" name="오른쪽 화살표 13"/>
+          <p:cNvSpPr/>
+          <p:nvPr/>
+        </p:nvSpPr>
+        <p:spPr>
+          <a:xfrm>
+            <a:off x="2783089" y="2773096"/>
+            <a:ext cx="2646140" cy="140543"/>
+          </a:xfrm>
+          <a:prstGeom prst="rightArrow">
+            <a:avLst>
+              <a:gd name="adj1" fmla="val 50000"/>
+              <a:gd name="adj2" fmla="val 50000"/>
+            </a:avLst>
+          </a:prstGeom>
+          <a:solidFill>
+            <a:schemeClr val="lt1"/>
+          </a:solidFill>
+          <a:ln>
+            <a:solidFill>
+              <a:schemeClr val="dk1"/>
+            </a:solidFill>
+          </a:ln>
+        </p:spPr>
+        <p:style>
+          <a:lnRef idx="2">
+            <a:schemeClr val="accent1">
+              <a:shade val="20000"/>
+            </a:schemeClr>
+          </a:lnRef>
+          <a:fillRef idx="1">
+            <a:schemeClr val="accent1"/>
+          </a:fillRef>
+          <a:effectRef idx="0">
+            <a:schemeClr val="accent1"/>
+          </a:effectRef>
+          <a:fontRef idx="minor">
+            <a:schemeClr val="lt1"/>
+          </a:fontRef>
+        </p:style>
+        <p:txBody>
+          <a:bodyPr anchor="ctr"/>
+          <a:lstStyle/>
+          <a:p>
+            <a:pPr lvl="0" algn="ctr">
+              <a:defRPr/>
+            </a:pPr>
+            <a:endParaRPr lang="ko-KR" altLang="en-US"/>
+          </a:p>
+        </p:txBody>
+      </p:sp>
+    </p:spTree>
+    <p:extLst>
+      <p:ext uri="{BB962C8B-B14F-4D97-AF65-F5344CB8AC3E}">
+        <p14:creationId xmlns:p14="http://schemas.microsoft.com/office/powerpoint/2010/main" val="2690096774"/>
+      </p:ext>
+    </p:extLst>
+  </p:cSld>
+  <p:clrMapOvr>
+    <a:masterClrMapping/>
+  </p:clrMapOvr>
+</p:sld>
+</file>
+
+<file path=ppt/slides/slide2.xml><?xml version="1.0" encoding="utf-8"?>
+<p:sld xmlns:r="http://schemas.openxmlformats.org/officeDocument/2006/relationships" xmlns:c="http://schemas.openxmlformats.org/drawingml/2006/chart" xmlns:a="http://schemas.openxmlformats.org/drawingml/2006/main" xmlns:dgm="http://schemas.openxmlformats.org/drawingml/2006/diagram" xmlns:dsp="http://schemas.microsoft.com/office/drawing/2008/diagram" xmlns:p="http://schemas.openxmlformats.org/presentationml/2006/main">
+  <p:cSld>
+    <p:spTree>
+      <p:nvGrpSpPr>
+        <p:cNvPr id="1" name=""/>
+        <p:cNvGrpSpPr/>
+        <p:nvPr/>
+      </p:nvGrpSpPr>
+      <p:grpSpPr>
+        <a:xfrm>
+          <a:off x="0" y="0"/>
+          <a:ext cx="0" cy="0"/>
+          <a:chOff x="0" y="0"/>
+          <a:chExt cx="0" cy="0"/>
+        </a:xfrm>
+      </p:grpSpPr>
+      <p:sp>
+        <p:nvSpPr>
           <p:cNvPr id="3" name="부제목 2"/>
           <p:cNvSpPr>
             <a:spLocks noGrp="1"/>
@@ -5363,7 +6176,7 @@
         <p:spPr>
           <a:xfrm>
             <a:off x="3142211" y="1280134"/>
-            <a:ext cx="7140633" cy="4247317"/>
+            <a:ext cx="7140633" cy="4204361"/>
           </a:xfrm>
           <a:prstGeom prst="rect">
             <a:avLst/>
@@ -5371,30 +6184,40 @@
           <a:noFill/>
         </p:spPr>
         <p:txBody>
-          <a:bodyPr wrap="square" rtlCol="0">
+          <a:bodyPr wrap="square">
             <a:spAutoFit/>
           </a:bodyPr>
           <a:lstStyle/>
           <a:p>
-            <a:r>
-              <a:rPr lang="en-US" altLang="ko-KR" dirty="0" smtClean="0"/>
-              <a:t>2023.05.03 ~ 2024.03.15</a:t>
-            </a:r>
-          </a:p>
-          <a:p>
-            <a:endParaRPr lang="en-US" altLang="ko-KR" dirty="0"/>
-          </a:p>
-          <a:p>
-            <a:r>
-              <a:rPr lang="en-US" altLang="ko-KR" dirty="0" smtClean="0"/>
+            <a:pPr lvl="0">
+              <a:defRPr/>
+            </a:pPr>
+            <a:r>
+              <a:rPr lang="en-US" altLang="ko-KR"/>
+              <a:t>2023.10.02 ~ 2024.03.15</a:t>
+            </a:r>
+            <a:endParaRPr lang="en-US" altLang="ko-KR"/>
+          </a:p>
+          <a:p>
+            <a:pPr lvl="0">
+              <a:defRPr/>
+            </a:pPr>
+            <a:endParaRPr lang="en-US" altLang="ko-KR"/>
+          </a:p>
+          <a:p>
+            <a:pPr lvl="0">
+              <a:defRPr/>
+            </a:pPr>
+            <a:r>
+              <a:rPr lang="en-US" altLang="ko-KR"/>
               <a:t>1</a:t>
             </a:r>
             <a:r>
-              <a:rPr lang="ko-KR" altLang="en-US" dirty="0" smtClean="0"/>
+              <a:rPr lang="ko-KR" altLang="en-US"/>
               <a:t>명 </a:t>
             </a:r>
             <a:r>
-              <a:rPr lang="en-US" altLang="ko-KR" dirty="0" smtClean="0">
+              <a:rPr lang="en-US" altLang="ko-KR">
                 <a:solidFill>
                   <a:schemeClr val="bg2">
                     <a:lumMod val="60000"/>
@@ -5405,7 +6228,7 @@
               <a:t>(</a:t>
             </a:r>
             <a:r>
-              <a:rPr lang="ko-KR" altLang="en-US" dirty="0" smtClean="0">
+              <a:rPr lang="ko-KR" altLang="en-US">
                 <a:solidFill>
                   <a:schemeClr val="bg2">
                     <a:lumMod val="60000"/>
@@ -5416,7 +6239,7 @@
               <a:t>개인 프로젝트</a:t>
             </a:r>
             <a:r>
-              <a:rPr lang="en-US" altLang="ko-KR" dirty="0" smtClean="0">
+              <a:rPr lang="en-US" altLang="ko-KR">
                 <a:solidFill>
                   <a:schemeClr val="bg2">
                     <a:lumMod val="60000"/>
@@ -5426,60 +6249,98 @@
               </a:rPr>
               <a:t>)</a:t>
             </a:r>
-          </a:p>
-          <a:p>
-            <a:endParaRPr lang="en-US" altLang="ko-KR" dirty="0"/>
-          </a:p>
-          <a:p>
-            <a:endParaRPr lang="en-US" altLang="ko-KR" dirty="0" smtClean="0"/>
-          </a:p>
-          <a:p>
-            <a:endParaRPr lang="en-US" altLang="ko-KR" dirty="0"/>
-          </a:p>
-          <a:p>
-            <a:endParaRPr lang="en-US" altLang="ko-KR" dirty="0" smtClean="0"/>
-          </a:p>
-          <a:p>
-            <a:endParaRPr lang="en-US" altLang="ko-KR" dirty="0"/>
-          </a:p>
-          <a:p>
-            <a:endParaRPr lang="en-US" altLang="ko-KR" dirty="0" smtClean="0"/>
-          </a:p>
-          <a:p>
-            <a:endParaRPr lang="en-US" altLang="ko-KR" dirty="0"/>
-          </a:p>
-          <a:p>
-            <a:r>
-              <a:rPr lang="en-US" altLang="ko-KR" dirty="0" smtClean="0"/>
+            <a:endParaRPr lang="en-US" altLang="ko-KR">
+              <a:solidFill>
+                <a:schemeClr val="bg2">
+                  <a:lumMod val="60000"/>
+                  <a:lumOff val="40000"/>
+                </a:schemeClr>
+              </a:solidFill>
+            </a:endParaRPr>
+          </a:p>
+          <a:p>
+            <a:pPr lvl="0">
+              <a:defRPr/>
+            </a:pPr>
+            <a:endParaRPr lang="en-US" altLang="ko-KR"/>
+          </a:p>
+          <a:p>
+            <a:pPr lvl="0">
+              <a:defRPr/>
+            </a:pPr>
+            <a:endParaRPr lang="en-US" altLang="ko-KR"/>
+          </a:p>
+          <a:p>
+            <a:pPr lvl="0">
+              <a:defRPr/>
+            </a:pPr>
+            <a:endParaRPr lang="en-US" altLang="ko-KR"/>
+          </a:p>
+          <a:p>
+            <a:pPr lvl="0">
+              <a:defRPr/>
+            </a:pPr>
+            <a:endParaRPr lang="en-US" altLang="ko-KR"/>
+          </a:p>
+          <a:p>
+            <a:pPr lvl="0">
+              <a:defRPr/>
+            </a:pPr>
+            <a:endParaRPr lang="en-US" altLang="ko-KR"/>
+          </a:p>
+          <a:p>
+            <a:pPr lvl="0">
+              <a:defRPr/>
+            </a:pPr>
+            <a:endParaRPr lang="en-US" altLang="ko-KR"/>
+          </a:p>
+          <a:p>
+            <a:pPr lvl="0">
+              <a:defRPr/>
+            </a:pPr>
+            <a:endParaRPr lang="en-US" altLang="ko-KR"/>
+          </a:p>
+          <a:p>
+            <a:pPr lvl="0">
+              <a:defRPr/>
+            </a:pPr>
+            <a:r>
+              <a:rPr lang="en-US" altLang="ko-KR"/>
               <a:t>C#</a:t>
             </a:r>
-          </a:p>
-          <a:p>
-            <a:endParaRPr lang="en-US" altLang="ko-KR" dirty="0"/>
-          </a:p>
-          <a:p>
-            <a:r>
-              <a:rPr lang="en-US" altLang="ko-KR" dirty="0" smtClean="0"/>
+            <a:endParaRPr lang="en-US" altLang="ko-KR"/>
+          </a:p>
+          <a:p>
+            <a:pPr lvl="0">
+              <a:defRPr/>
+            </a:pPr>
+            <a:endParaRPr lang="en-US" altLang="ko-KR"/>
+          </a:p>
+          <a:p>
+            <a:pPr lvl="0">
+              <a:defRPr/>
+            </a:pPr>
+            <a:r>
+              <a:rPr lang="en-US" altLang="ko-KR"/>
               <a:t>Unity, Unity3D</a:t>
             </a:r>
-          </a:p>
-          <a:p>
-            <a:endParaRPr lang="en-US" altLang="ko-KR" dirty="0"/>
-          </a:p>
-          <a:p>
-            <a:r>
-              <a:rPr lang="en-US" altLang="ko-KR" dirty="0" err="1" smtClean="0"/>
-              <a:t>UnityEngine</a:t>
-            </a:r>
-            <a:r>
-              <a:rPr lang="en-US" altLang="ko-KR" dirty="0" smtClean="0"/>
-              <a:t>, </a:t>
-            </a:r>
-            <a:r>
-              <a:rPr lang="en-US" altLang="ko-KR" dirty="0" err="1" smtClean="0"/>
-              <a:t>Git</a:t>
-            </a:r>
-            <a:endParaRPr lang="ko-KR" altLang="en-US" dirty="0"/>
+            <a:endParaRPr lang="en-US" altLang="ko-KR"/>
+          </a:p>
+          <a:p>
+            <a:pPr lvl="0">
+              <a:defRPr/>
+            </a:pPr>
+            <a:endParaRPr lang="en-US" altLang="ko-KR"/>
+          </a:p>
+          <a:p>
+            <a:pPr lvl="0">
+              <a:defRPr/>
+            </a:pPr>
+            <a:r>
+              <a:rPr lang="en-US" altLang="ko-KR"/>
+              <a:t>UnityEngine, Git</a:t>
+            </a:r>
+            <a:endParaRPr lang="ko-KR" altLang="en-US"/>
           </a:p>
         </p:txBody>
       </p:sp>
@@ -5504,7 +6365,7 @@
 </file>
 
 <file path=ppt/slides/slide3.xml><?xml version="1.0" encoding="utf-8"?>
-<p:sld xmlns:a="http://schemas.openxmlformats.org/drawingml/2006/main" xmlns:r="http://schemas.openxmlformats.org/officeDocument/2006/relationships" xmlns:p="http://schemas.openxmlformats.org/presentationml/2006/main">
+<p:sld xmlns:r="http://schemas.openxmlformats.org/officeDocument/2006/relationships" xmlns:c="http://schemas.openxmlformats.org/drawingml/2006/chart" xmlns:a="http://schemas.openxmlformats.org/drawingml/2006/main" xmlns:dgm="http://schemas.openxmlformats.org/drawingml/2006/diagram" xmlns:dsp="http://schemas.microsoft.com/office/drawing/2008/diagram" xmlns:p="http://schemas.openxmlformats.org/presentationml/2006/main">
   <p:cSld>
     <p:spTree>
       <p:nvGrpSpPr>
@@ -5756,8 +6617,8 @@
         </p:nvSpPr>
         <p:spPr>
           <a:xfrm>
-            <a:off x="338697" y="1214609"/>
-            <a:ext cx="4664970" cy="1323439"/>
+            <a:off x="0" y="970183"/>
+            <a:ext cx="4664970" cy="1460011"/>
           </a:xfrm>
           <a:prstGeom prst="rect">
             <a:avLst/>
@@ -5773,33 +6634,37 @@
               <a:defRPr/>
             </a:pPr>
             <a:r>
-              <a:rPr lang="en-US" altLang="ko-KR" sz="7000" dirty="0" smtClean="0">
-                <a:latin typeface="Arial Black" panose="020B0A04020102020204" pitchFamily="34" charset="0"/>
+              <a:rPr lang="en-US" altLang="ko-KR" sz="9000">
+                <a:latin typeface="Arial Black"/>
                 <a:ea typeface="한컴 소망 B"/>
               </a:rPr>
               <a:t>1</a:t>
             </a:r>
             <a:r>
-              <a:rPr lang="ko-KR" altLang="en-US" sz="8000" dirty="0" smtClean="0">
-                <a:latin typeface="한컴 소망 B"/>
-                <a:ea typeface="한컴 소망 B"/>
+              <a:rPr lang="en-US" altLang="ko-KR" sz="2400">
+                <a:latin typeface="휴먼둥근헤드라인"/>
+                <a:ea typeface="휴먼둥근헤드라인"/>
               </a:rPr>
-              <a:t> </a:t>
-            </a:r>
-            <a:r>
-              <a:rPr lang="ko-KR" altLang="en-US" sz="2400" dirty="0" smtClean="0">
-                <a:latin typeface="휴먼둥근헤드라인" panose="02030504000101010101" pitchFamily="18" charset="-127"/>
-                <a:ea typeface="휴먼둥근헤드라인" panose="02030504000101010101" pitchFamily="18" charset="-127"/>
+              <a:t>  </a:t>
+            </a:r>
+            <a:r>
+              <a:rPr lang="ko-KR" altLang="en-US" sz="2400">
+                <a:latin typeface="휴먼둥근헤드라인"/>
+                <a:ea typeface="휴먼둥근헤드라인"/>
               </a:rPr>
               <a:t>어떤 게임인가</a:t>
             </a:r>
             <a:r>
-              <a:rPr lang="en-US" altLang="ko-KR" sz="2400" dirty="0">
-                <a:latin typeface="휴먼둥근헤드라인" panose="02030504000101010101" pitchFamily="18" charset="-127"/>
-                <a:ea typeface="휴먼둥근헤드라인" panose="02030504000101010101" pitchFamily="18" charset="-127"/>
+              <a:rPr lang="en-US" altLang="ko-KR" sz="2400">
+                <a:latin typeface="휴먼둥근헤드라인"/>
+                <a:ea typeface="휴먼둥근헤드라인"/>
               </a:rPr>
               <a:t>?</a:t>
             </a:r>
+            <a:endParaRPr lang="en-US" altLang="ko-KR" sz="2400">
+              <a:latin typeface="휴먼둥근헤드라인"/>
+              <a:ea typeface="휴먼둥근헤드라인"/>
+            </a:endParaRPr>
           </a:p>
         </p:txBody>
       </p:sp>
@@ -5811,8 +6676,8 @@
         </p:nvSpPr>
         <p:spPr>
           <a:xfrm>
-            <a:off x="1020667" y="2257638"/>
-            <a:ext cx="5821090" cy="1323439"/>
+            <a:off x="4080092" y="1610449"/>
+            <a:ext cx="5821090" cy="1454696"/>
           </a:xfrm>
           <a:prstGeom prst="rect">
             <a:avLst/>
@@ -5828,43 +6693,36 @@
               <a:defRPr/>
             </a:pPr>
             <a:r>
-              <a:rPr lang="en-US" altLang="ko-KR" sz="7000" dirty="0" smtClean="0">
-                <a:latin typeface="Arial Black" panose="020B0A04020102020204" pitchFamily="34" charset="0"/>
+              <a:rPr lang="ko-KR" altLang="en-US" sz="2400">
+                <a:latin typeface="휴먼둥근헤드라인"/>
+                <a:ea typeface="휴먼둥근헤드라인"/>
+              </a:rPr>
+              <a:t>게임 </a:t>
+            </a:r>
+            <a:r>
+              <a:rPr lang="en-US" altLang="ko-KR" sz="2400">
+                <a:latin typeface="휴먼둥근헤드라인"/>
+                <a:ea typeface="휴먼둥근헤드라인"/>
+              </a:rPr>
+              <a:t>Scene</a:t>
+            </a:r>
+            <a:r>
+              <a:rPr lang="ko-KR" altLang="en-US" sz="2400">
+                <a:latin typeface="휴먼둥근헤드라인"/>
+                <a:ea typeface="휴먼둥근헤드라인"/>
+              </a:rPr>
+              <a:t>의 흐름 </a:t>
+            </a:r>
+            <a:r>
+              <a:rPr lang="en-US" altLang="ko-KR" sz="9000">
+                <a:latin typeface="Arial Black"/>
                 <a:ea typeface="한컴 소망 B"/>
               </a:rPr>
               <a:t>2</a:t>
             </a:r>
-            <a:r>
-              <a:rPr lang="ko-KR" altLang="en-US" sz="8000" dirty="0" smtClean="0">
-                <a:latin typeface="한컴 소망 B"/>
-                <a:ea typeface="한컴 소망 B"/>
-              </a:rPr>
-              <a:t> </a:t>
-            </a:r>
-            <a:r>
-              <a:rPr lang="ko-KR" altLang="en-US" sz="2400" dirty="0" smtClean="0">
-                <a:latin typeface="휴먼둥근헤드라인" panose="02030504000101010101" pitchFamily="18" charset="-127"/>
-                <a:ea typeface="휴먼둥근헤드라인" panose="02030504000101010101" pitchFamily="18" charset="-127"/>
-              </a:rPr>
-              <a:t>게임 </a:t>
-            </a:r>
-            <a:r>
-              <a:rPr lang="en-US" altLang="ko-KR" sz="2400" dirty="0">
-                <a:latin typeface="휴먼둥근헤드라인" panose="02030504000101010101" pitchFamily="18" charset="-127"/>
-                <a:ea typeface="휴먼둥근헤드라인" panose="02030504000101010101" pitchFamily="18" charset="-127"/>
-              </a:rPr>
-              <a:t>Scene</a:t>
-            </a:r>
-            <a:r>
-              <a:rPr lang="ko-KR" altLang="en-US" sz="2400" dirty="0">
-                <a:latin typeface="휴먼둥근헤드라인" panose="02030504000101010101" pitchFamily="18" charset="-127"/>
-                <a:ea typeface="휴먼둥근헤드라인" panose="02030504000101010101" pitchFamily="18" charset="-127"/>
-              </a:rPr>
-              <a:t>의 흐름</a:t>
-            </a:r>
-            <a:endParaRPr lang="en-US" altLang="ko-KR" sz="2400" dirty="0">
-              <a:latin typeface="휴먼둥근헤드라인" panose="02030504000101010101" pitchFamily="18" charset="-127"/>
-              <a:ea typeface="휴먼둥근헤드라인" panose="02030504000101010101" pitchFamily="18" charset="-127"/>
+            <a:endParaRPr lang="ko-KR" altLang="en-US" sz="9000">
+              <a:latin typeface="휴먼둥근헤드라인"/>
+              <a:ea typeface="휴먼둥근헤드라인"/>
             </a:endParaRPr>
           </a:p>
         </p:txBody>
@@ -5877,8 +6735,8 @@
         </p:nvSpPr>
         <p:spPr>
           <a:xfrm>
-            <a:off x="2401654" y="4343696"/>
-            <a:ext cx="6281365" cy="1323439"/>
+            <a:off x="4966623" y="3429000"/>
+            <a:ext cx="4934558" cy="1455420"/>
           </a:xfrm>
           <a:prstGeom prst="rect">
             <a:avLst/>
@@ -5894,43 +6752,29 @@
               <a:defRPr/>
             </a:pPr>
             <a:r>
-              <a:rPr lang="en-US" altLang="ko-KR" sz="7000" dirty="0" smtClean="0">
-                <a:latin typeface="Arial Black" panose="020B0A04020102020204" pitchFamily="34" charset="0"/>
+              <a:rPr lang="en-US" altLang="ko-KR" sz="2400">
+                <a:latin typeface="휴먼둥근헤드라인"/>
+                <a:ea typeface="휴먼둥근헤드라인"/>
+              </a:rPr>
+              <a:t>AI </a:t>
+            </a:r>
+            <a:r>
+              <a:rPr lang="ko-KR" altLang="en-US" sz="2400">
+                <a:latin typeface="휴먼둥근헤드라인"/>
+                <a:ea typeface="휴먼둥근헤드라인"/>
+              </a:rPr>
+              <a:t>작동 방식 </a:t>
+            </a:r>
+            <a:r>
+              <a:rPr lang="en-US" altLang="ko-KR" sz="9000">
+                <a:latin typeface="Arial Black"/>
                 <a:ea typeface="한컴 소망 B"/>
               </a:rPr>
               <a:t>4</a:t>
             </a:r>
-            <a:r>
-              <a:rPr lang="ko-KR" altLang="en-US" sz="8000" dirty="0" smtClean="0">
-                <a:latin typeface="한컴 소망 B"/>
-                <a:ea typeface="한컴 소망 B"/>
-              </a:rPr>
-              <a:t> </a:t>
-            </a:r>
-            <a:r>
-              <a:rPr lang="en-US" altLang="ko-KR" sz="2400" dirty="0" smtClean="0">
-                <a:latin typeface="휴먼둥근헤드라인" panose="02030504000101010101" pitchFamily="18" charset="-127"/>
-                <a:ea typeface="휴먼둥근헤드라인" panose="02030504000101010101" pitchFamily="18" charset="-127"/>
-              </a:rPr>
-              <a:t>AI </a:t>
-            </a:r>
-            <a:r>
-              <a:rPr lang="ko-KR" altLang="en-US" sz="2400" dirty="0" smtClean="0">
-                <a:latin typeface="휴먼둥근헤드라인" panose="02030504000101010101" pitchFamily="18" charset="-127"/>
-                <a:ea typeface="휴먼둥근헤드라인" panose="02030504000101010101" pitchFamily="18" charset="-127"/>
-              </a:rPr>
-              <a:t>작동 </a:t>
-            </a:r>
-            <a:r>
-              <a:rPr lang="ko-KR" altLang="en-US" sz="2400" dirty="0">
-                <a:latin typeface="휴먼둥근헤드라인" panose="02030504000101010101" pitchFamily="18" charset="-127"/>
-                <a:ea typeface="휴먼둥근헤드라인" panose="02030504000101010101" pitchFamily="18" charset="-127"/>
-              </a:rPr>
-              <a:t>방식</a:t>
-            </a:r>
-            <a:endParaRPr lang="en-US" altLang="ko-KR" sz="2400" dirty="0">
-              <a:latin typeface="휴먼둥근헤드라인" panose="02030504000101010101" pitchFamily="18" charset="-127"/>
-              <a:ea typeface="휴먼둥근헤드라인" panose="02030504000101010101" pitchFamily="18" charset="-127"/>
+            <a:endParaRPr lang="en-US" altLang="ko-KR" sz="9000">
+              <a:latin typeface="Arial Black"/>
+              <a:ea typeface="한컴 소망 B"/>
             </a:endParaRPr>
           </a:p>
         </p:txBody>
@@ -5943,8 +6787,8 @@
         </p:nvSpPr>
         <p:spPr>
           <a:xfrm>
-            <a:off x="3143624" y="5534560"/>
-            <a:ext cx="4206852" cy="1323439"/>
+            <a:off x="4664970" y="5221956"/>
+            <a:ext cx="3469251" cy="1462689"/>
           </a:xfrm>
           <a:prstGeom prst="rect">
             <a:avLst/>
@@ -5960,36 +6804,29 @@
               <a:defRPr/>
             </a:pPr>
             <a:r>
-              <a:rPr lang="en-US" altLang="ko-KR" sz="7000" dirty="0" smtClean="0">
-                <a:latin typeface="Arial Black" panose="020B0A04020102020204" pitchFamily="34" charset="0"/>
-                <a:ea typeface="한컴 소망 B"/>
-              </a:rPr>
-              <a:t>5</a:t>
-            </a:r>
-            <a:r>
-              <a:rPr lang="ko-KR" altLang="en-US" sz="8000" dirty="0" smtClean="0">
-                <a:latin typeface="한컴 소망 B"/>
-                <a:ea typeface="한컴 소망 B"/>
-              </a:rPr>
-              <a:t> </a:t>
-            </a:r>
-            <a:r>
-              <a:rPr lang="en-US" altLang="ko-KR" sz="2400" dirty="0">
-                <a:latin typeface="휴먼둥근헤드라인" panose="02030504000101010101" pitchFamily="18" charset="-127"/>
-                <a:ea typeface="휴먼둥근헤드라인" panose="02030504000101010101" pitchFamily="18" charset="-127"/>
+              <a:rPr lang="en-US" altLang="ko-KR" sz="2400">
+                <a:latin typeface="휴먼둥근헤드라인"/>
+                <a:ea typeface="휴먼둥근헤드라인"/>
               </a:rPr>
               <a:t>UI </a:t>
             </a:r>
             <a:r>
-              <a:rPr lang="ko-KR" altLang="en-US" sz="2400" dirty="0">
-                <a:latin typeface="휴먼둥근헤드라인" panose="02030504000101010101" pitchFamily="18" charset="-127"/>
-                <a:ea typeface="휴먼둥근헤드라인" panose="02030504000101010101" pitchFamily="18" charset="-127"/>
+              <a:rPr lang="ko-KR" altLang="en-US" sz="2400">
+                <a:latin typeface="휴먼둥근헤드라인"/>
+                <a:ea typeface="휴먼둥근헤드라인"/>
               </a:rPr>
-              <a:t>작동 방식</a:t>
-            </a:r>
-            <a:endParaRPr lang="en-US" altLang="ko-KR" sz="2400" dirty="0">
-              <a:latin typeface="휴먼둥근헤드라인" panose="02030504000101010101" pitchFamily="18" charset="-127"/>
-              <a:ea typeface="휴먼둥근헤드라인" panose="02030504000101010101" pitchFamily="18" charset="-127"/>
+              <a:t>작동 방식    </a:t>
+            </a:r>
+            <a:r>
+              <a:rPr lang="en-US" altLang="ko-KR" sz="9000">
+                <a:latin typeface="Arial Black"/>
+                <a:ea typeface="휴먼둥근헤드라인"/>
+              </a:rPr>
+              <a:t>6</a:t>
+            </a:r>
+            <a:endParaRPr lang="en-US" altLang="ko-KR" sz="9000">
+              <a:latin typeface="Arial Black"/>
+              <a:ea typeface="휴먼둥근헤드라인"/>
             </a:endParaRPr>
           </a:p>
         </p:txBody>
@@ -6034,10 +6871,12 @@
           </a:fontRef>
         </p:style>
         <p:txBody>
-          <a:bodyPr rtlCol="0" anchor="ctr"/>
+          <a:bodyPr anchor="ctr"/>
           <a:lstStyle/>
           <a:p>
-            <a:pPr algn="ctr"/>
+            <a:pPr lvl="0" algn="ctr">
+              <a:defRPr/>
+            </a:pPr>
             <a:endParaRPr lang="ko-KR" altLang="en-US"/>
           </a:p>
         </p:txBody>
@@ -6050,8 +6889,8 @@
         </p:nvSpPr>
         <p:spPr>
           <a:xfrm>
-            <a:off x="1690809" y="3303216"/>
-            <a:ext cx="5821090" cy="1323439"/>
+            <a:off x="0" y="2698572"/>
+            <a:ext cx="5821090" cy="1461948"/>
           </a:xfrm>
           <a:prstGeom prst="rect">
             <a:avLst/>
@@ -6067,57 +6906,425 @@
               <a:defRPr/>
             </a:pPr>
             <a:r>
-              <a:rPr lang="en-US" altLang="ko-KR" sz="7000" dirty="0" smtClean="0">
-                <a:latin typeface="Arial Black" panose="020B0A04020102020204" pitchFamily="34" charset="0"/>
+              <a:rPr lang="en-US" altLang="ko-KR" sz="9000">
+                <a:latin typeface="Arial Black"/>
                 <a:ea typeface="한컴 소망 B"/>
               </a:rPr>
               <a:t>3</a:t>
             </a:r>
             <a:r>
-              <a:rPr lang="ko-KR" altLang="en-US" sz="8000" dirty="0" smtClean="0">
-                <a:latin typeface="한컴 소망 B"/>
-                <a:ea typeface="한컴 소망 B"/>
+              <a:rPr lang="ko-KR" altLang="en-US" sz="2400">
+                <a:latin typeface="휴먼둥근헤드라인"/>
+                <a:ea typeface="휴먼둥근헤드라인"/>
               </a:rPr>
-              <a:t> </a:t>
-            </a:r>
-            <a:r>
-              <a:rPr lang="en-US" altLang="ko-KR" sz="2400" dirty="0" smtClean="0">
-                <a:latin typeface="휴먼둥근헤드라인" panose="02030504000101010101" pitchFamily="18" charset="-127"/>
-                <a:ea typeface="휴먼둥근헤드라인" panose="02030504000101010101" pitchFamily="18" charset="-127"/>
+              <a:t>  </a:t>
+            </a:r>
+            <a:r>
+              <a:rPr lang="en-US" altLang="ko-KR" sz="2400">
+                <a:latin typeface="휴먼둥근헤드라인"/>
+                <a:ea typeface="휴먼둥근헤드라인"/>
               </a:rPr>
               <a:t>Player </a:t>
             </a:r>
             <a:r>
-              <a:rPr lang="ko-KR" altLang="en-US" sz="2400" dirty="0" smtClean="0">
-                <a:latin typeface="휴먼둥근헤드라인" panose="02030504000101010101" pitchFamily="18" charset="-127"/>
-                <a:ea typeface="휴먼둥근헤드라인" panose="02030504000101010101" pitchFamily="18" charset="-127"/>
+              <a:rPr lang="ko-KR" altLang="en-US" sz="2400">
+                <a:latin typeface="휴먼둥근헤드라인"/>
+                <a:ea typeface="휴먼둥근헤드라인"/>
               </a:rPr>
               <a:t>작동 방식</a:t>
             </a:r>
-            <a:endParaRPr lang="en-US" altLang="ko-KR" sz="2400" dirty="0">
-              <a:latin typeface="휴먼둥근헤드라인" panose="02030504000101010101" pitchFamily="18" charset="-127"/>
-              <a:ea typeface="휴먼둥근헤드라인" panose="02030504000101010101" pitchFamily="18" charset="-127"/>
+            <a:endParaRPr lang="ko-KR" altLang="en-US" sz="2400">
+              <a:latin typeface="휴먼둥근헤드라인"/>
+              <a:ea typeface="휴먼둥근헤드라인"/>
             </a:endParaRPr>
           </a:p>
         </p:txBody>
       </p:sp>
+      <p:sp>
+        <p:nvSpPr>
+          <p:cNvPr id="21" name="가로 글상자 20"/>
+          <p:cNvSpPr txBox="1"/>
+          <p:nvPr/>
+        </p:nvSpPr>
+        <p:spPr>
+          <a:xfrm>
+            <a:off x="0" y="4627563"/>
+            <a:ext cx="6281366" cy="1457007"/>
+          </a:xfrm>
+          <a:prstGeom prst="rect">
+            <a:avLst/>
+          </a:prstGeom>
+        </p:spPr>
+        <p:txBody>
+          <a:bodyPr wrap="square">
+            <a:spAutoFit/>
+          </a:bodyPr>
+          <a:lstStyle/>
+          <a:p>
+            <a:pPr lvl="0">
+              <a:defRPr/>
+            </a:pPr>
+            <a:r>
+              <a:rPr lang="en-US" altLang="ko-KR" sz="9000">
+                <a:latin typeface="Arial Black"/>
+                <a:ea typeface="휴먼둥근헤드라인"/>
+              </a:rPr>
+              <a:t>5</a:t>
+            </a:r>
+            <a:r>
+              <a:rPr lang="en-US" altLang="ko-KR" sz="2400">
+                <a:latin typeface="휴먼둥근헤드라인"/>
+                <a:ea typeface="휴먼둥근헤드라인"/>
+              </a:rPr>
+              <a:t>  Object </a:t>
+            </a:r>
+            <a:r>
+              <a:rPr lang="ko-KR" altLang="en-US" sz="2400">
+                <a:latin typeface="휴먼둥근헤드라인"/>
+                <a:ea typeface="휴먼둥근헤드라인"/>
+              </a:rPr>
+              <a:t>관리    </a:t>
+            </a:r>
+            <a:endParaRPr lang="ko-KR" altLang="en-US" sz="2400">
+              <a:latin typeface="휴먼둥근헤드라인"/>
+              <a:ea typeface="휴먼둥근헤드라인"/>
+            </a:endParaRPr>
+          </a:p>
+        </p:txBody>
+      </p:sp>
+      <p:grpSp>
+        <p:nvGrpSpPr>
+          <p:cNvPr id="29" name=""/>
+          <p:cNvGrpSpPr/>
+          <p:nvPr/>
+        </p:nvGrpSpPr>
+        <p:grpSpPr>
+          <a:xfrm rot="0">
+            <a:off x="2910544" y="1239520"/>
+            <a:ext cx="2056077" cy="5445124"/>
+            <a:chOff x="3585232" y="1233713"/>
+            <a:chExt cx="2056077" cy="5445124"/>
+          </a:xfrm>
+        </p:grpSpPr>
+        <p:sp>
+          <p:nvSpPr>
+            <p:cNvPr id="22" name="직사각형 21"/>
+            <p:cNvSpPr/>
+            <p:nvPr/>
+          </p:nvSpPr>
+          <p:spPr>
+            <a:xfrm>
+              <a:off x="4345780" y="1233713"/>
+              <a:ext cx="166687" cy="5445124"/>
+            </a:xfrm>
+            <a:prstGeom prst="rect">
+              <a:avLst/>
+            </a:prstGeom>
+            <a:ln>
+              <a:noFill/>
+            </a:ln>
+          </p:spPr>
+          <p:style>
+            <a:lnRef idx="2">
+              <a:schemeClr val="accent1">
+                <a:shade val="20000"/>
+              </a:schemeClr>
+            </a:lnRef>
+            <a:fillRef idx="1">
+              <a:schemeClr val="accent1"/>
+            </a:fillRef>
+            <a:effectRef idx="0">
+              <a:schemeClr val="accent1"/>
+            </a:effectRef>
+            <a:fontRef idx="minor">
+              <a:schemeClr val="lt1"/>
+            </a:fontRef>
+          </p:style>
+          <p:txBody>
+            <a:bodyPr anchor="ctr"/>
+            <a:p>
+              <a:pPr lvl="0" algn="ctr">
+                <a:defRPr/>
+              </a:pPr>
+              <a:endParaRPr lang="ko-KR" altLang="en-US"/>
+            </a:p>
+          </p:txBody>
+        </p:sp>
+        <p:sp>
+          <p:nvSpPr>
+            <p:cNvPr id="23" name="직사각형 22"/>
+            <p:cNvSpPr/>
+            <p:nvPr/>
+          </p:nvSpPr>
+          <p:spPr>
+            <a:xfrm>
+              <a:off x="4078740" y="1882101"/>
+              <a:ext cx="350383" cy="125379"/>
+            </a:xfrm>
+            <a:prstGeom prst="rect">
+              <a:avLst/>
+            </a:prstGeom>
+            <a:ln>
+              <a:noFill/>
+            </a:ln>
+          </p:spPr>
+          <p:style>
+            <a:lnRef idx="2">
+              <a:schemeClr val="accent1">
+                <a:shade val="20000"/>
+              </a:schemeClr>
+            </a:lnRef>
+            <a:fillRef idx="1">
+              <a:schemeClr val="accent1"/>
+            </a:fillRef>
+            <a:effectRef idx="0">
+              <a:schemeClr val="accent1"/>
+            </a:effectRef>
+            <a:fontRef idx="minor">
+              <a:schemeClr val="lt1"/>
+            </a:fontRef>
+          </p:style>
+          <p:txBody>
+            <a:bodyPr anchor="ctr"/>
+            <a:p>
+              <a:pPr lvl="0" algn="ctr">
+                <a:defRPr/>
+              </a:pPr>
+              <a:endParaRPr lang="ko-KR" altLang="en-US"/>
+            </a:p>
+          </p:txBody>
+        </p:sp>
+        <p:sp>
+          <p:nvSpPr>
+            <p:cNvPr id="24" name="직사각형 23"/>
+            <p:cNvSpPr/>
+            <p:nvPr/>
+          </p:nvSpPr>
+          <p:spPr>
+            <a:xfrm>
+              <a:off x="4173991" y="3659333"/>
+              <a:ext cx="306028" cy="125379"/>
+            </a:xfrm>
+            <a:prstGeom prst="rect">
+              <a:avLst/>
+            </a:prstGeom>
+            <a:ln>
+              <a:noFill/>
+            </a:ln>
+          </p:spPr>
+          <p:style>
+            <a:lnRef idx="2">
+              <a:schemeClr val="accent1">
+                <a:shade val="20000"/>
+              </a:schemeClr>
+            </a:lnRef>
+            <a:fillRef idx="1">
+              <a:schemeClr val="accent1"/>
+            </a:fillRef>
+            <a:effectRef idx="0">
+              <a:schemeClr val="accent1"/>
+            </a:effectRef>
+            <a:fontRef idx="minor">
+              <a:schemeClr val="lt1"/>
+            </a:fontRef>
+          </p:style>
+          <p:txBody>
+            <a:bodyPr anchor="ctr"/>
+            <a:p>
+              <a:pPr lvl="0" algn="ctr">
+                <a:defRPr/>
+              </a:pPr>
+              <a:endParaRPr lang="ko-KR" altLang="en-US"/>
+            </a:p>
+          </p:txBody>
+        </p:sp>
+        <p:sp>
+          <p:nvSpPr>
+            <p:cNvPr id="25" name="직사각형 24"/>
+            <p:cNvSpPr/>
+            <p:nvPr/>
+          </p:nvSpPr>
+          <p:spPr>
+            <a:xfrm>
+              <a:off x="3585232" y="5596082"/>
+              <a:ext cx="905623" cy="117442"/>
+            </a:xfrm>
+            <a:prstGeom prst="rect">
+              <a:avLst/>
+            </a:prstGeom>
+            <a:ln>
+              <a:noFill/>
+            </a:ln>
+          </p:spPr>
+          <p:style>
+            <a:lnRef idx="2">
+              <a:schemeClr val="accent1">
+                <a:shade val="20000"/>
+              </a:schemeClr>
+            </a:lnRef>
+            <a:fillRef idx="1">
+              <a:schemeClr val="accent1"/>
+            </a:fillRef>
+            <a:effectRef idx="0">
+              <a:schemeClr val="accent1"/>
+            </a:effectRef>
+            <a:fontRef idx="minor">
+              <a:schemeClr val="lt1"/>
+            </a:fontRef>
+          </p:style>
+          <p:txBody>
+            <a:bodyPr anchor="ctr"/>
+            <a:p>
+              <a:pPr lvl="0" algn="ctr">
+                <a:defRPr/>
+              </a:pPr>
+              <a:endParaRPr lang="ko-KR" altLang="en-US"/>
+            </a:p>
+          </p:txBody>
+        </p:sp>
+        <p:sp>
+          <p:nvSpPr>
+            <p:cNvPr id="26" name="직사각형 25"/>
+            <p:cNvSpPr/>
+            <p:nvPr/>
+          </p:nvSpPr>
+          <p:spPr>
+            <a:xfrm>
+              <a:off x="4345780" y="2683789"/>
+              <a:ext cx="392474" cy="117441"/>
+            </a:xfrm>
+            <a:prstGeom prst="rect">
+              <a:avLst/>
+            </a:prstGeom>
+            <a:ln>
+              <a:noFill/>
+            </a:ln>
+          </p:spPr>
+          <p:style>
+            <a:lnRef idx="2">
+              <a:schemeClr val="accent1">
+                <a:shade val="20000"/>
+              </a:schemeClr>
+            </a:lnRef>
+            <a:fillRef idx="1">
+              <a:schemeClr val="accent1"/>
+            </a:fillRef>
+            <a:effectRef idx="0">
+              <a:schemeClr val="accent1"/>
+            </a:effectRef>
+            <a:fontRef idx="minor">
+              <a:schemeClr val="lt1"/>
+            </a:fontRef>
+          </p:style>
+          <p:txBody>
+            <a:bodyPr anchor="ctr"/>
+            <a:p>
+              <a:pPr lvl="0" algn="ctr">
+                <a:defRPr/>
+              </a:pPr>
+              <a:endParaRPr lang="ko-KR" altLang="en-US"/>
+            </a:p>
+          </p:txBody>
+        </p:sp>
+        <p:sp>
+          <p:nvSpPr>
+            <p:cNvPr id="27" name="직사각형 26"/>
+            <p:cNvSpPr/>
+            <p:nvPr/>
+          </p:nvSpPr>
+          <p:spPr>
+            <a:xfrm>
+              <a:off x="4345779" y="4422102"/>
+              <a:ext cx="1295530" cy="109504"/>
+            </a:xfrm>
+            <a:prstGeom prst="rect">
+              <a:avLst/>
+            </a:prstGeom>
+            <a:ln>
+              <a:noFill/>
+            </a:ln>
+          </p:spPr>
+          <p:style>
+            <a:lnRef idx="2">
+              <a:schemeClr val="accent1">
+                <a:shade val="20000"/>
+              </a:schemeClr>
+            </a:lnRef>
+            <a:fillRef idx="1">
+              <a:schemeClr val="accent1"/>
+            </a:fillRef>
+            <a:effectRef idx="0">
+              <a:schemeClr val="accent1"/>
+            </a:effectRef>
+            <a:fontRef idx="minor">
+              <a:schemeClr val="lt1"/>
+            </a:fontRef>
+          </p:style>
+          <p:txBody>
+            <a:bodyPr anchor="ctr"/>
+            <a:p>
+              <a:pPr lvl="0" algn="ctr">
+                <a:defRPr/>
+              </a:pPr>
+              <a:endParaRPr lang="ko-KR" altLang="en-US"/>
+            </a:p>
+          </p:txBody>
+        </p:sp>
+        <p:sp>
+          <p:nvSpPr>
+            <p:cNvPr id="28" name="직사각형 27"/>
+            <p:cNvSpPr/>
+            <p:nvPr/>
+          </p:nvSpPr>
+          <p:spPr>
+            <a:xfrm>
+              <a:off x="4345779" y="6207269"/>
+              <a:ext cx="993877" cy="101567"/>
+            </a:xfrm>
+            <a:prstGeom prst="rect">
+              <a:avLst/>
+            </a:prstGeom>
+            <a:ln>
+              <a:noFill/>
+            </a:ln>
+          </p:spPr>
+          <p:style>
+            <a:lnRef idx="2">
+              <a:schemeClr val="accent1">
+                <a:shade val="20000"/>
+              </a:schemeClr>
+            </a:lnRef>
+            <a:fillRef idx="1">
+              <a:schemeClr val="accent1"/>
+            </a:fillRef>
+            <a:effectRef idx="0">
+              <a:schemeClr val="accent1"/>
+            </a:effectRef>
+            <a:fontRef idx="minor">
+              <a:schemeClr val="lt1"/>
+            </a:fontRef>
+          </p:style>
+          <p:txBody>
+            <a:bodyPr anchor="ctr"/>
+            <a:p>
+              <a:pPr lvl="0" algn="ctr">
+                <a:defRPr/>
+              </a:pPr>
+              <a:endParaRPr lang="ko-KR" altLang="en-US"/>
+            </a:p>
+          </p:txBody>
+        </p:sp>
+      </p:grpSp>
     </p:spTree>
   </p:cSld>
   <p:clrMapOvr>
     <a:masterClrMapping/>
   </p:clrMapOvr>
-  <p:timing>
-    <p:tnLst>
-      <p:par>
-        <p:cTn id="1" dur="indefinite" restart="never" nodeType="tmRoot"/>
-      </p:par>
-    </p:tnLst>
-  </p:timing>
 </p:sld>
 </file>
 
 <file path=ppt/slides/slide4.xml><?xml version="1.0" encoding="utf-8"?>
-<p:sld xmlns:a="http://schemas.openxmlformats.org/drawingml/2006/main" xmlns:r="http://schemas.openxmlformats.org/officeDocument/2006/relationships" xmlns:p="http://schemas.openxmlformats.org/presentationml/2006/main">
+<p:sld xmlns:r="http://schemas.openxmlformats.org/officeDocument/2006/relationships" xmlns:c="http://schemas.openxmlformats.org/drawingml/2006/chart" xmlns:a="http://schemas.openxmlformats.org/drawingml/2006/main" xmlns:dgm="http://schemas.openxmlformats.org/drawingml/2006/diagram" xmlns:dsp="http://schemas.microsoft.com/office/drawing/2008/diagram" xmlns:p="http://schemas.openxmlformats.org/presentationml/2006/main">
   <p:cSld>
     <p:spTree>
       <p:nvGrpSpPr>
@@ -6140,7 +7347,7 @@
             <a:spLocks noGrp="1"/>
           </p:cNvSpPr>
           <p:nvPr>
-            <p:ph type="title"/>
+            <p:ph type="title" idx="0"/>
           </p:nvPr>
         </p:nvSpPr>
         <p:spPr/>
@@ -6152,21 +7359,18 @@
               <a:defRPr/>
             </a:pPr>
             <a:r>
-              <a:rPr lang="en-US" altLang="ko-KR" dirty="0"/>
+              <a:rPr lang="en-US" altLang="ko-KR"/>
               <a:t>1.</a:t>
             </a:r>
             <a:r>
-              <a:rPr lang="ko-KR" altLang="en-US" dirty="0"/>
-              <a:t> </a:t>
-            </a:r>
-            <a:r>
-              <a:rPr lang="ko-KR" altLang="en-US" dirty="0" err="1"/>
-              <a:t>어떤게임인가</a:t>
-            </a:r>
-            <a:r>
-              <a:rPr lang="en-US" altLang="ko-KR" dirty="0"/>
+              <a:rPr lang="ko-KR" altLang="en-US"/>
+              <a:t> 어떤게임인가</a:t>
+            </a:r>
+            <a:r>
+              <a:rPr lang="en-US" altLang="ko-KR"/>
               <a:t>?</a:t>
             </a:r>
+            <a:endParaRPr lang="en-US" altLang="ko-KR"/>
           </a:p>
         </p:txBody>
       </p:sp>
@@ -6182,13 +7386,14 @@
         </p:nvSpPr>
         <p:spPr>
           <a:xfrm>
-            <a:off x="1621632" y="2719387"/>
-            <a:ext cx="8948736" cy="1419225"/>
-          </a:xfrm>
-          <a:ln w="50800">
+            <a:off x="1883569" y="2719387"/>
+            <a:ext cx="8424861" cy="1419225"/>
+          </a:xfrm>
+          <a:ln w="76200" cap="rnd" cmpd="tri">
             <a:solidFill>
               <a:schemeClr val="dk1"/>
             </a:solidFill>
+            <a:bevel/>
           </a:ln>
         </p:spPr>
         <p:txBody>
@@ -6200,35 +7405,38 @@
               <a:defRPr/>
             </a:pPr>
             <a:r>
-              <a:rPr lang="en-US" altLang="ko-KR" sz="4500" dirty="0"/>
+              <a:rPr lang="en-US" altLang="ko-KR" sz="4500"/>
               <a:t>The Darkest</a:t>
             </a:r>
             <a:r>
-              <a:rPr lang="ko-KR" altLang="en-US" dirty="0"/>
-              <a:t>는 </a:t>
-            </a:r>
-            <a:r>
-              <a:rPr lang="ko-KR" altLang="en-US" dirty="0" err="1"/>
-              <a:t>다크소울</a:t>
-            </a:r>
-            <a:r>
-              <a:rPr lang="ko-KR" altLang="en-US" dirty="0"/>
-              <a:t> 기반 </a:t>
-            </a:r>
-            <a:r>
-              <a:rPr lang="en-US" altLang="ko-KR" dirty="0">
+              <a:rPr lang="ko-KR" altLang="en-US"/>
+              <a:t>는 다크소울 기반 </a:t>
+            </a:r>
+            <a:r>
+              <a:rPr lang="en-US" altLang="ko-KR">
                 <a:latin typeface="한컴 고딕"/>
                 <a:ea typeface="한컴 고딕"/>
               </a:rPr>
               <a:t>RPG</a:t>
             </a:r>
             <a:r>
-              <a:rPr lang="ko-KR" altLang="en-US" dirty="0">
+              <a:rPr lang="ko-KR" altLang="en-US">
                 <a:latin typeface="한컴 고딕"/>
                 <a:ea typeface="한컴 고딕"/>
               </a:rPr>
-              <a:t>게임이며</a:t>
-            </a:r>
+              <a:t>게임입니다</a:t>
+            </a:r>
+            <a:r>
+              <a:rPr lang="en-US" altLang="ko-KR">
+                <a:latin typeface="한컴 고딕"/>
+                <a:ea typeface="한컴 고딕"/>
+              </a:rPr>
+              <a:t>.</a:t>
+            </a:r>
+            <a:endParaRPr lang="en-US" altLang="ko-KR">
+              <a:latin typeface="한컴 고딕"/>
+              <a:ea typeface="한컴 고딕"/>
+            </a:endParaRPr>
           </a:p>
           <a:p>
             <a:pPr marL="0" lvl="0" indent="0">
@@ -6236,68 +7444,51 @@
               <a:defRPr/>
             </a:pPr>
             <a:r>
-              <a:rPr lang="ko-KR" altLang="en-US" dirty="0">
+              <a:rPr lang="ko-KR" altLang="en-US">
                 <a:latin typeface="한컴 고딕"/>
                 <a:ea typeface="한컴 고딕"/>
               </a:rPr>
-              <a:t>아이템 </a:t>
-            </a:r>
-            <a:r>
-              <a:rPr lang="ko-KR" altLang="en-US" dirty="0" err="1">
-                <a:latin typeface="한컴 고딕"/>
-                <a:ea typeface="한컴 고딕"/>
-              </a:rPr>
-              <a:t>파밍</a:t>
-            </a:r>
-            <a:r>
-              <a:rPr lang="en-US" altLang="ko-KR" dirty="0">
+              <a:t>아이템 수집</a:t>
+            </a:r>
+            <a:r>
+              <a:rPr lang="en-US" altLang="ko-KR">
                 <a:latin typeface="한컴 고딕"/>
                 <a:ea typeface="한컴 고딕"/>
               </a:rPr>
               <a:t>,</a:t>
             </a:r>
             <a:r>
-              <a:rPr lang="ko-KR" altLang="en-US" dirty="0">
+              <a:rPr lang="ko-KR" altLang="en-US">
                 <a:latin typeface="한컴 고딕"/>
                 <a:ea typeface="한컴 고딕"/>
               </a:rPr>
-              <a:t> 레벨 업에 따른 </a:t>
-            </a:r>
-            <a:r>
-              <a:rPr lang="ko-KR" altLang="en-US" dirty="0" err="1">
-                <a:latin typeface="한컴 고딕"/>
-                <a:ea typeface="한컴 고딕"/>
-              </a:rPr>
-              <a:t>스텟</a:t>
-            </a:r>
-            <a:r>
-              <a:rPr lang="ko-KR" altLang="en-US" dirty="0">
-                <a:latin typeface="한컴 고딕"/>
-                <a:ea typeface="한컴 고딕"/>
-              </a:rPr>
-              <a:t> 배분</a:t>
-            </a:r>
-            <a:r>
-              <a:rPr lang="en-US" altLang="ko-KR" dirty="0">
+              <a:t> 레벨 업</a:t>
+            </a:r>
+            <a:r>
+              <a:rPr lang="en-US" altLang="ko-KR">
                 <a:latin typeface="한컴 고딕"/>
                 <a:ea typeface="한컴 고딕"/>
               </a:rPr>
               <a:t>,</a:t>
             </a:r>
             <a:r>
-              <a:rPr lang="ko-KR" altLang="en-US" dirty="0">
+              <a:rPr lang="ko-KR" altLang="en-US">
                 <a:latin typeface="한컴 고딕"/>
                 <a:ea typeface="한컴 고딕"/>
               </a:rPr>
-              <a:t> 보스 등이 있습니다</a:t>
-            </a:r>
-            <a:r>
-              <a:rPr lang="en-US" altLang="ko-KR" dirty="0">
+              <a:t> 보스 전투 등의 요소가 있습니다</a:t>
+            </a:r>
+            <a:r>
+              <a:rPr lang="en-US" altLang="ko-KR">
                 <a:latin typeface="한컴 고딕"/>
                 <a:ea typeface="한컴 고딕"/>
               </a:rPr>
               <a:t>.</a:t>
             </a:r>
+            <a:endParaRPr lang="en-US" altLang="ko-KR">
+              <a:latin typeface="한컴 고딕"/>
+              <a:ea typeface="한컴 고딕"/>
+            </a:endParaRPr>
           </a:p>
         </p:txBody>
       </p:sp>
@@ -6322,7 +7513,7 @@
 </file>
 
 <file path=ppt/slides/slide5.xml><?xml version="1.0" encoding="utf-8"?>
-<p:sld xmlns:a="http://schemas.openxmlformats.org/drawingml/2006/main" xmlns:r="http://schemas.openxmlformats.org/officeDocument/2006/relationships" xmlns:p="http://schemas.openxmlformats.org/presentationml/2006/main">
+<p:sld xmlns:r="http://schemas.openxmlformats.org/officeDocument/2006/relationships" xmlns:c="http://schemas.openxmlformats.org/drawingml/2006/chart" xmlns:a="http://schemas.openxmlformats.org/drawingml/2006/main" xmlns:dgm="http://schemas.openxmlformats.org/drawingml/2006/diagram" xmlns:dsp="http://schemas.microsoft.com/office/drawing/2008/diagram" xmlns:p="http://schemas.openxmlformats.org/presentationml/2006/main">
   <p:cSld>
     <p:spTree>
       <p:nvGrpSpPr>
@@ -7124,49 +8315,6 @@
           </a:p>
         </p:txBody>
       </p:sp>
-      <p:sp>
-        <p:nvSpPr>
-          <p:cNvPr id="20" name="가로 글상자 19"/>
-          <p:cNvSpPr txBox="1"/>
-          <p:nvPr/>
-        </p:nvSpPr>
-        <p:spPr>
-          <a:xfrm>
-            <a:off x="9693515" y="3796298"/>
-            <a:ext cx="2295262" cy="910241"/>
-          </a:xfrm>
-          <a:prstGeom prst="rect">
-            <a:avLst/>
-          </a:prstGeom>
-        </p:spPr>
-        <p:txBody>
-          <a:bodyPr wrap="square">
-            <a:spAutoFit/>
-          </a:bodyPr>
-          <a:lstStyle/>
-          <a:p>
-            <a:pPr lvl="0">
-              <a:defRPr/>
-            </a:pPr>
-            <a:r>
-              <a:rPr lang="en-US" altLang="ko-KR"/>
-              <a:t>Player</a:t>
-            </a:r>
-            <a:r>
-              <a:rPr lang="ko-KR" altLang="en-US"/>
-              <a:t>가 사망하면</a:t>
-            </a:r>
-            <a:r>
-              <a:rPr lang="en-US" altLang="ko-KR"/>
-              <a:t>RestPlaceScene</a:t>
-            </a:r>
-            <a:r>
-              <a:rPr lang="ko-KR" altLang="en-US"/>
-              <a:t>으로 이동합니다</a:t>
-            </a:r>
-          </a:p>
-        </p:txBody>
-      </p:sp>
       <p:cxnSp>
         <p:nvCxnSpPr>
           <p:cNvPr id="21" name="화살표 20"/>
@@ -7405,7 +8553,7 @@
 </file>
 
 <file path=ppt/slides/slide6.xml><?xml version="1.0" encoding="utf-8"?>
-<p:sld xmlns:a="http://schemas.openxmlformats.org/drawingml/2006/main" xmlns:r="http://schemas.openxmlformats.org/officeDocument/2006/relationships" xmlns:p="http://schemas.openxmlformats.org/presentationml/2006/main">
+<p:sld xmlns:r="http://schemas.openxmlformats.org/officeDocument/2006/relationships" xmlns:c="http://schemas.openxmlformats.org/drawingml/2006/chart" xmlns:a="http://schemas.openxmlformats.org/drawingml/2006/main" xmlns:dgm="http://schemas.openxmlformats.org/drawingml/2006/diagram" xmlns:dsp="http://schemas.microsoft.com/office/drawing/2008/diagram" xmlns:p="http://schemas.openxmlformats.org/presentationml/2006/main">
   <p:cSld>
     <p:spTree>
       <p:nvGrpSpPr>
@@ -7459,6 +8607,920 @@
           </a:p>
         </p:txBody>
       </p:sp>
+      <p:pic>
+        <p:nvPicPr>
+          <p:cNvPr id="4" name="그림 3"/>
+          <p:cNvPicPr>
+            <a:picLocks noChangeAspect="1"/>
+          </p:cNvPicPr>
+          <p:nvPr/>
+        </p:nvPicPr>
+        <p:blipFill rotWithShape="1">
+          <a:blip r:embed="rId2"/>
+          <a:stretch>
+            <a:fillRect/>
+          </a:stretch>
+        </p:blipFill>
+        <p:spPr>
+          <a:xfrm>
+            <a:off x="609599" y="1260157"/>
+            <a:ext cx="2675222" cy="2569482"/>
+          </a:xfrm>
+          <a:prstGeom prst="rect">
+            <a:avLst/>
+          </a:prstGeom>
+        </p:spPr>
+      </p:pic>
+      <p:pic>
+        <p:nvPicPr>
+          <p:cNvPr id="5" name="그림 4"/>
+          <p:cNvPicPr>
+            <a:picLocks noChangeAspect="1"/>
+          </p:cNvPicPr>
+          <p:nvPr/>
+        </p:nvPicPr>
+        <p:blipFill rotWithShape="1">
+          <a:blip r:embed="rId3"/>
+          <a:stretch>
+            <a:fillRect/>
+          </a:stretch>
+        </p:blipFill>
+        <p:spPr>
+          <a:xfrm>
+            <a:off x="8251938" y="1368743"/>
+            <a:ext cx="1399539" cy="3148963"/>
+          </a:xfrm>
+          <a:prstGeom prst="rect">
+            <a:avLst/>
+          </a:prstGeom>
+        </p:spPr>
+      </p:pic>
+      <p:sp>
+        <p:nvSpPr>
+          <p:cNvPr id="6" name="가로 글상자 5"/>
+          <p:cNvSpPr txBox="1"/>
+          <p:nvPr/>
+        </p:nvSpPr>
+        <p:spPr>
+          <a:xfrm>
+            <a:off x="1387286" y="3559866"/>
+            <a:ext cx="1326222" cy="572250"/>
+          </a:xfrm>
+          <a:prstGeom prst="rect">
+            <a:avLst/>
+          </a:prstGeom>
+        </p:spPr>
+        <p:txBody>
+          <a:bodyPr wrap="square">
+            <a:spAutoFit/>
+          </a:bodyPr>
+          <a:p>
+            <a:pPr lvl="0">
+              <a:defRPr/>
+            </a:pPr>
+            <a:r>
+              <a:rPr lang="ko-KR" altLang="en-US" sz="3200">
+                <a:latin typeface="한컴 윤체 M"/>
+                <a:ea typeface="한컴 윤체 M"/>
+              </a:rPr>
+              <a:t>이동키</a:t>
+            </a:r>
+            <a:endParaRPr lang="ko-KR" altLang="en-US" sz="3200">
+              <a:latin typeface="한컴 윤체 M"/>
+              <a:ea typeface="한컴 윤체 M"/>
+            </a:endParaRPr>
+          </a:p>
+        </p:txBody>
+      </p:sp>
+      <p:sp>
+        <p:nvSpPr>
+          <p:cNvPr id="7" name="가로 글상자 6"/>
+          <p:cNvSpPr txBox="1"/>
+          <p:nvPr/>
+        </p:nvSpPr>
+        <p:spPr>
+          <a:xfrm>
+            <a:off x="8565586" y="4360717"/>
+            <a:ext cx="1031286" cy="573120"/>
+          </a:xfrm>
+          <a:prstGeom prst="rect">
+            <a:avLst/>
+          </a:prstGeom>
+        </p:spPr>
+        <p:txBody>
+          <a:bodyPr wrap="square">
+            <a:spAutoFit/>
+          </a:bodyPr>
+          <a:p>
+            <a:pPr lvl="0">
+              <a:defRPr/>
+            </a:pPr>
+            <a:r>
+              <a:rPr lang="ko-KR" altLang="en-US" sz="3200">
+                <a:latin typeface="한컴 윤체 M"/>
+                <a:ea typeface="한컴 윤체 M"/>
+              </a:rPr>
+              <a:t>회전</a:t>
+            </a:r>
+            <a:endParaRPr lang="ko-KR" altLang="en-US" sz="3200">
+              <a:latin typeface="한컴 윤체 M"/>
+              <a:ea typeface="한컴 윤체 M"/>
+            </a:endParaRPr>
+          </a:p>
+        </p:txBody>
+      </p:sp>
+      <p:sp>
+        <p:nvSpPr>
+          <p:cNvPr id="11" name="가로 글상자 10"/>
+          <p:cNvSpPr txBox="1"/>
+          <p:nvPr/>
+        </p:nvSpPr>
+        <p:spPr>
+          <a:xfrm>
+            <a:off x="11081262" y="1743556"/>
+            <a:ext cx="2052060" cy="576510"/>
+          </a:xfrm>
+          <a:prstGeom prst="rect">
+            <a:avLst/>
+          </a:prstGeom>
+        </p:spPr>
+        <p:txBody>
+          <a:bodyPr wrap="square">
+            <a:spAutoFit/>
+          </a:bodyPr>
+          <a:p>
+            <a:pPr lvl="0">
+              <a:defRPr/>
+            </a:pPr>
+            <a:r>
+              <a:rPr lang="ko-KR" altLang="en-US" sz="3200">
+                <a:latin typeface="한컴 윤체 M"/>
+                <a:ea typeface="한컴 윤체 M"/>
+              </a:rPr>
+              <a:t>조준</a:t>
+            </a:r>
+            <a:endParaRPr lang="ko-KR" altLang="en-US" sz="3200">
+              <a:latin typeface="한컴 윤체 M"/>
+              <a:ea typeface="한컴 윤체 M"/>
+            </a:endParaRPr>
+          </a:p>
+        </p:txBody>
+      </p:sp>
+      <p:cxnSp>
+        <p:nvCxnSpPr>
+          <p:cNvPr id="16" name="선 15"/>
+          <p:cNvCxnSpPr/>
+          <p:nvPr/>
+        </p:nvCxnSpPr>
+        <p:spPr>
+          <a:xfrm rot="10800000" flipV="1">
+            <a:off x="7974114" y="2031811"/>
+            <a:ext cx="591472" cy="366233"/>
+          </a:xfrm>
+          <a:prstGeom prst="line">
+            <a:avLst/>
+          </a:prstGeom>
+        </p:spPr>
+        <p:style>
+          <a:lnRef idx="1">
+            <a:schemeClr val="accent1"/>
+          </a:lnRef>
+          <a:fillRef idx="0">
+            <a:schemeClr val="accent1"/>
+          </a:fillRef>
+          <a:effectRef idx="0">
+            <a:schemeClr val="accent1"/>
+          </a:effectRef>
+          <a:fontRef idx="minor">
+            <a:schemeClr val="tx1"/>
+          </a:fontRef>
+        </p:style>
+      </p:cxnSp>
+      <p:cxnSp>
+        <p:nvCxnSpPr>
+          <p:cNvPr id="17" name="선 16"/>
+          <p:cNvCxnSpPr>
+            <a:endCxn id="19" idx="0"/>
+          </p:cNvCxnSpPr>
+          <p:nvPr/>
+        </p:nvCxnSpPr>
+        <p:spPr>
+          <a:xfrm rot="16200000" flipH="1" flipV="1">
+            <a:off x="6526169" y="3845988"/>
+            <a:ext cx="2895892" cy="5"/>
+          </a:xfrm>
+          <a:prstGeom prst="line">
+            <a:avLst/>
+          </a:prstGeom>
+        </p:spPr>
+        <p:style>
+          <a:lnRef idx="1">
+            <a:schemeClr val="accent1"/>
+          </a:lnRef>
+          <a:fillRef idx="0">
+            <a:schemeClr val="accent1"/>
+          </a:fillRef>
+          <a:effectRef idx="0">
+            <a:schemeClr val="accent1"/>
+          </a:effectRef>
+          <a:fontRef idx="minor">
+            <a:schemeClr val="tx1"/>
+          </a:fontRef>
+        </p:style>
+      </p:cxnSp>
+      <p:sp>
+        <p:nvSpPr>
+          <p:cNvPr id="19" name="가로 글상자 18"/>
+          <p:cNvSpPr txBox="1"/>
+          <p:nvPr/>
+        </p:nvSpPr>
+        <p:spPr>
+          <a:xfrm>
+            <a:off x="6426574" y="5293937"/>
+            <a:ext cx="3095078" cy="1057333"/>
+          </a:xfrm>
+          <a:prstGeom prst="rect">
+            <a:avLst/>
+          </a:prstGeom>
+        </p:spPr>
+        <p:txBody>
+          <a:bodyPr wrap="square">
+            <a:spAutoFit/>
+          </a:bodyPr>
+          <a:p>
+            <a:pPr lvl="0" algn="ctr">
+              <a:defRPr/>
+            </a:pPr>
+            <a:r>
+              <a:rPr lang="ko-KR" altLang="en-US" sz="3200">
+                <a:latin typeface="한컴 윤체 M"/>
+                <a:ea typeface="한컴 윤체 M"/>
+              </a:rPr>
+              <a:t>조준 상태에서 </a:t>
+            </a:r>
+            <a:endParaRPr lang="ko-KR" altLang="en-US" sz="3200">
+              <a:latin typeface="한컴 윤체 M"/>
+              <a:ea typeface="한컴 윤체 M"/>
+            </a:endParaRPr>
+          </a:p>
+          <a:p>
+            <a:pPr lvl="0" algn="ctr">
+              <a:defRPr/>
+            </a:pPr>
+            <a:r>
+              <a:rPr lang="ko-KR" altLang="en-US" sz="3200">
+                <a:latin typeface="한컴 윤체 M"/>
+                <a:ea typeface="한컴 윤체 M"/>
+              </a:rPr>
+              <a:t>발사</a:t>
+            </a:r>
+            <a:endParaRPr lang="ko-KR" altLang="en-US" sz="3200">
+              <a:latin typeface="한컴 윤체 M"/>
+              <a:ea typeface="한컴 윤체 M"/>
+            </a:endParaRPr>
+          </a:p>
+        </p:txBody>
+      </p:sp>
+      <p:pic>
+        <p:nvPicPr>
+          <p:cNvPr id="20" name="그림 19"/>
+          <p:cNvPicPr>
+            <a:picLocks noChangeAspect="1"/>
+          </p:cNvPicPr>
+          <p:nvPr/>
+        </p:nvPicPr>
+        <p:blipFill rotWithShape="1">
+          <a:blip r:embed="rId4"/>
+          <a:stretch>
+            <a:fillRect/>
+          </a:stretch>
+        </p:blipFill>
+        <p:spPr>
+          <a:xfrm>
+            <a:off x="3823807" y="2524288"/>
+            <a:ext cx="2481018" cy="904711"/>
+          </a:xfrm>
+          <a:prstGeom prst="rect">
+            <a:avLst/>
+          </a:prstGeom>
+        </p:spPr>
+      </p:pic>
+      <p:sp>
+        <p:nvSpPr>
+          <p:cNvPr id="21" name="가로 글상자 20"/>
+          <p:cNvSpPr txBox="1"/>
+          <p:nvPr/>
+        </p:nvSpPr>
+        <p:spPr>
+          <a:xfrm>
+            <a:off x="4456517" y="3608444"/>
+            <a:ext cx="1729245" cy="572250"/>
+          </a:xfrm>
+          <a:prstGeom prst="rect">
+            <a:avLst/>
+          </a:prstGeom>
+        </p:spPr>
+        <p:txBody>
+          <a:bodyPr wrap="square">
+            <a:spAutoFit/>
+          </a:bodyPr>
+          <a:p>
+            <a:pPr lvl="0">
+              <a:defRPr/>
+            </a:pPr>
+            <a:r>
+              <a:rPr lang="ko-KR" altLang="en-US" sz="3200">
+                <a:latin typeface="한컴 윤체 M"/>
+                <a:ea typeface="한컴 윤체 M"/>
+              </a:rPr>
+              <a:t>달리기</a:t>
+            </a:r>
+            <a:endParaRPr lang="ko-KR" altLang="en-US" sz="3200">
+              <a:latin typeface="한컴 윤체 M"/>
+              <a:ea typeface="한컴 윤체 M"/>
+            </a:endParaRPr>
+          </a:p>
+        </p:txBody>
+      </p:sp>
+      <p:cxnSp>
+        <p:nvCxnSpPr>
+          <p:cNvPr id="22" name="선 21"/>
+          <p:cNvCxnSpPr>
+            <a:endCxn id="11" idx="1"/>
+          </p:cNvCxnSpPr>
+          <p:nvPr/>
+        </p:nvCxnSpPr>
+        <p:spPr>
+          <a:xfrm flipV="1">
+            <a:off x="9251156" y="2031811"/>
+            <a:ext cx="1830106" cy="0"/>
+          </a:xfrm>
+          <a:prstGeom prst="line">
+            <a:avLst/>
+          </a:prstGeom>
+        </p:spPr>
+        <p:style>
+          <a:lnRef idx="1">
+            <a:schemeClr val="accent1"/>
+          </a:lnRef>
+          <a:fillRef idx="0">
+            <a:schemeClr val="accent1"/>
+          </a:fillRef>
+          <a:effectRef idx="0">
+            <a:schemeClr val="accent1"/>
+          </a:effectRef>
+          <a:fontRef idx="minor">
+            <a:schemeClr val="tx1"/>
+          </a:fontRef>
+        </p:style>
+      </p:cxnSp>
+      <p:grpSp>
+        <p:nvGrpSpPr>
+          <p:cNvPr id="28" name=""/>
+          <p:cNvGrpSpPr/>
+          <p:nvPr/>
+        </p:nvGrpSpPr>
+        <p:grpSpPr>
+          <a:xfrm rot="0">
+            <a:off x="644703" y="4647277"/>
+            <a:ext cx="897222" cy="953885"/>
+            <a:chOff x="3800106" y="4170335"/>
+            <a:chExt cx="897222" cy="953885"/>
+          </a:xfrm>
+        </p:grpSpPr>
+        <p:grpSp>
+          <p:nvGrpSpPr>
+            <p:cNvPr id="26" name=""/>
+            <p:cNvGrpSpPr/>
+            <p:nvPr/>
+          </p:nvGrpSpPr>
+          <p:grpSpPr>
+            <a:xfrm rot="0">
+              <a:off x="3800106" y="4170335"/>
+              <a:ext cx="897222" cy="953885"/>
+              <a:chOff x="3800106" y="4170335"/>
+              <a:chExt cx="897222" cy="953885"/>
+            </a:xfrm>
+          </p:grpSpPr>
+          <p:pic>
+            <p:nvPicPr>
+              <p:cNvPr id="24" name="그림 23"/>
+              <p:cNvPicPr>
+                <a:picLocks noChangeAspect="1"/>
+              </p:cNvPicPr>
+              <p:nvPr/>
+            </p:nvPicPr>
+            <p:blipFill rotWithShape="1">
+              <a:blip r:embed="rId5"/>
+              <a:srcRect l="66460" t="50000" b="12880"/>
+              <a:stretch>
+                <a:fillRect/>
+              </a:stretch>
+            </p:blipFill>
+            <p:spPr>
+              <a:xfrm>
+                <a:off x="3800106" y="4170335"/>
+                <a:ext cx="897222" cy="953885"/>
+              </a:xfrm>
+              <a:prstGeom prst="rect">
+                <a:avLst/>
+              </a:prstGeom>
+            </p:spPr>
+          </p:pic>
+          <p:sp>
+            <p:nvSpPr>
+              <p:cNvPr id="25" name="직사각형 24"/>
+              <p:cNvSpPr/>
+              <p:nvPr/>
+            </p:nvSpPr>
+            <p:spPr>
+              <a:xfrm>
+                <a:off x="4052094" y="4360717"/>
+                <a:ext cx="388937" cy="493064"/>
+              </a:xfrm>
+              <a:prstGeom prst="rect">
+                <a:avLst/>
+              </a:prstGeom>
+              <a:solidFill>
+                <a:schemeClr val="lt1"/>
+              </a:solidFill>
+              <a:ln>
+                <a:solidFill>
+                  <a:schemeClr val="lt1"/>
+                </a:solidFill>
+              </a:ln>
+            </p:spPr>
+            <p:style>
+              <a:lnRef idx="2">
+                <a:schemeClr val="accent1">
+                  <a:shade val="20000"/>
+                </a:schemeClr>
+              </a:lnRef>
+              <a:fillRef idx="1">
+                <a:schemeClr val="accent1"/>
+              </a:fillRef>
+              <a:effectRef idx="0">
+                <a:schemeClr val="accent1"/>
+              </a:effectRef>
+              <a:fontRef idx="minor">
+                <a:schemeClr val="lt1"/>
+              </a:fontRef>
+            </p:style>
+            <p:txBody>
+              <a:bodyPr anchor="ctr"/>
+              <a:p>
+                <a:pPr lvl="0" algn="ctr">
+                  <a:defRPr/>
+                </a:pPr>
+                <a:endParaRPr lang="ko-KR" altLang="en-US"/>
+              </a:p>
+            </p:txBody>
+          </p:sp>
+        </p:grpSp>
+        <p:sp>
+          <p:nvSpPr>
+            <p:cNvPr id="27" name="가로 글상자 26"/>
+            <p:cNvSpPr txBox="1"/>
+            <p:nvPr/>
+          </p:nvSpPr>
+          <p:spPr>
+            <a:xfrm>
+              <a:off x="3972705" y="4248531"/>
+              <a:ext cx="653174" cy="795338"/>
+            </a:xfrm>
+            <a:prstGeom prst="rect">
+              <a:avLst/>
+            </a:prstGeom>
+          </p:spPr>
+          <p:txBody>
+            <a:bodyPr wrap="square">
+              <a:spAutoFit/>
+            </a:bodyPr>
+            <a:p>
+              <a:pPr lvl="0">
+                <a:defRPr/>
+              </a:pPr>
+              <a:r>
+                <a:rPr lang="en-US" altLang="ko-KR" sz="4600">
+                  <a:latin typeface="한컴 윤체 M"/>
+                  <a:ea typeface="한컴 윤체 M"/>
+                </a:rPr>
+                <a:t>U</a:t>
+              </a:r>
+              <a:endParaRPr lang="en-US" altLang="ko-KR" sz="4600">
+                <a:latin typeface="한컴 윤체 M"/>
+                <a:ea typeface="한컴 윤체 M"/>
+              </a:endParaRPr>
+            </a:p>
+          </p:txBody>
+        </p:sp>
+      </p:grpSp>
+      <p:grpSp>
+        <p:nvGrpSpPr>
+          <p:cNvPr id="31" name="그룹 30"/>
+          <p:cNvGrpSpPr/>
+          <p:nvPr/>
+        </p:nvGrpSpPr>
+        <p:grpSpPr>
+          <a:xfrm rot="0">
+            <a:off x="2300002" y="4647278"/>
+            <a:ext cx="897222" cy="953885"/>
+            <a:chOff x="3800106" y="4170335"/>
+            <a:chExt cx="897222" cy="953885"/>
+          </a:xfrm>
+        </p:grpSpPr>
+        <p:grpSp>
+          <p:nvGrpSpPr>
+            <p:cNvPr id="32" name=""/>
+            <p:cNvGrpSpPr/>
+            <p:nvPr/>
+          </p:nvGrpSpPr>
+          <p:grpSpPr>
+            <a:xfrm rot="0">
+              <a:off x="3800106" y="4170335"/>
+              <a:ext cx="897222" cy="953885"/>
+              <a:chOff x="3800106" y="4170335"/>
+              <a:chExt cx="897222" cy="953885"/>
+            </a:xfrm>
+          </p:grpSpPr>
+          <p:pic>
+            <p:nvPicPr>
+              <p:cNvPr id="33" name="그림 23"/>
+              <p:cNvPicPr>
+                <a:picLocks noChangeAspect="1"/>
+              </p:cNvPicPr>
+              <p:nvPr/>
+            </p:nvPicPr>
+            <p:blipFill rotWithShape="1">
+              <a:blip r:embed="rId6"/>
+              <a:srcRect l="66460" t="50000" b="12880"/>
+              <a:stretch>
+                <a:fillRect/>
+              </a:stretch>
+            </p:blipFill>
+            <p:spPr>
+              <a:xfrm>
+                <a:off x="3800106" y="4170335"/>
+                <a:ext cx="897222" cy="953885"/>
+              </a:xfrm>
+              <a:prstGeom prst="rect">
+                <a:avLst/>
+              </a:prstGeom>
+            </p:spPr>
+          </p:pic>
+          <p:sp>
+            <p:nvSpPr>
+              <p:cNvPr id="34" name="직사각형 24"/>
+              <p:cNvSpPr/>
+              <p:nvPr/>
+            </p:nvSpPr>
+            <p:spPr>
+              <a:xfrm>
+                <a:off x="4052094" y="4360717"/>
+                <a:ext cx="388937" cy="493064"/>
+              </a:xfrm>
+              <a:prstGeom prst="rect">
+                <a:avLst/>
+              </a:prstGeom>
+              <a:solidFill>
+                <a:schemeClr val="lt1"/>
+              </a:solidFill>
+              <a:ln>
+                <a:solidFill>
+                  <a:schemeClr val="lt1"/>
+                </a:solidFill>
+              </a:ln>
+            </p:spPr>
+            <p:style>
+              <a:lnRef idx="2">
+                <a:schemeClr val="accent1">
+                  <a:shade val="20000"/>
+                </a:schemeClr>
+              </a:lnRef>
+              <a:fillRef idx="1">
+                <a:schemeClr val="accent1"/>
+              </a:fillRef>
+              <a:effectRef idx="0">
+                <a:schemeClr val="accent1"/>
+              </a:effectRef>
+              <a:fontRef idx="minor">
+                <a:schemeClr val="lt1"/>
+              </a:fontRef>
+            </p:style>
+            <p:txBody>
+              <a:bodyPr anchor="ctr"/>
+              <a:p>
+                <a:pPr lvl="0" algn="ctr">
+                  <a:defRPr/>
+                </a:pPr>
+                <a:endParaRPr lang="ko-KR" altLang="en-US"/>
+              </a:p>
+            </p:txBody>
+          </p:sp>
+        </p:grpSp>
+        <p:sp>
+          <p:nvSpPr>
+            <p:cNvPr id="35" name="가로 글상자 26"/>
+            <p:cNvSpPr txBox="1"/>
+            <p:nvPr/>
+          </p:nvSpPr>
+          <p:spPr>
+            <a:xfrm>
+              <a:off x="3930408" y="4248531"/>
+              <a:ext cx="653174" cy="795338"/>
+            </a:xfrm>
+            <a:prstGeom prst="rect">
+              <a:avLst/>
+            </a:prstGeom>
+          </p:spPr>
+          <p:txBody>
+            <a:bodyPr wrap="square">
+              <a:spAutoFit/>
+            </a:bodyPr>
+            <a:p>
+              <a:pPr lvl="0" algn="ctr">
+                <a:defRPr/>
+              </a:pPr>
+              <a:r>
+                <a:rPr lang="en-US" altLang="ko-KR" sz="4600">
+                  <a:latin typeface="한컴 윤체 M"/>
+                  <a:ea typeface="한컴 윤체 M"/>
+                </a:rPr>
+                <a:t>I</a:t>
+              </a:r>
+              <a:endParaRPr lang="en-US" altLang="ko-KR" sz="4600">
+                <a:latin typeface="한컴 윤체 M"/>
+                <a:ea typeface="한컴 윤체 M"/>
+              </a:endParaRPr>
+            </a:p>
+          </p:txBody>
+        </p:sp>
+      </p:grpSp>
+      <p:sp>
+        <p:nvSpPr>
+          <p:cNvPr id="36" name="가로 글상자 35"/>
+          <p:cNvSpPr txBox="1"/>
+          <p:nvPr/>
+        </p:nvSpPr>
+        <p:spPr>
+          <a:xfrm>
+            <a:off x="1748158" y="5601162"/>
+            <a:ext cx="2272193" cy="569133"/>
+          </a:xfrm>
+          <a:prstGeom prst="rect">
+            <a:avLst/>
+          </a:prstGeom>
+        </p:spPr>
+        <p:txBody>
+          <a:bodyPr wrap="square">
+            <a:spAutoFit/>
+          </a:bodyPr>
+          <a:p>
+            <a:pPr lvl="0">
+              <a:defRPr/>
+            </a:pPr>
+            <a:r>
+              <a:rPr lang="ko-KR" altLang="en-US" sz="3200">
+                <a:latin typeface="한컴 윤체 M"/>
+                <a:ea typeface="한컴 윤체 M"/>
+              </a:rPr>
+              <a:t>인벤토리 창</a:t>
+            </a:r>
+            <a:endParaRPr lang="ko-KR" altLang="en-US" sz="3200">
+              <a:latin typeface="한컴 윤체 M"/>
+              <a:ea typeface="한컴 윤체 M"/>
+            </a:endParaRPr>
+          </a:p>
+        </p:txBody>
+      </p:sp>
+      <p:sp>
+        <p:nvSpPr>
+          <p:cNvPr id="37" name="가로 글상자 36"/>
+          <p:cNvSpPr txBox="1"/>
+          <p:nvPr/>
+        </p:nvSpPr>
+        <p:spPr>
+          <a:xfrm>
+            <a:off x="372821" y="5601162"/>
+            <a:ext cx="1440986" cy="569133"/>
+          </a:xfrm>
+          <a:prstGeom prst="rect">
+            <a:avLst/>
+          </a:prstGeom>
+        </p:spPr>
+        <p:txBody>
+          <a:bodyPr wrap="square">
+            <a:spAutoFit/>
+          </a:bodyPr>
+          <a:p>
+            <a:pPr lvl="0">
+              <a:defRPr/>
+            </a:pPr>
+            <a:r>
+              <a:rPr lang="ko-KR" altLang="en-US" sz="3200">
+                <a:latin typeface="한컴 윤체 M"/>
+                <a:ea typeface="한컴 윤체 M"/>
+              </a:rPr>
+              <a:t>장비 창</a:t>
+            </a:r>
+            <a:endParaRPr lang="ko-KR" altLang="en-US" sz="3200">
+              <a:latin typeface="한컴 윤체 M"/>
+              <a:ea typeface="한컴 윤체 M"/>
+            </a:endParaRPr>
+          </a:p>
+        </p:txBody>
+      </p:sp>
+      <p:grpSp>
+        <p:nvGrpSpPr>
+          <p:cNvPr id="42" name=""/>
+          <p:cNvGrpSpPr/>
+          <p:nvPr/>
+        </p:nvGrpSpPr>
+        <p:grpSpPr>
+          <a:xfrm rot="0">
+            <a:off x="3883592" y="4647277"/>
+            <a:ext cx="2227019" cy="904711"/>
+            <a:chOff x="3883592" y="4647277"/>
+            <a:chExt cx="2227019" cy="904711"/>
+          </a:xfrm>
+        </p:grpSpPr>
+        <p:grpSp>
+          <p:nvGrpSpPr>
+            <p:cNvPr id="40" name=""/>
+            <p:cNvGrpSpPr/>
+            <p:nvPr/>
+          </p:nvGrpSpPr>
+          <p:grpSpPr>
+            <a:xfrm rot="0">
+              <a:off x="3883592" y="4647277"/>
+              <a:ext cx="2227019" cy="904711"/>
+              <a:chOff x="4332204" y="4647277"/>
+              <a:chExt cx="2481018" cy="904711"/>
+            </a:xfrm>
+          </p:grpSpPr>
+          <p:pic>
+            <p:nvPicPr>
+              <p:cNvPr id="38" name="그림 37"/>
+              <p:cNvPicPr>
+                <a:picLocks noChangeAspect="1"/>
+              </p:cNvPicPr>
+              <p:nvPr/>
+            </p:nvPicPr>
+            <p:blipFill rotWithShape="1">
+              <a:blip r:embed="rId7"/>
+              <a:stretch>
+                <a:fillRect/>
+              </a:stretch>
+            </p:blipFill>
+            <p:spPr>
+              <a:xfrm>
+                <a:off x="4332204" y="4647277"/>
+                <a:ext cx="2481018" cy="904711"/>
+              </a:xfrm>
+              <a:prstGeom prst="rect">
+                <a:avLst/>
+              </a:prstGeom>
+            </p:spPr>
+          </p:pic>
+          <p:sp>
+            <p:nvSpPr>
+              <p:cNvPr id="39" name="직사각형 38"/>
+              <p:cNvSpPr/>
+              <p:nvPr/>
+            </p:nvSpPr>
+            <p:spPr>
+              <a:xfrm>
+                <a:off x="4583906" y="4814093"/>
+                <a:ext cx="1842667" cy="595312"/>
+              </a:xfrm>
+              <a:prstGeom prst="rect">
+                <a:avLst/>
+              </a:prstGeom>
+              <a:solidFill>
+                <a:schemeClr val="lt1"/>
+              </a:solidFill>
+              <a:ln>
+                <a:solidFill>
+                  <a:schemeClr val="lt1"/>
+                </a:solidFill>
+              </a:ln>
+            </p:spPr>
+            <p:style>
+              <a:lnRef idx="2">
+                <a:schemeClr val="accent1">
+                  <a:shade val="20000"/>
+                </a:schemeClr>
+              </a:lnRef>
+              <a:fillRef idx="1">
+                <a:schemeClr val="accent1"/>
+              </a:fillRef>
+              <a:effectRef idx="0">
+                <a:schemeClr val="accent1"/>
+              </a:effectRef>
+              <a:fontRef idx="minor">
+                <a:schemeClr val="lt1"/>
+              </a:fontRef>
+            </p:style>
+            <p:txBody>
+              <a:bodyPr anchor="ctr"/>
+              <a:p>
+                <a:pPr lvl="0" algn="ctr">
+                  <a:defRPr/>
+                </a:pPr>
+                <a:endParaRPr lang="ko-KR" altLang="en-US"/>
+              </a:p>
+            </p:txBody>
+          </p:sp>
+        </p:grpSp>
+        <p:sp>
+          <p:nvSpPr>
+            <p:cNvPr id="41" name="가로 글상자 40"/>
+            <p:cNvSpPr txBox="1"/>
+            <p:nvPr/>
+          </p:nvSpPr>
+          <p:spPr>
+            <a:xfrm>
+              <a:off x="4536567" y="4805643"/>
+              <a:ext cx="1143557" cy="587978"/>
+            </a:xfrm>
+            <a:prstGeom prst="rect">
+              <a:avLst/>
+            </a:prstGeom>
+          </p:spPr>
+          <p:txBody>
+            <a:bodyPr wrap="square">
+              <a:spAutoFit/>
+            </a:bodyPr>
+            <a:p>
+              <a:pPr lvl="0">
+                <a:defRPr/>
+              </a:pPr>
+              <a:r>
+                <a:rPr lang="en-US" altLang="ko-KR" sz="3300">
+                  <a:latin typeface="한컴 윤체 M"/>
+                  <a:ea typeface="한컴 윤체 M"/>
+                </a:rPr>
+                <a:t>ESC</a:t>
+              </a:r>
+              <a:endParaRPr lang="en-US" altLang="ko-KR" sz="3300">
+                <a:latin typeface="한컴 윤체 M"/>
+                <a:ea typeface="한컴 윤체 M"/>
+              </a:endParaRPr>
+            </a:p>
+          </p:txBody>
+        </p:sp>
+      </p:grpSp>
+      <p:sp>
+        <p:nvSpPr>
+          <p:cNvPr id="43" name="가로 글상자 42"/>
+          <p:cNvSpPr txBox="1"/>
+          <p:nvPr/>
+        </p:nvSpPr>
+        <p:spPr>
+          <a:xfrm>
+            <a:off x="3823807" y="5601163"/>
+            <a:ext cx="2967892" cy="569132"/>
+          </a:xfrm>
+          <a:prstGeom prst="rect">
+            <a:avLst/>
+          </a:prstGeom>
+        </p:spPr>
+        <p:txBody>
+          <a:bodyPr wrap="square">
+            <a:spAutoFit/>
+          </a:bodyPr>
+          <a:p>
+            <a:pPr lvl="0">
+              <a:defRPr/>
+            </a:pPr>
+            <a:r>
+              <a:rPr lang="ko-KR" altLang="en-US" sz="3200">
+                <a:latin typeface="한컴 윤체 M"/>
+                <a:ea typeface="한컴 윤체 M"/>
+              </a:rPr>
+              <a:t>창닫기</a:t>
+            </a:r>
+            <a:r>
+              <a:rPr lang="en-US" altLang="ko-KR" sz="3200">
+                <a:latin typeface="한컴 윤체 M"/>
+                <a:ea typeface="한컴 윤체 M"/>
+              </a:rPr>
+              <a:t>/</a:t>
+            </a:r>
+            <a:r>
+              <a:rPr lang="ko-KR" altLang="en-US" sz="3200">
+                <a:latin typeface="한컴 윤체 M"/>
+                <a:ea typeface="한컴 윤체 M"/>
+              </a:rPr>
+              <a:t>옵션 창</a:t>
+            </a:r>
+            <a:endParaRPr lang="ko-KR" altLang="en-US" sz="3200">
+              <a:latin typeface="한컴 윤체 M"/>
+              <a:ea typeface="한컴 윤체 M"/>
+            </a:endParaRPr>
+          </a:p>
+        </p:txBody>
+      </p:sp>
     </p:spTree>
     <p:extLst>
       <p:ext uri="{BB962C8B-B14F-4D97-AF65-F5344CB8AC3E}">
@@ -7469,18 +9531,11 @@
   <p:clrMapOvr>
     <a:masterClrMapping/>
   </p:clrMapOvr>
-  <p:timing>
-    <p:tnLst>
-      <p:par>
-        <p:cTn id="1" dur="indefinite" restart="never" nodeType="tmRoot"/>
-      </p:par>
-    </p:tnLst>
-  </p:timing>
 </p:sld>
 </file>
 
 <file path=ppt/slides/slide7.xml><?xml version="1.0" encoding="utf-8"?>
-<p:sld xmlns:a="http://schemas.openxmlformats.org/drawingml/2006/main" xmlns:r="http://schemas.openxmlformats.org/officeDocument/2006/relationships" xmlns:p="http://schemas.openxmlformats.org/presentationml/2006/main">
+<p:sld xmlns:r="http://schemas.openxmlformats.org/officeDocument/2006/relationships" xmlns:c="http://schemas.openxmlformats.org/drawingml/2006/chart" xmlns:a="http://schemas.openxmlformats.org/drawingml/2006/main" xmlns:dgm="http://schemas.openxmlformats.org/drawingml/2006/diagram" xmlns:dsp="http://schemas.microsoft.com/office/drawing/2008/diagram" xmlns:p="http://schemas.openxmlformats.org/presentationml/2006/main">
   <p:cSld>
     <p:spTree>
       <p:nvGrpSpPr>
@@ -7503,7 +9558,7 @@
             <a:spLocks noGrp="1"/>
           </p:cNvSpPr>
           <p:nvPr>
-            <p:ph type="title"/>
+            <p:ph type="title" idx="0"/>
           </p:nvPr>
         </p:nvSpPr>
         <p:spPr/>
@@ -7515,25 +9570,768 @@
               <a:defRPr/>
             </a:pPr>
             <a:r>
-              <a:rPr lang="en-US" altLang="ko-KR" dirty="0"/>
-              <a:t>4</a:t>
-            </a:r>
-            <a:r>
-              <a:rPr lang="en-US" altLang="ko-KR" dirty="0" smtClean="0"/>
+              <a:rPr lang="en-US" altLang="ko-KR"/>
+              <a:t>3.</a:t>
+            </a:r>
+            <a:r>
+              <a:rPr lang="ko-KR" altLang="en-US"/>
+              <a:t> </a:t>
+            </a:r>
+            <a:r>
+              <a:rPr lang="en-US" altLang="ko-KR"/>
+              <a:t>Player </a:t>
+            </a:r>
+            <a:r>
+              <a:rPr lang="ko-KR" altLang="en-US"/>
+              <a:t>작동 방식</a:t>
+            </a:r>
+            <a:endParaRPr lang="ko-KR" altLang="en-US"/>
+          </a:p>
+        </p:txBody>
+      </p:sp>
+      <p:pic>
+        <p:nvPicPr>
+          <p:cNvPr id="22" name="그림 21"/>
+          <p:cNvPicPr>
+            <a:picLocks noChangeAspect="1"/>
+          </p:cNvPicPr>
+          <p:nvPr/>
+        </p:nvPicPr>
+        <p:blipFill rotWithShape="1">
+          <a:blip r:embed="rId2"/>
+          <a:stretch>
+            <a:fillRect/>
+          </a:stretch>
+        </p:blipFill>
+        <p:spPr>
+          <a:xfrm>
+            <a:off x="139175" y="1980474"/>
+            <a:ext cx="5404898" cy="3516177"/>
+          </a:xfrm>
+          <a:prstGeom prst="rect">
+            <a:avLst/>
+          </a:prstGeom>
+        </p:spPr>
+      </p:pic>
+      <p:sp>
+        <p:nvSpPr>
+          <p:cNvPr id="23" name="가로 글상자 22"/>
+          <p:cNvSpPr txBox="1"/>
+          <p:nvPr/>
+        </p:nvSpPr>
+        <p:spPr>
+          <a:xfrm>
+            <a:off x="609599" y="1091406"/>
+            <a:ext cx="3873499" cy="640239"/>
+          </a:xfrm>
+          <a:prstGeom prst="rect">
+            <a:avLst/>
+          </a:prstGeom>
+        </p:spPr>
+        <p:txBody>
+          <a:bodyPr wrap="square">
+            <a:spAutoFit/>
+          </a:bodyPr>
+          <a:p>
+            <a:pPr lvl="0">
+              <a:defRPr/>
+            </a:pPr>
+            <a:r>
+              <a:rPr lang="ko-KR" altLang="en-US"/>
+              <a:t>모든 상태 변화가 생기는 </a:t>
+            </a:r>
+            <a:r>
+              <a:rPr lang="en-US" altLang="ko-KR"/>
+              <a:t>Object</a:t>
+            </a:r>
+            <a:r>
+              <a:rPr lang="ko-KR" altLang="en-US"/>
+              <a:t>들은 </a:t>
+            </a:r>
+            <a:r>
+              <a:rPr lang="en-US" altLang="ko-KR"/>
+              <a:t>FSM</a:t>
+            </a:r>
+            <a:r>
+              <a:rPr lang="ko-KR" altLang="en-US"/>
+              <a:t>패턴으로 구현하였습니다</a:t>
+            </a:r>
+            <a:r>
+              <a:rPr lang="en-US" altLang="ko-KR"/>
               <a:t>.</a:t>
             </a:r>
-            <a:r>
-              <a:rPr lang="ko-KR" altLang="en-US" dirty="0" smtClean="0"/>
+            <a:endParaRPr lang="en-US" altLang="ko-KR"/>
+          </a:p>
+        </p:txBody>
+      </p:sp>
+      <p:sp>
+        <p:nvSpPr>
+          <p:cNvPr id="24" name="직사각형 23"/>
+          <p:cNvSpPr/>
+          <p:nvPr/>
+        </p:nvSpPr>
+        <p:spPr>
+          <a:xfrm>
+            <a:off x="6725443" y="1547911"/>
+            <a:ext cx="2079625" cy="650942"/>
+          </a:xfrm>
+          <a:prstGeom prst="rect">
+            <a:avLst/>
+          </a:prstGeom>
+        </p:spPr>
+        <p:style>
+          <a:lnRef idx="2">
+            <a:schemeClr val="accent1">
+              <a:shade val="20000"/>
+            </a:schemeClr>
+          </a:lnRef>
+          <a:fillRef idx="1">
+            <a:schemeClr val="accent1"/>
+          </a:fillRef>
+          <a:effectRef idx="0">
+            <a:schemeClr val="accent1"/>
+          </a:effectRef>
+          <a:fontRef idx="minor">
+            <a:schemeClr val="lt1"/>
+          </a:fontRef>
+        </p:style>
+        <p:txBody>
+          <a:bodyPr anchor="ctr"/>
+          <a:p>
+            <a:pPr lvl="0" algn="ctr">
+              <a:defRPr/>
+            </a:pPr>
+            <a:r>
+              <a:rPr lang="en-US" altLang="ko-KR"/>
+              <a:t>Play</a:t>
+            </a:r>
+            <a:endParaRPr lang="en-US" altLang="ko-KR"/>
+          </a:p>
+        </p:txBody>
+      </p:sp>
+      <p:sp>
+        <p:nvSpPr>
+          <p:cNvPr id="25" name="아래쪽 화살표 24"/>
+          <p:cNvSpPr/>
+          <p:nvPr/>
+        </p:nvSpPr>
+        <p:spPr>
+          <a:xfrm>
+            <a:off x="6919912" y="2551076"/>
+            <a:ext cx="341313" cy="444500"/>
+          </a:xfrm>
+          <a:prstGeom prst="downArrow">
+            <a:avLst>
+              <a:gd name="adj1" fmla="val 50000"/>
+              <a:gd name="adj2" fmla="val 50000"/>
+            </a:avLst>
+          </a:prstGeom>
+        </p:spPr>
+        <p:style>
+          <a:lnRef idx="2">
+            <a:schemeClr val="accent1">
+              <a:shade val="20000"/>
+            </a:schemeClr>
+          </a:lnRef>
+          <a:fillRef idx="1">
+            <a:schemeClr val="accent1"/>
+          </a:fillRef>
+          <a:effectRef idx="0">
+            <a:schemeClr val="accent1"/>
+          </a:effectRef>
+          <a:fontRef idx="minor">
+            <a:schemeClr val="lt1"/>
+          </a:fontRef>
+        </p:style>
+        <p:txBody>
+          <a:bodyPr anchor="ctr"/>
+          <a:p>
+            <a:pPr lvl="0" algn="ctr">
+              <a:defRPr/>
+            </a:pPr>
+            <a:endParaRPr lang="en-US" altLang="ko-KR"/>
+          </a:p>
+        </p:txBody>
+      </p:sp>
+      <p:sp>
+        <p:nvSpPr>
+          <p:cNvPr id="26" name="직사각형 25"/>
+          <p:cNvSpPr/>
+          <p:nvPr/>
+        </p:nvSpPr>
+        <p:spPr>
+          <a:xfrm>
+            <a:off x="6727031" y="3347799"/>
+            <a:ext cx="2079625" cy="650942"/>
+          </a:xfrm>
+          <a:prstGeom prst="rect">
+            <a:avLst/>
+          </a:prstGeom>
+        </p:spPr>
+        <p:style>
+          <a:lnRef idx="2">
+            <a:schemeClr val="accent1">
+              <a:shade val="20000"/>
+            </a:schemeClr>
+          </a:lnRef>
+          <a:fillRef idx="1">
+            <a:schemeClr val="accent1"/>
+          </a:fillRef>
+          <a:effectRef idx="0">
+            <a:schemeClr val="accent1"/>
+          </a:effectRef>
+          <a:fontRef idx="minor">
+            <a:schemeClr val="lt1"/>
+          </a:fontRef>
+        </p:style>
+        <p:txBody>
+          <a:bodyPr anchor="ctr"/>
+          <a:p>
+            <a:pPr lvl="0" algn="ctr">
+              <a:defRPr/>
+            </a:pPr>
+            <a:r>
+              <a:rPr lang="en-US" altLang="ko-KR"/>
+              <a:t>HitDown</a:t>
+            </a:r>
+            <a:endParaRPr lang="en-US" altLang="ko-KR"/>
+          </a:p>
+        </p:txBody>
+      </p:sp>
+      <p:cxnSp>
+        <p:nvCxnSpPr>
+          <p:cNvPr id="28" name="꺾인 연결선 27"/>
+          <p:cNvCxnSpPr>
+            <a:stCxn id="26" idx="1"/>
+            <a:endCxn id="24" idx="1"/>
+          </p:cNvCxnSpPr>
+          <p:nvPr/>
+        </p:nvCxnSpPr>
+        <p:spPr>
+          <a:xfrm flipV="1">
+            <a:off x="6727031" y="1873383"/>
+            <a:ext cx="1588" cy="1799887"/>
+          </a:xfrm>
+          <a:prstGeom prst="bentConnector3">
+            <a:avLst>
+              <a:gd name="adj1" fmla="val -22438332"/>
+            </a:avLst>
+          </a:prstGeom>
+          <a:ln>
+            <a:tailEnd type="arrow"/>
+          </a:ln>
+        </p:spPr>
+        <p:style>
+          <a:lnRef idx="1">
+            <a:schemeClr val="accent1"/>
+          </a:lnRef>
+          <a:fillRef idx="0">
+            <a:schemeClr val="accent1"/>
+          </a:fillRef>
+          <a:effectRef idx="0">
+            <a:schemeClr val="accent1"/>
+          </a:effectRef>
+          <a:fontRef idx="minor">
+            <a:schemeClr val="tx1"/>
+          </a:fontRef>
+        </p:style>
+      </p:cxnSp>
+      <p:sp>
+        <p:nvSpPr>
+          <p:cNvPr id="29" name="직사각형 28"/>
+          <p:cNvSpPr/>
+          <p:nvPr/>
+        </p:nvSpPr>
+        <p:spPr>
+          <a:xfrm>
+            <a:off x="6728619" y="5496652"/>
+            <a:ext cx="2079625" cy="650942"/>
+          </a:xfrm>
+          <a:prstGeom prst="rect">
+            <a:avLst/>
+          </a:prstGeom>
+        </p:spPr>
+        <p:style>
+          <a:lnRef idx="2">
+            <a:schemeClr val="accent1">
+              <a:shade val="20000"/>
+            </a:schemeClr>
+          </a:lnRef>
+          <a:fillRef idx="1">
+            <a:schemeClr val="accent1"/>
+          </a:fillRef>
+          <a:effectRef idx="0">
+            <a:schemeClr val="accent1"/>
+          </a:effectRef>
+          <a:fontRef idx="minor">
+            <a:schemeClr val="lt1"/>
+          </a:fontRef>
+        </p:style>
+        <p:txBody>
+          <a:bodyPr anchor="ctr"/>
+          <a:p>
+            <a:pPr lvl="0" algn="ctr">
+              <a:defRPr/>
+            </a:pPr>
+            <a:r>
+              <a:rPr lang="en-US" altLang="ko-KR"/>
+              <a:t>Die</a:t>
+            </a:r>
+            <a:endParaRPr lang="en-US" altLang="ko-KR"/>
+          </a:p>
+        </p:txBody>
+      </p:sp>
+      <p:sp>
+        <p:nvSpPr>
+          <p:cNvPr id="30" name="아래쪽 화살표 29"/>
+          <p:cNvSpPr/>
+          <p:nvPr/>
+        </p:nvSpPr>
+        <p:spPr>
+          <a:xfrm>
+            <a:off x="6919912" y="4562304"/>
+            <a:ext cx="341313" cy="468312"/>
+          </a:xfrm>
+          <a:prstGeom prst="downArrow">
+            <a:avLst>
+              <a:gd name="adj1" fmla="val 50000"/>
+              <a:gd name="adj2" fmla="val 50000"/>
+            </a:avLst>
+          </a:prstGeom>
+        </p:spPr>
+        <p:style>
+          <a:lnRef idx="2">
+            <a:schemeClr val="accent1">
+              <a:shade val="20000"/>
+            </a:schemeClr>
+          </a:lnRef>
+          <a:fillRef idx="1">
+            <a:schemeClr val="accent1"/>
+          </a:fillRef>
+          <a:effectRef idx="0">
+            <a:schemeClr val="accent1"/>
+          </a:effectRef>
+          <a:fontRef idx="minor">
+            <a:schemeClr val="lt1"/>
+          </a:fontRef>
+        </p:style>
+        <p:txBody>
+          <a:bodyPr anchor="ctr"/>
+          <a:p>
+            <a:pPr lvl="0" algn="ctr">
+              <a:defRPr/>
+            </a:pPr>
+            <a:endParaRPr lang="en-US" altLang="ko-KR"/>
+          </a:p>
+        </p:txBody>
+      </p:sp>
+      <p:cxnSp>
+        <p:nvCxnSpPr>
+          <p:cNvPr id="31" name="꺾인 연결선 30"/>
+          <p:cNvCxnSpPr>
+            <a:stCxn id="29" idx="1"/>
+            <a:endCxn id="24" idx="1"/>
+          </p:cNvCxnSpPr>
+          <p:nvPr/>
+        </p:nvCxnSpPr>
+        <p:spPr>
+          <a:xfrm flipH="1" flipV="1">
+            <a:off x="6727030" y="1873383"/>
+            <a:ext cx="1589" cy="3948740"/>
+          </a:xfrm>
+          <a:prstGeom prst="bentConnector3">
+            <a:avLst>
+              <a:gd name="adj1" fmla="val 23059384"/>
+            </a:avLst>
+          </a:prstGeom>
+          <a:ln>
+            <a:tailEnd type="arrow"/>
+          </a:ln>
+        </p:spPr>
+        <p:style>
+          <a:lnRef idx="1">
+            <a:schemeClr val="accent1"/>
+          </a:lnRef>
+          <a:fillRef idx="0">
+            <a:schemeClr val="accent1"/>
+          </a:fillRef>
+          <a:effectRef idx="0">
+            <a:schemeClr val="accent1"/>
+          </a:effectRef>
+          <a:fontRef idx="minor">
+            <a:schemeClr val="tx1"/>
+          </a:fontRef>
+        </p:style>
+      </p:cxnSp>
+      <p:sp>
+        <p:nvSpPr>
+          <p:cNvPr id="32" name="직사각형 31"/>
+          <p:cNvSpPr/>
+          <p:nvPr/>
+        </p:nvSpPr>
+        <p:spPr>
+          <a:xfrm>
+            <a:off x="9344026" y="4145517"/>
+            <a:ext cx="2079625" cy="650942"/>
+          </a:xfrm>
+          <a:prstGeom prst="rect">
+            <a:avLst/>
+          </a:prstGeom>
+        </p:spPr>
+        <p:style>
+          <a:lnRef idx="2">
+            <a:schemeClr val="accent1">
+              <a:shade val="20000"/>
+            </a:schemeClr>
+          </a:lnRef>
+          <a:fillRef idx="1">
+            <a:schemeClr val="accent1"/>
+          </a:fillRef>
+          <a:effectRef idx="0">
+            <a:schemeClr val="accent1"/>
+          </a:effectRef>
+          <a:fontRef idx="minor">
+            <a:schemeClr val="lt1"/>
+          </a:fontRef>
+        </p:style>
+        <p:txBody>
+          <a:bodyPr anchor="ctr"/>
+          <a:p>
+            <a:pPr lvl="0" algn="ctr">
+              <a:defRPr/>
+            </a:pPr>
+            <a:r>
+              <a:rPr lang="en-US" altLang="ko-KR"/>
+              <a:t>Heal</a:t>
+            </a:r>
+            <a:endParaRPr lang="en-US" altLang="ko-KR"/>
+          </a:p>
+        </p:txBody>
+      </p:sp>
+      <p:sp>
+        <p:nvSpPr>
+          <p:cNvPr id="33" name="굽은 화살표 32"/>
+          <p:cNvSpPr/>
+          <p:nvPr/>
+        </p:nvSpPr>
+        <p:spPr>
+          <a:xfrm rot="5427167">
+            <a:off x="8817881" y="2292071"/>
+            <a:ext cx="2226198" cy="1168256"/>
+          </a:xfrm>
+          <a:prstGeom prst="bentArrow">
+            <a:avLst>
+              <a:gd name="adj1" fmla="val 15625"/>
+              <a:gd name="adj2" fmla="val 18079"/>
+              <a:gd name="adj3" fmla="val 18750"/>
+              <a:gd name="adj4" fmla="val 71191"/>
+            </a:avLst>
+          </a:prstGeom>
+        </p:spPr>
+        <p:style>
+          <a:lnRef idx="2">
+            <a:schemeClr val="accent1">
+              <a:shade val="20000"/>
+            </a:schemeClr>
+          </a:lnRef>
+          <a:fillRef idx="1">
+            <a:schemeClr val="accent1"/>
+          </a:fillRef>
+          <a:effectRef idx="0">
+            <a:schemeClr val="accent1"/>
+          </a:effectRef>
+          <a:fontRef idx="minor">
+            <a:schemeClr val="lt1"/>
+          </a:fontRef>
+        </p:style>
+        <p:txBody>
+          <a:bodyPr anchor="ctr"/>
+          <a:p>
+            <a:pPr lvl="0" algn="ctr">
+              <a:defRPr/>
+            </a:pPr>
+            <a:endParaRPr lang="en-US" altLang="ko-KR">
+              <a:solidFill>
+                <a:schemeClr val="tx1"/>
+              </a:solidFill>
+            </a:endParaRPr>
+          </a:p>
+        </p:txBody>
+      </p:sp>
+      <p:cxnSp>
+        <p:nvCxnSpPr>
+          <p:cNvPr id="34" name="꺾인 연결선 33"/>
+          <p:cNvCxnSpPr>
+            <a:stCxn id="32" idx="1"/>
+            <a:endCxn id="24" idx="3"/>
+          </p:cNvCxnSpPr>
+          <p:nvPr/>
+        </p:nvCxnSpPr>
+        <p:spPr>
+          <a:xfrm flipH="1" flipV="1">
+            <a:off x="8805068" y="1873383"/>
+            <a:ext cx="538958" cy="2597605"/>
+          </a:xfrm>
+          <a:prstGeom prst="bentConnector3">
+            <a:avLst>
+              <a:gd name="adj1" fmla="val 50000"/>
+            </a:avLst>
+          </a:prstGeom>
+          <a:ln>
+            <a:tailEnd type="arrow"/>
+          </a:ln>
+        </p:spPr>
+        <p:style>
+          <a:lnRef idx="1">
+            <a:schemeClr val="accent1"/>
+          </a:lnRef>
+          <a:fillRef idx="0">
+            <a:schemeClr val="accent1"/>
+          </a:fillRef>
+          <a:effectRef idx="0">
+            <a:schemeClr val="accent1"/>
+          </a:effectRef>
+          <a:fontRef idx="minor">
+            <a:schemeClr val="tx1"/>
+          </a:fontRef>
+        </p:style>
+      </p:cxnSp>
+      <p:sp>
+        <p:nvSpPr>
+          <p:cNvPr id="35" name="가로 글상자 34"/>
+          <p:cNvSpPr txBox="1"/>
+          <p:nvPr/>
+        </p:nvSpPr>
+        <p:spPr>
+          <a:xfrm>
+            <a:off x="7201031" y="2594028"/>
+            <a:ext cx="2050525" cy="358596"/>
+          </a:xfrm>
+          <a:prstGeom prst="rect">
+            <a:avLst/>
+          </a:prstGeom>
+        </p:spPr>
+        <p:txBody>
+          <a:bodyPr wrap="square">
+            <a:spAutoFit/>
+          </a:bodyPr>
+          <a:p>
+            <a:pPr lvl="0">
+              <a:defRPr/>
+            </a:pPr>
+            <a:r>
+              <a:rPr lang="en-US" altLang="ko-KR"/>
+              <a:t>Monster</a:t>
+            </a:r>
+            <a:r>
+              <a:rPr lang="ko-KR" altLang="en-US"/>
+              <a:t>에게 피격</a:t>
+            </a:r>
+            <a:endParaRPr lang="ko-KR" altLang="en-US"/>
+          </a:p>
+        </p:txBody>
+      </p:sp>
+      <p:sp>
+        <p:nvSpPr>
+          <p:cNvPr id="36" name="가로 글상자 35"/>
+          <p:cNvSpPr txBox="1"/>
+          <p:nvPr/>
+        </p:nvSpPr>
+        <p:spPr>
+          <a:xfrm>
+            <a:off x="7201031" y="4613888"/>
+            <a:ext cx="1930138" cy="365143"/>
+          </a:xfrm>
+          <a:prstGeom prst="rect">
+            <a:avLst/>
+          </a:prstGeom>
+        </p:spPr>
+        <p:txBody>
+          <a:bodyPr wrap="square">
+            <a:spAutoFit/>
+          </a:bodyPr>
+          <a:lstStyle/>
+          <a:p>
+            <a:pPr lvl="0">
+              <a:defRPr/>
+            </a:pPr>
+            <a:r>
+              <a:rPr lang="en-US" altLang="ko-KR"/>
+              <a:t>Player</a:t>
+            </a:r>
+            <a:r>
+              <a:rPr lang="ko-KR" altLang="en-US"/>
+              <a:t>의</a:t>
+            </a:r>
+            <a:r>
+              <a:rPr lang="en-US" altLang="ko-KR"/>
+              <a:t> Hp</a:t>
+            </a:r>
+            <a:r>
+              <a:rPr lang="ko-KR" altLang="en-US"/>
               <a:t> </a:t>
             </a:r>
             <a:r>
-              <a:rPr lang="en-US" altLang="ko-KR" dirty="0"/>
+              <a:rPr lang="en-US" altLang="ko-KR"/>
+              <a:t>=</a:t>
+            </a:r>
+            <a:r>
+              <a:rPr lang="ko-KR" altLang="en-US"/>
+              <a:t> </a:t>
+            </a:r>
+            <a:r>
+              <a:rPr lang="en-US" altLang="ko-KR"/>
+              <a:t>0</a:t>
+            </a:r>
+            <a:endParaRPr lang="en-US" altLang="ko-KR"/>
+          </a:p>
+        </p:txBody>
+      </p:sp>
+      <p:sp>
+        <p:nvSpPr>
+          <p:cNvPr id="37" name="가로 글상자 36"/>
+          <p:cNvSpPr txBox="1"/>
+          <p:nvPr/>
+        </p:nvSpPr>
+        <p:spPr>
+          <a:xfrm>
+            <a:off x="10523886" y="2792004"/>
+            <a:ext cx="1389062" cy="636996"/>
+          </a:xfrm>
+          <a:prstGeom prst="rect">
+            <a:avLst/>
+          </a:prstGeom>
+        </p:spPr>
+        <p:txBody>
+          <a:bodyPr wrap="square">
+            <a:spAutoFit/>
+          </a:bodyPr>
+          <a:p>
+            <a:pPr lvl="0" algn="ctr">
+              <a:defRPr/>
+            </a:pPr>
+            <a:r>
+              <a:rPr lang="ko-KR" altLang="en-US"/>
+              <a:t>화로와 </a:t>
+            </a:r>
+            <a:endParaRPr lang="ko-KR" altLang="en-US"/>
+          </a:p>
+          <a:p>
+            <a:pPr lvl="0" algn="ctr">
+              <a:defRPr/>
+            </a:pPr>
+            <a:r>
+              <a:rPr lang="ko-KR" altLang="en-US"/>
+              <a:t>상호작용</a:t>
+            </a:r>
+            <a:endParaRPr lang="ko-KR" altLang="en-US"/>
+          </a:p>
+        </p:txBody>
+      </p:sp>
+      <p:sp>
+        <p:nvSpPr>
+          <p:cNvPr id="38" name="가로 글상자 37"/>
+          <p:cNvSpPr txBox="1"/>
+          <p:nvPr/>
+        </p:nvSpPr>
+        <p:spPr>
+          <a:xfrm>
+            <a:off x="9074547" y="3026886"/>
+            <a:ext cx="1001973" cy="641826"/>
+          </a:xfrm>
+          <a:prstGeom prst="rect">
+            <a:avLst/>
+          </a:prstGeom>
+        </p:spPr>
+        <p:txBody>
+          <a:bodyPr wrap="square">
+            <a:spAutoFit/>
+          </a:bodyPr>
+          <a:p>
+            <a:pPr lvl="0" algn="ctr">
+              <a:defRPr/>
+            </a:pPr>
+            <a:r>
+              <a:rPr lang="en-US" altLang="ko-KR"/>
+              <a:t>Press Any</a:t>
+            </a:r>
+            <a:r>
+              <a:rPr lang="ko-KR" altLang="en-US"/>
+              <a:t> </a:t>
+            </a:r>
+            <a:r>
+              <a:rPr lang="en-US" altLang="ko-KR"/>
+              <a:t>Key</a:t>
+            </a:r>
+            <a:endParaRPr lang="en-US" altLang="ko-KR"/>
+          </a:p>
+        </p:txBody>
+      </p:sp>
+    </p:spTree>
+    <p:extLst>
+      <p:ext uri="{BB962C8B-B14F-4D97-AF65-F5344CB8AC3E}">
+        <p14:creationId xmlns:p14="http://schemas.microsoft.com/office/powerpoint/2010/main" val="3969628861"/>
+      </p:ext>
+    </p:extLst>
+  </p:cSld>
+  <p:clrMapOvr>
+    <a:masterClrMapping/>
+  </p:clrMapOvr>
+</p:sld>
+</file>
+
+<file path=ppt/slides/slide8.xml><?xml version="1.0" encoding="utf-8"?>
+<p:sld xmlns:r="http://schemas.openxmlformats.org/officeDocument/2006/relationships" xmlns:c="http://schemas.openxmlformats.org/drawingml/2006/chart" xmlns:a="http://schemas.openxmlformats.org/drawingml/2006/main" xmlns:dgm="http://schemas.openxmlformats.org/drawingml/2006/diagram" xmlns:dsp="http://schemas.microsoft.com/office/drawing/2008/diagram" xmlns:p="http://schemas.openxmlformats.org/presentationml/2006/main">
+  <p:cSld>
+    <p:spTree>
+      <p:nvGrpSpPr>
+        <p:cNvPr id="1" name=""/>
+        <p:cNvGrpSpPr/>
+        <p:nvPr/>
+      </p:nvGrpSpPr>
+      <p:grpSpPr>
+        <a:xfrm>
+          <a:off x="0" y="0"/>
+          <a:ext cx="0" cy="0"/>
+          <a:chOff x="0" y="0"/>
+          <a:chExt cx="0" cy="0"/>
+        </a:xfrm>
+      </p:grpSpPr>
+      <p:sp>
+        <p:nvSpPr>
+          <p:cNvPr id="2" name="제목 1"/>
+          <p:cNvSpPr>
+            <a:spLocks noGrp="1"/>
+          </p:cNvSpPr>
+          <p:nvPr>
+            <p:ph type="title" idx="0"/>
+          </p:nvPr>
+        </p:nvSpPr>
+        <p:spPr/>
+        <p:txBody>
+          <a:bodyPr/>
+          <a:lstStyle/>
+          <a:p>
+            <a:pPr lvl="0">
+              <a:defRPr/>
+            </a:pPr>
+            <a:r>
+              <a:rPr lang="en-US" altLang="ko-KR"/>
+              <a:t>4.</a:t>
+            </a:r>
+            <a:r>
+              <a:rPr lang="ko-KR" altLang="en-US"/>
+              <a:t> </a:t>
+            </a:r>
+            <a:r>
+              <a:rPr lang="en-US" altLang="ko-KR"/>
               <a:t>AI</a:t>
             </a:r>
             <a:r>
-              <a:rPr lang="ko-KR" altLang="en-US" dirty="0"/>
-              <a:t>의 작동방식</a:t>
-            </a:r>
+              <a:rPr lang="ko-KR" altLang="en-US"/>
+              <a:t> 작동방식</a:t>
+            </a:r>
+            <a:endParaRPr lang="ko-KR" altLang="en-US"/>
           </a:p>
         </p:txBody>
       </p:sp>
@@ -7757,8 +10555,8 @@
 </p:sld>
 </file>
 
-<file path=ppt/slides/slide8.xml><?xml version="1.0" encoding="utf-8"?>
-<p:sld xmlns:a="http://schemas.openxmlformats.org/drawingml/2006/main" xmlns:r="http://schemas.openxmlformats.org/officeDocument/2006/relationships" xmlns:p="http://schemas.openxmlformats.org/presentationml/2006/main">
+<file path=ppt/slides/slide9.xml><?xml version="1.0" encoding="utf-8"?>
+<p:sld xmlns:r="http://schemas.openxmlformats.org/officeDocument/2006/relationships" xmlns:c="http://schemas.openxmlformats.org/drawingml/2006/chart" xmlns:a="http://schemas.openxmlformats.org/drawingml/2006/main" xmlns:dgm="http://schemas.openxmlformats.org/drawingml/2006/diagram" xmlns:dsp="http://schemas.microsoft.com/office/drawing/2008/diagram" xmlns:p="http://schemas.openxmlformats.org/presentationml/2006/main">
   <p:cSld>
     <p:spTree>
       <p:nvGrpSpPr>
@@ -7781,7 +10579,7 @@
             <a:spLocks noGrp="1"/>
           </p:cNvSpPr>
           <p:nvPr>
-            <p:ph type="title"/>
+            <p:ph type="title" idx="0"/>
           </p:nvPr>
         </p:nvSpPr>
         <p:spPr/>
@@ -7793,296 +10591,39 @@
               <a:defRPr/>
             </a:pPr>
             <a:r>
-              <a:rPr lang="en-US" altLang="ko-KR" dirty="0"/>
-              <a:t>4</a:t>
-            </a:r>
-            <a:r>
-              <a:rPr lang="en-US" altLang="ko-KR" dirty="0" smtClean="0"/>
-              <a:t>.</a:t>
-            </a:r>
-            <a:r>
-              <a:rPr lang="ko-KR" altLang="en-US" dirty="0" smtClean="0"/>
+              <a:rPr lang="en-US" altLang="ko-KR"/>
+              <a:t>4.</a:t>
+            </a:r>
+            <a:r>
+              <a:rPr lang="ko-KR" altLang="en-US"/>
               <a:t> </a:t>
             </a:r>
             <a:r>
-              <a:rPr lang="en-US" altLang="ko-KR" dirty="0"/>
-              <a:t>AI</a:t>
-            </a:r>
-            <a:r>
-              <a:rPr lang="ko-KR" altLang="en-US" dirty="0"/>
-              <a:t>의 작동방식</a:t>
-            </a:r>
-          </a:p>
-        </p:txBody>
-      </p:sp>
-      <p:sp>
-        <p:nvSpPr>
-          <p:cNvPr id="10" name="가로 글상자 9"/>
-          <p:cNvSpPr txBox="1"/>
+              <a:rPr lang="en-US" altLang="ko-KR"/>
+              <a:t>AI </a:t>
+            </a:r>
+            <a:r>
+              <a:rPr lang="ko-KR" altLang="en-US"/>
+              <a:t>작동방식</a:t>
+            </a:r>
+            <a:endParaRPr lang="ko-KR" altLang="en-US"/>
+          </a:p>
+        </p:txBody>
+      </p:sp>
+      <p:sp>
+        <p:nvSpPr>
+          <p:cNvPr id="24" name="직사각형 23"/>
+          <p:cNvSpPr/>
           <p:nvPr/>
         </p:nvSpPr>
         <p:spPr>
           <a:xfrm>
-            <a:off x="269875" y="1283653"/>
-            <a:ext cx="4386036" cy="1183957"/>
+            <a:off x="1002903" y="1756146"/>
+            <a:ext cx="2587624" cy="650942"/>
           </a:xfrm>
           <a:prstGeom prst="rect">
             <a:avLst/>
           </a:prstGeom>
-        </p:spPr>
-        <p:txBody>
-          <a:bodyPr wrap="square">
-            <a:spAutoFit/>
-          </a:bodyPr>
-          <a:lstStyle/>
-          <a:p>
-            <a:pPr lvl="0">
-              <a:defRPr/>
-            </a:pPr>
-            <a:r>
-              <a:rPr lang="en-US" altLang="ko-KR"/>
-              <a:t>PoolManager</a:t>
-            </a:r>
-            <a:r>
-              <a:rPr lang="ko-KR" altLang="en-US"/>
-              <a:t>로 최대 </a:t>
-            </a:r>
-            <a:r>
-              <a:rPr lang="en-US" altLang="ko-KR"/>
-              <a:t>3</a:t>
-            </a:r>
-            <a:r>
-              <a:rPr lang="ko-KR" altLang="en-US"/>
-              <a:t>마리 까지 소환을 하고 앞에 비활성화 된 </a:t>
-            </a:r>
-            <a:r>
-              <a:rPr lang="en-US" altLang="ko-KR"/>
-              <a:t>Monster</a:t>
-            </a:r>
-            <a:r>
-              <a:rPr lang="ko-KR" altLang="en-US"/>
-              <a:t>가 </a:t>
-            </a:r>
-          </a:p>
-          <a:p>
-            <a:pPr lvl="0">
-              <a:defRPr/>
-            </a:pPr>
-            <a:r>
-              <a:rPr lang="ko-KR" altLang="en-US"/>
-              <a:t>있으면 활성화 시켜 메모리 낭비를 최소화 했습니다</a:t>
-            </a:r>
-            <a:r>
-              <a:rPr lang="en-US" altLang="ko-KR"/>
-              <a:t>.</a:t>
-            </a:r>
-          </a:p>
-        </p:txBody>
-      </p:sp>
-      <p:pic>
-        <p:nvPicPr>
-          <p:cNvPr id="11" name="그림 10"/>
-          <p:cNvPicPr>
-            <a:picLocks noChangeAspect="1"/>
-          </p:cNvPicPr>
-          <p:nvPr/>
-        </p:nvPicPr>
-        <p:blipFill rotWithShape="1">
-          <a:blip r:embed="rId2"/>
-          <a:stretch>
-            <a:fillRect/>
-          </a:stretch>
-        </p:blipFill>
-        <p:spPr>
-          <a:xfrm>
-            <a:off x="269875" y="2542857"/>
-            <a:ext cx="3640486" cy="3745946"/>
-          </a:xfrm>
-          <a:prstGeom prst="rect">
-            <a:avLst/>
-          </a:prstGeom>
-        </p:spPr>
-      </p:pic>
-      <p:sp>
-        <p:nvSpPr>
-          <p:cNvPr id="12" name="가로 글상자 11"/>
-          <p:cNvSpPr txBox="1"/>
-          <p:nvPr/>
-        </p:nvSpPr>
-        <p:spPr>
-          <a:xfrm>
-            <a:off x="4229479" y="5654122"/>
-            <a:ext cx="4071936" cy="906698"/>
-          </a:xfrm>
-          <a:prstGeom prst="rect">
-            <a:avLst/>
-          </a:prstGeom>
-        </p:spPr>
-        <p:txBody>
-          <a:bodyPr wrap="square">
-            <a:spAutoFit/>
-          </a:bodyPr>
-          <a:lstStyle/>
-          <a:p>
-            <a:pPr lvl="0">
-              <a:defRPr/>
-            </a:pPr>
-            <a:r>
-              <a:rPr lang="en-US" altLang="ko-KR"/>
-              <a:t>Get()</a:t>
-            </a:r>
-            <a:r>
-              <a:rPr lang="ko-KR" altLang="en-US"/>
-              <a:t>함수를 </a:t>
-            </a:r>
-            <a:r>
-              <a:rPr lang="en-US" altLang="ko-KR"/>
-              <a:t>OverLoading</a:t>
-            </a:r>
-            <a:r>
-              <a:rPr lang="ko-KR" altLang="en-US"/>
-              <a:t>을 사용하여 용도에 따라 사용할 수 있게 만들었습니다</a:t>
-            </a:r>
-            <a:r>
-              <a:rPr lang="en-US" altLang="ko-KR"/>
-              <a:t>.</a:t>
-            </a:r>
-          </a:p>
-        </p:txBody>
-      </p:sp>
-      <p:pic>
-        <p:nvPicPr>
-          <p:cNvPr id="13" name="그림 12"/>
-          <p:cNvPicPr>
-            <a:picLocks noChangeAspect="1"/>
-          </p:cNvPicPr>
-          <p:nvPr/>
-        </p:nvPicPr>
-        <p:blipFill rotWithShape="1">
-          <a:blip r:embed="rId3"/>
-          <a:stretch>
-            <a:fillRect/>
-          </a:stretch>
-        </p:blipFill>
-        <p:spPr>
-          <a:xfrm>
-            <a:off x="5433608" y="1270165"/>
-            <a:ext cx="4004079" cy="3730296"/>
-          </a:xfrm>
-          <a:prstGeom prst="rect">
-            <a:avLst/>
-          </a:prstGeom>
-        </p:spPr>
-      </p:pic>
-      <p:sp>
-        <p:nvSpPr>
-          <p:cNvPr id="14" name="가로 글상자 13"/>
-          <p:cNvSpPr txBox="1"/>
-          <p:nvPr/>
-        </p:nvSpPr>
-        <p:spPr>
-          <a:xfrm>
-            <a:off x="9437688" y="1460500"/>
-            <a:ext cx="2468563" cy="2014220"/>
-          </a:xfrm>
-          <a:prstGeom prst="rect">
-            <a:avLst/>
-          </a:prstGeom>
-        </p:spPr>
-        <p:txBody>
-          <a:bodyPr wrap="square">
-            <a:spAutoFit/>
-          </a:bodyPr>
-          <a:lstStyle/>
-          <a:p>
-            <a:pPr lvl="0">
-              <a:defRPr/>
-            </a:pPr>
-            <a:r>
-              <a:rPr lang="en-US" altLang="ko-KR"/>
-              <a:t>ChangeState</a:t>
-            </a:r>
-            <a:r>
-              <a:rPr lang="ko-KR" altLang="en-US"/>
-              <a:t>와</a:t>
-            </a:r>
-          </a:p>
-          <a:p>
-            <a:pPr lvl="0">
-              <a:defRPr/>
-            </a:pPr>
-            <a:r>
-              <a:rPr lang="en-US" altLang="ko-KR"/>
-              <a:t>StateProcess</a:t>
-            </a:r>
-            <a:r>
-              <a:rPr lang="ko-KR" altLang="en-US"/>
-              <a:t>를 만들어</a:t>
-            </a:r>
-          </a:p>
-          <a:p>
-            <a:pPr lvl="0">
-              <a:defRPr/>
-            </a:pPr>
-            <a:r>
-              <a:rPr lang="en-US" altLang="ko-KR"/>
-              <a:t>FSM</a:t>
-            </a:r>
-            <a:r>
-              <a:rPr lang="ko-KR" altLang="en-US"/>
-              <a:t>패턴을 사용하여 만들었습니다</a:t>
-            </a:r>
-            <a:r>
-              <a:rPr lang="en-US" altLang="ko-KR"/>
-              <a:t>.</a:t>
-            </a:r>
-          </a:p>
-          <a:p>
-            <a:pPr lvl="0">
-              <a:defRPr/>
-            </a:pPr>
-            <a:r>
-              <a:rPr lang="ko-KR" altLang="en-US"/>
-              <a:t>각 </a:t>
-            </a:r>
-            <a:r>
-              <a:rPr lang="en-US" altLang="ko-KR"/>
-              <a:t>Monster</a:t>
-            </a:r>
-            <a:r>
-              <a:rPr lang="ko-KR" altLang="en-US"/>
-              <a:t>에 상태에 따라 행동하게 끔 구현 하였습니다</a:t>
-            </a:r>
-            <a:r>
-              <a:rPr lang="en-US" altLang="ko-KR"/>
-              <a:t>.</a:t>
-            </a:r>
-          </a:p>
-        </p:txBody>
-      </p:sp>
-      <p:sp>
-        <p:nvSpPr>
-          <p:cNvPr id="15" name="시계/반시계 방향 화살표 14"/>
-          <p:cNvSpPr/>
-          <p:nvPr/>
-        </p:nvSpPr>
-        <p:spPr>
-          <a:xfrm rot="5410345">
-            <a:off x="3501458" y="5525187"/>
-            <a:ext cx="596900" cy="857348"/>
-          </a:xfrm>
-          <a:prstGeom prst="leftRightCircularArrow">
-            <a:avLst>
-              <a:gd name="adj1" fmla="val 9375"/>
-              <a:gd name="adj2" fmla="val 146806"/>
-              <a:gd name="adj3" fmla="val 20561796"/>
-              <a:gd name="adj4" fmla="val 11942319"/>
-              <a:gd name="adj5" fmla="val 8593"/>
-            </a:avLst>
-          </a:prstGeom>
-          <a:solidFill>
-            <a:schemeClr val="lt1"/>
-          </a:solidFill>
         </p:spPr>
         <p:style>
           <a:lnRef idx="2">
@@ -8102,384 +10643,35 @@
         </p:style>
         <p:txBody>
           <a:bodyPr anchor="ctr"/>
-          <a:lstStyle/>
           <a:p>
             <a:pPr lvl="0" algn="ctr">
               <a:defRPr/>
             </a:pPr>
-            <a:endParaRPr lang="ko-KR" altLang="en-US">
-              <a:solidFill>
-                <a:schemeClr val="tx1"/>
-              </a:solidFill>
-            </a:endParaRPr>
-          </a:p>
-        </p:txBody>
-      </p:sp>
-    </p:spTree>
-    <p:extLst>
-      <p:ext uri="{BB962C8B-B14F-4D97-AF65-F5344CB8AC3E}">
-        <p14:creationId xmlns:p14="http://schemas.microsoft.com/office/powerpoint/2010/main" val="3734751642"/>
-      </p:ext>
-    </p:extLst>
-  </p:cSld>
-  <p:clrMapOvr>
-    <a:masterClrMapping/>
-  </p:clrMapOvr>
-  <p:timing>
-    <p:tnLst>
-      <p:par>
-        <p:cTn id="1" dur="indefinite" restart="never" nodeType="tmRoot"/>
-      </p:par>
-    </p:tnLst>
-  </p:timing>
-</p:sld>
-</file>
-
-<file path=ppt/slides/slide9.xml><?xml version="1.0" encoding="utf-8"?>
-<p:sld xmlns:a="http://schemas.openxmlformats.org/drawingml/2006/main" xmlns:r="http://schemas.openxmlformats.org/officeDocument/2006/relationships" xmlns:p="http://schemas.openxmlformats.org/presentationml/2006/main">
-  <p:cSld>
-    <p:spTree>
-      <p:nvGrpSpPr>
-        <p:cNvPr id="1" name=""/>
-        <p:cNvGrpSpPr/>
-        <p:nvPr/>
-      </p:nvGrpSpPr>
-      <p:grpSpPr>
-        <a:xfrm>
-          <a:off x="0" y="0"/>
-          <a:ext cx="0" cy="0"/>
-          <a:chOff x="0" y="0"/>
-          <a:chExt cx="0" cy="0"/>
-        </a:xfrm>
-      </p:grpSpPr>
-      <p:sp>
-        <p:nvSpPr>
-          <p:cNvPr id="2" name="제목 1"/>
-          <p:cNvSpPr>
-            <a:spLocks noGrp="1"/>
-          </p:cNvSpPr>
-          <p:nvPr>
-            <p:ph type="title"/>
-          </p:nvPr>
-        </p:nvSpPr>
-        <p:spPr/>
-        <p:txBody>
-          <a:bodyPr/>
-          <a:lstStyle/>
-          <a:p>
-            <a:pPr lvl="0">
-              <a:defRPr/>
-            </a:pPr>
-            <a:r>
-              <a:rPr lang="en-US" altLang="ko-KR" dirty="0"/>
-              <a:t>5</a:t>
-            </a:r>
-            <a:r>
-              <a:rPr lang="en-US" altLang="ko-KR" dirty="0" smtClean="0"/>
-              <a:t>.</a:t>
-            </a:r>
-            <a:r>
-              <a:rPr lang="ko-KR" altLang="en-US" dirty="0" smtClean="0"/>
-              <a:t> </a:t>
-            </a:r>
-            <a:r>
-              <a:rPr lang="en-US" altLang="ko-KR" dirty="0"/>
-              <a:t>UI </a:t>
-            </a:r>
-            <a:r>
-              <a:rPr lang="ko-KR" altLang="en-US" dirty="0"/>
-              <a:t>작동 방식</a:t>
-            </a:r>
-          </a:p>
-        </p:txBody>
-      </p:sp>
-      <p:sp>
-        <p:nvSpPr>
-          <p:cNvPr id="3" name="내용 개체 틀 2"/>
-          <p:cNvSpPr>
-            <a:spLocks noGrp="1"/>
-          </p:cNvSpPr>
-          <p:nvPr>
-            <p:ph idx="1"/>
-          </p:nvPr>
-        </p:nvSpPr>
-        <p:spPr/>
-        <p:txBody>
-          <a:bodyPr/>
-          <a:lstStyle/>
-          <a:p>
-            <a:pPr marL="0" lvl="0" indent="0">
-              <a:buNone/>
-              <a:defRPr/>
-            </a:pPr>
-            <a:r>
-              <a:rPr lang="en-US" altLang="ko-KR" dirty="0"/>
-              <a:t>UI</a:t>
-            </a:r>
-            <a:r>
-              <a:rPr lang="ko-KR" altLang="en-US" dirty="0"/>
-              <a:t> </a:t>
-            </a:r>
-            <a:r>
-              <a:rPr lang="en-US" altLang="ko-KR" dirty="0" err="1"/>
-              <a:t>GameObject</a:t>
-            </a:r>
-            <a:r>
-              <a:rPr lang="ko-KR" altLang="en-US" dirty="0"/>
-              <a:t>는</a:t>
-            </a:r>
-            <a:r>
-              <a:rPr lang="en-US" altLang="ko-KR" dirty="0"/>
-              <a:t> list</a:t>
-            </a:r>
-            <a:r>
-              <a:rPr lang="ko-KR" altLang="en-US" dirty="0"/>
-              <a:t>구현 하였습니다</a:t>
-            </a:r>
-            <a:r>
-              <a:rPr lang="en-US" altLang="ko-KR" dirty="0"/>
-              <a:t>.</a:t>
-            </a:r>
-            <a:r>
-              <a:rPr lang="ko-KR" altLang="en-US" dirty="0"/>
-              <a:t> </a:t>
-            </a:r>
-            <a:r>
-              <a:rPr lang="en-US" altLang="ko-KR" dirty="0"/>
-              <a:t>list</a:t>
-            </a:r>
-            <a:r>
-              <a:rPr lang="ko-KR" altLang="en-US" dirty="0"/>
-              <a:t>로 구현한 이유는 마우스로 누른 </a:t>
-            </a:r>
-            <a:r>
-              <a:rPr lang="en-US" altLang="ko-KR" dirty="0"/>
-              <a:t>Object</a:t>
-            </a:r>
-            <a:r>
-              <a:rPr lang="ko-KR" altLang="en-US" dirty="0"/>
-              <a:t>에 순서를 바꾸기 위해 </a:t>
-            </a:r>
-            <a:r>
-              <a:rPr lang="en-US" altLang="ko-KR" dirty="0"/>
-              <a:t>list</a:t>
-            </a:r>
-            <a:r>
-              <a:rPr lang="ko-KR" altLang="en-US" dirty="0"/>
-              <a:t>를</a:t>
-            </a:r>
-            <a:r>
-              <a:rPr lang="en-US" altLang="ko-KR" dirty="0"/>
-              <a:t> </a:t>
-            </a:r>
-            <a:r>
-              <a:rPr lang="ko-KR" altLang="en-US" dirty="0"/>
-              <a:t>채택하였습니다</a:t>
-            </a:r>
-            <a:r>
-              <a:rPr lang="en-US" altLang="ko-KR" dirty="0"/>
-              <a:t>.</a:t>
-            </a:r>
-          </a:p>
-          <a:p>
-            <a:pPr marL="0" lvl="0" indent="0">
-              <a:buNone/>
-              <a:defRPr/>
-            </a:pPr>
-            <a:endParaRPr lang="en-US" altLang="ko-KR" dirty="0"/>
-          </a:p>
-        </p:txBody>
-      </p:sp>
-      <p:pic>
-        <p:nvPicPr>
-          <p:cNvPr id="4" name="그림 3"/>
-          <p:cNvPicPr>
-            <a:picLocks noChangeAspect="1"/>
-          </p:cNvPicPr>
-          <p:nvPr/>
-        </p:nvPicPr>
-        <p:blipFill rotWithShape="1">
-          <a:blip r:embed="rId3"/>
-          <a:stretch>
-            <a:fillRect/>
-          </a:stretch>
-        </p:blipFill>
-        <p:spPr>
-          <a:xfrm>
-            <a:off x="281064" y="2291508"/>
-            <a:ext cx="4868906" cy="3717468"/>
-          </a:xfrm>
-          <a:prstGeom prst="rect">
-            <a:avLst/>
-          </a:prstGeom>
-        </p:spPr>
-      </p:pic>
-      <p:sp>
-        <p:nvSpPr>
-          <p:cNvPr id="5" name="가로 글상자 4"/>
-          <p:cNvSpPr txBox="1"/>
-          <p:nvPr/>
-        </p:nvSpPr>
-        <p:spPr>
-          <a:xfrm>
-            <a:off x="5700348" y="4305852"/>
-            <a:ext cx="5040924" cy="902238"/>
-          </a:xfrm>
-          <a:prstGeom prst="rect">
-            <a:avLst/>
-          </a:prstGeom>
-        </p:spPr>
-        <p:txBody>
-          <a:bodyPr wrap="square">
-            <a:spAutoFit/>
-          </a:bodyPr>
-          <a:lstStyle/>
-          <a:p>
-            <a:pPr lvl="0">
-              <a:defRPr/>
-            </a:pPr>
-            <a:r>
-              <a:rPr lang="en-US" altLang="ko-KR" dirty="0"/>
-              <a:t>ESC</a:t>
-            </a:r>
-            <a:r>
-              <a:rPr lang="ko-KR" altLang="en-US" dirty="0"/>
-              <a:t>를 누르면 가장 마지막에 켜졌거나 마우스로 누른 </a:t>
-            </a:r>
-            <a:r>
-              <a:rPr lang="en-US" altLang="ko-KR" dirty="0"/>
-              <a:t>UI</a:t>
-            </a:r>
-            <a:r>
-              <a:rPr lang="ko-KR" altLang="en-US" dirty="0"/>
-              <a:t>를 끌 수 있고 </a:t>
-            </a:r>
-            <a:r>
-              <a:rPr lang="en-US" altLang="ko-KR" dirty="0"/>
-              <a:t>list</a:t>
-            </a:r>
-            <a:r>
-              <a:rPr lang="ko-KR" altLang="en-US" dirty="0"/>
-              <a:t>가 </a:t>
-            </a:r>
-            <a:r>
-              <a:rPr lang="en-US" altLang="ko-KR" dirty="0"/>
-              <a:t>null</a:t>
-            </a:r>
-            <a:r>
-              <a:rPr lang="ko-KR" altLang="en-US" dirty="0"/>
-              <a:t>이면 </a:t>
-            </a:r>
-            <a:r>
-              <a:rPr lang="en-US" altLang="ko-KR" dirty="0"/>
-              <a:t>Option</a:t>
-            </a:r>
-            <a:r>
-              <a:rPr lang="ko-KR" altLang="en-US" dirty="0"/>
-              <a:t>이 </a:t>
-            </a:r>
-          </a:p>
-          <a:p>
-            <a:pPr lvl="0">
-              <a:defRPr/>
-            </a:pPr>
-            <a:r>
-              <a:rPr lang="ko-KR" altLang="en-US" dirty="0"/>
-              <a:t>켜질 수 있도록 구현 하였습니다</a:t>
-            </a:r>
-            <a:r>
-              <a:rPr lang="en-US" altLang="ko-KR" dirty="0"/>
-              <a:t>.</a:t>
-            </a:r>
-          </a:p>
-        </p:txBody>
-      </p:sp>
-      <p:sp>
-        <p:nvSpPr>
-          <p:cNvPr id="6" name="가로 글상자 5"/>
-          <p:cNvSpPr txBox="1"/>
-          <p:nvPr/>
-        </p:nvSpPr>
-        <p:spPr>
-          <a:xfrm>
-            <a:off x="6037994" y="2454228"/>
-            <a:ext cx="4366848" cy="637736"/>
-          </a:xfrm>
-          <a:prstGeom prst="rect">
-            <a:avLst/>
-          </a:prstGeom>
-        </p:spPr>
-        <p:txBody>
-          <a:bodyPr wrap="square">
-            <a:spAutoFit/>
-          </a:bodyPr>
-          <a:lstStyle/>
-          <a:p>
-            <a:pPr lvl="0">
-              <a:defRPr/>
-            </a:pPr>
-            <a:r>
-              <a:rPr lang="en-US" altLang="ko-KR" dirty="0"/>
-              <a:t>UI</a:t>
-            </a:r>
-            <a:r>
-              <a:rPr lang="ko-KR" altLang="en-US" dirty="0"/>
-              <a:t>가 </a:t>
-            </a:r>
-            <a:r>
-              <a:rPr lang="ko-KR" altLang="en-US" dirty="0" err="1"/>
-              <a:t>한개라도</a:t>
-            </a:r>
-            <a:r>
-              <a:rPr lang="ko-KR" altLang="en-US" dirty="0"/>
-              <a:t> </a:t>
-            </a:r>
-            <a:r>
-              <a:rPr lang="ko-KR" altLang="en-US" dirty="0" err="1"/>
-              <a:t>켜져있으면</a:t>
-            </a:r>
-            <a:r>
-              <a:rPr lang="ko-KR" altLang="en-US" dirty="0"/>
-              <a:t> </a:t>
-            </a:r>
-            <a:r>
-              <a:rPr lang="en-US" altLang="ko-KR" dirty="0" err="1"/>
-              <a:t>MouseControll</a:t>
-            </a:r>
-            <a:r>
-              <a:rPr lang="ko-KR" altLang="en-US" dirty="0"/>
-              <a:t>에 대한 제한을 두었습니다</a:t>
-            </a:r>
-            <a:r>
-              <a:rPr lang="en-US" altLang="ko-KR" dirty="0"/>
-              <a:t>.</a:t>
-            </a:r>
-          </a:p>
-        </p:txBody>
-      </p:sp>
-      <p:sp>
-        <p:nvSpPr>
-          <p:cNvPr id="13" name="시계/반시계 방향 화살표 12"/>
+            <a:r>
+              <a:rPr lang="en-US" altLang="ko-KR"/>
+              <a:t>Idle</a:t>
+            </a:r>
+            <a:endParaRPr lang="en-US" altLang="ko-KR"/>
+          </a:p>
+        </p:txBody>
+      </p:sp>
+      <p:sp>
+        <p:nvSpPr>
+          <p:cNvPr id="25" name="아래쪽 화살표 24"/>
           <p:cNvSpPr/>
           <p:nvPr/>
         </p:nvSpPr>
         <p:spPr>
-          <a:xfrm rot="5410345">
-            <a:off x="2055069" y="2414693"/>
-            <a:ext cx="596900" cy="857348"/>
-          </a:xfrm>
-          <a:prstGeom prst="leftRightCircularArrow">
+          <a:xfrm>
+            <a:off x="1958579" y="2531458"/>
+            <a:ext cx="341313" cy="444500"/>
+          </a:xfrm>
+          <a:prstGeom prst="downArrow">
             <a:avLst>
-              <a:gd name="adj1" fmla="val 9375"/>
-              <a:gd name="adj2" fmla="val 146806"/>
-              <a:gd name="adj3" fmla="val 20561796"/>
-              <a:gd name="adj4" fmla="val 11942319"/>
-              <a:gd name="adj5" fmla="val 8593"/>
+              <a:gd name="adj1" fmla="val 50000"/>
+              <a:gd name="adj2" fmla="val 50000"/>
             </a:avLst>
           </a:prstGeom>
-          <a:solidFill>
-            <a:schemeClr val="lt1"/>
-          </a:solidFill>
         </p:spPr>
         <p:style>
           <a:lnRef idx="2">
@@ -8499,44 +10691,28 @@
         </p:style>
         <p:txBody>
           <a:bodyPr anchor="ctr"/>
-          <a:lstStyle/>
           <a:p>
             <a:pPr lvl="0" algn="ctr">
               <a:defRPr/>
             </a:pPr>
-            <a:endParaRPr lang="ko-KR" altLang="en-US">
-              <a:solidFill>
-                <a:schemeClr val="tx1"/>
-              </a:solidFill>
-            </a:endParaRPr>
-          </a:p>
-        </p:txBody>
-      </p:sp>
-      <p:sp>
-        <p:nvSpPr>
-          <p:cNvPr id="14" name="오른쪽 화살표 13"/>
+            <a:endParaRPr lang="en-US" altLang="ko-KR"/>
+          </a:p>
+        </p:txBody>
+      </p:sp>
+      <p:sp>
+        <p:nvSpPr>
+          <p:cNvPr id="26" name="직사각형 25"/>
           <p:cNvSpPr/>
           <p:nvPr/>
         </p:nvSpPr>
         <p:spPr>
           <a:xfrm>
-            <a:off x="2783089" y="2773096"/>
-            <a:ext cx="3185890" cy="140543"/>
-          </a:xfrm>
-          <a:prstGeom prst="rightArrow">
-            <a:avLst>
-              <a:gd name="adj1" fmla="val 50000"/>
-              <a:gd name="adj2" fmla="val 50000"/>
-            </a:avLst>
-          </a:prstGeom>
-          <a:solidFill>
-            <a:schemeClr val="lt1"/>
-          </a:solidFill>
-          <a:ln>
-            <a:solidFill>
-              <a:schemeClr val="dk1"/>
-            </a:solidFill>
-          </a:ln>
+            <a:off x="1006079" y="3103528"/>
+            <a:ext cx="2587624" cy="650942"/>
+          </a:xfrm>
+          <a:prstGeom prst="rect">
+            <a:avLst/>
+          </a:prstGeom>
         </p:spPr>
         <p:style>
           <a:lnRef idx="2">
@@ -8556,74 +10732,860 @@
         </p:style>
         <p:txBody>
           <a:bodyPr anchor="ctr"/>
-          <a:lstStyle/>
           <a:p>
             <a:pPr lvl="0" algn="ctr">
               <a:defRPr/>
             </a:pPr>
+            <a:r>
+              <a:rPr lang="en-US" altLang="ko-KR"/>
+              <a:t>Walk</a:t>
+            </a:r>
+            <a:endParaRPr lang="en-US" altLang="ko-KR"/>
+          </a:p>
+        </p:txBody>
+      </p:sp>
+      <p:sp>
+        <p:nvSpPr>
+          <p:cNvPr id="29" name="직사각형 28"/>
+          <p:cNvSpPr/>
+          <p:nvPr/>
+        </p:nvSpPr>
+        <p:spPr>
+          <a:xfrm>
+            <a:off x="1006079" y="4522199"/>
+            <a:ext cx="2587624" cy="650942"/>
+          </a:xfrm>
+          <a:prstGeom prst="rect">
+            <a:avLst/>
+          </a:prstGeom>
+        </p:spPr>
+        <p:style>
+          <a:lnRef idx="2">
+            <a:schemeClr val="accent1">
+              <a:shade val="20000"/>
+            </a:schemeClr>
+          </a:lnRef>
+          <a:fillRef idx="1">
+            <a:schemeClr val="accent1"/>
+          </a:fillRef>
+          <a:effectRef idx="0">
+            <a:schemeClr val="accent1"/>
+          </a:effectRef>
+          <a:fontRef idx="minor">
+            <a:schemeClr val="lt1"/>
+          </a:fontRef>
+        </p:style>
+        <p:txBody>
+          <a:bodyPr anchor="ctr"/>
+          <a:p>
+            <a:pPr lvl="0" algn="ctr">
+              <a:defRPr/>
+            </a:pPr>
+            <a:r>
+              <a:rPr lang="en-US" altLang="ko-KR"/>
+              <a:t>Chase</a:t>
+            </a:r>
+            <a:endParaRPr lang="en-US" altLang="ko-KR"/>
+          </a:p>
+        </p:txBody>
+      </p:sp>
+      <p:sp>
+        <p:nvSpPr>
+          <p:cNvPr id="30" name="아래쪽 화살표 29"/>
+          <p:cNvSpPr/>
+          <p:nvPr/>
+        </p:nvSpPr>
+        <p:spPr>
+          <a:xfrm>
+            <a:off x="1961755" y="3949707"/>
+            <a:ext cx="341313" cy="468312"/>
+          </a:xfrm>
+          <a:prstGeom prst="downArrow">
+            <a:avLst>
+              <a:gd name="adj1" fmla="val 50000"/>
+              <a:gd name="adj2" fmla="val 50000"/>
+            </a:avLst>
+          </a:prstGeom>
+        </p:spPr>
+        <p:style>
+          <a:lnRef idx="2">
+            <a:schemeClr val="accent1">
+              <a:shade val="20000"/>
+            </a:schemeClr>
+          </a:lnRef>
+          <a:fillRef idx="1">
+            <a:schemeClr val="accent1"/>
+          </a:fillRef>
+          <a:effectRef idx="0">
+            <a:schemeClr val="accent1"/>
+          </a:effectRef>
+          <a:fontRef idx="minor">
+            <a:schemeClr val="lt1"/>
+          </a:fontRef>
+        </p:style>
+        <p:txBody>
+          <a:bodyPr anchor="ctr"/>
+          <a:p>
+            <a:pPr lvl="0" algn="ctr">
+              <a:defRPr/>
+            </a:pPr>
+            <a:endParaRPr lang="en-US" altLang="ko-KR"/>
+          </a:p>
+        </p:txBody>
+      </p:sp>
+      <p:sp>
+        <p:nvSpPr>
+          <p:cNvPr id="32" name="직사각형 31"/>
+          <p:cNvSpPr/>
+          <p:nvPr/>
+        </p:nvSpPr>
+        <p:spPr>
+          <a:xfrm>
+            <a:off x="4836374" y="3760774"/>
+            <a:ext cx="2079625" cy="650942"/>
+          </a:xfrm>
+          <a:prstGeom prst="rect">
+            <a:avLst/>
+          </a:prstGeom>
+        </p:spPr>
+        <p:style>
+          <a:lnRef idx="2">
+            <a:schemeClr val="accent1">
+              <a:shade val="20000"/>
+            </a:schemeClr>
+          </a:lnRef>
+          <a:fillRef idx="1">
+            <a:schemeClr val="accent1"/>
+          </a:fillRef>
+          <a:effectRef idx="0">
+            <a:schemeClr val="accent1"/>
+          </a:effectRef>
+          <a:fontRef idx="minor">
+            <a:schemeClr val="lt1"/>
+          </a:fontRef>
+        </p:style>
+        <p:txBody>
+          <a:bodyPr anchor="ctr"/>
+          <a:p>
+            <a:pPr lvl="0" algn="ctr">
+              <a:defRPr/>
+            </a:pPr>
+            <a:r>
+              <a:rPr lang="en-US" altLang="ko-KR"/>
+              <a:t>Dead</a:t>
+            </a:r>
+            <a:endParaRPr lang="en-US" altLang="ko-KR"/>
+          </a:p>
+        </p:txBody>
+      </p:sp>
+      <p:pic>
+        <p:nvPicPr>
+          <p:cNvPr id="40" name="그림 39"/>
+          <p:cNvPicPr/>
+          <p:nvPr/>
+        </p:nvPicPr>
+        <p:blipFill rotWithShape="1">
+          <a:blip r:embed="rId2"/>
+          <a:stretch>
+            <a:fillRect/>
+          </a:stretch>
+        </p:blipFill>
+        <p:spPr>
+          <a:xfrm>
+            <a:off x="7281124" y="0"/>
+            <a:ext cx="4910875" cy="6858000"/>
+          </a:xfrm>
+          <a:prstGeom prst="rect">
+            <a:avLst/>
+          </a:prstGeom>
+        </p:spPr>
+      </p:pic>
+      <p:sp>
+        <p:nvSpPr>
+          <p:cNvPr id="41" name="직사각형 40"/>
+          <p:cNvSpPr/>
+          <p:nvPr/>
+        </p:nvSpPr>
+        <p:spPr>
+          <a:xfrm>
+            <a:off x="1006079" y="5943044"/>
+            <a:ext cx="2587624" cy="650942"/>
+          </a:xfrm>
+          <a:prstGeom prst="rect">
+            <a:avLst/>
+          </a:prstGeom>
+        </p:spPr>
+        <p:style>
+          <a:lnRef idx="2">
+            <a:schemeClr val="accent1">
+              <a:shade val="20000"/>
+            </a:schemeClr>
+          </a:lnRef>
+          <a:fillRef idx="1">
+            <a:schemeClr val="accent1"/>
+          </a:fillRef>
+          <a:effectRef idx="0">
+            <a:schemeClr val="accent1"/>
+          </a:effectRef>
+          <a:fontRef idx="minor">
+            <a:schemeClr val="lt1"/>
+          </a:fontRef>
+        </p:style>
+        <p:txBody>
+          <a:bodyPr anchor="ctr"/>
+          <a:p>
+            <a:pPr lvl="0" algn="ctr">
+              <a:defRPr/>
+            </a:pPr>
+            <a:r>
+              <a:rPr lang="en-US" altLang="ko-KR"/>
+              <a:t>Attack</a:t>
+            </a:r>
+            <a:endParaRPr lang="en-US" altLang="ko-KR"/>
+          </a:p>
+        </p:txBody>
+      </p:sp>
+      <p:sp>
+        <p:nvSpPr>
+          <p:cNvPr id="43" name="아래쪽 화살표 42"/>
+          <p:cNvSpPr/>
+          <p:nvPr/>
+        </p:nvSpPr>
+        <p:spPr>
+          <a:xfrm>
+            <a:off x="1961755" y="5345939"/>
+            <a:ext cx="341313" cy="468312"/>
+          </a:xfrm>
+          <a:prstGeom prst="downArrow">
+            <a:avLst>
+              <a:gd name="adj1" fmla="val 50000"/>
+              <a:gd name="adj2" fmla="val 50000"/>
+            </a:avLst>
+          </a:prstGeom>
+        </p:spPr>
+        <p:style>
+          <a:lnRef idx="2">
+            <a:schemeClr val="accent1">
+              <a:shade val="20000"/>
+            </a:schemeClr>
+          </a:lnRef>
+          <a:fillRef idx="1">
+            <a:schemeClr val="accent1"/>
+          </a:fillRef>
+          <a:effectRef idx="0">
+            <a:schemeClr val="accent1"/>
+          </a:effectRef>
+          <a:fontRef idx="minor">
+            <a:schemeClr val="lt1"/>
+          </a:fontRef>
+        </p:style>
+        <p:txBody>
+          <a:bodyPr anchor="ctr"/>
+          <a:p>
+            <a:pPr lvl="0" algn="ctr">
+              <a:defRPr/>
+            </a:pPr>
+            <a:endParaRPr lang="en-US" altLang="ko-KR"/>
+          </a:p>
+        </p:txBody>
+      </p:sp>
+      <p:cxnSp>
+        <p:nvCxnSpPr>
+          <p:cNvPr id="44" name="꺾인 연결선 43"/>
+          <p:cNvCxnSpPr/>
+          <p:nvPr/>
+        </p:nvCxnSpPr>
+        <p:spPr>
+          <a:xfrm>
+            <a:off x="3465964" y="2081617"/>
+            <a:ext cx="1370410" cy="2010931"/>
+          </a:xfrm>
+          <a:prstGeom prst="bentConnector3">
+            <a:avLst>
+              <a:gd name="adj1" fmla="val 50000"/>
+            </a:avLst>
+          </a:prstGeom>
+          <a:ln>
+            <a:tailEnd type="arrow"/>
+          </a:ln>
+        </p:spPr>
+        <p:style>
+          <a:lnRef idx="1">
+            <a:schemeClr val="accent1"/>
+          </a:lnRef>
+          <a:fillRef idx="0">
+            <a:schemeClr val="accent1"/>
+          </a:fillRef>
+          <a:effectRef idx="0">
+            <a:schemeClr val="accent1"/>
+          </a:effectRef>
+          <a:fontRef idx="minor">
+            <a:schemeClr val="tx1"/>
+          </a:fontRef>
+        </p:style>
+      </p:cxnSp>
+      <p:cxnSp>
+        <p:nvCxnSpPr>
+          <p:cNvPr id="45" name="꺾인 연결선 44"/>
+          <p:cNvCxnSpPr/>
+          <p:nvPr/>
+        </p:nvCxnSpPr>
+        <p:spPr>
+          <a:xfrm>
+            <a:off x="3469140" y="3429000"/>
+            <a:ext cx="1367234" cy="663548"/>
+          </a:xfrm>
+          <a:prstGeom prst="bentConnector3">
+            <a:avLst>
+              <a:gd name="adj1" fmla="val 50000"/>
+            </a:avLst>
+          </a:prstGeom>
+          <a:ln>
+            <a:tailEnd type="arrow"/>
+          </a:ln>
+        </p:spPr>
+        <p:style>
+          <a:lnRef idx="1">
+            <a:schemeClr val="accent1"/>
+          </a:lnRef>
+          <a:fillRef idx="0">
+            <a:schemeClr val="accent1"/>
+          </a:fillRef>
+          <a:effectRef idx="0">
+            <a:schemeClr val="accent1"/>
+          </a:effectRef>
+          <a:fontRef idx="minor">
+            <a:schemeClr val="tx1"/>
+          </a:fontRef>
+        </p:style>
+      </p:cxnSp>
+      <p:cxnSp>
+        <p:nvCxnSpPr>
+          <p:cNvPr id="46" name="꺾인 연결선 45"/>
+          <p:cNvCxnSpPr/>
+          <p:nvPr/>
+        </p:nvCxnSpPr>
+        <p:spPr>
+          <a:xfrm flipV="1">
+            <a:off x="3469140" y="4092548"/>
+            <a:ext cx="1367234" cy="755121"/>
+          </a:xfrm>
+          <a:prstGeom prst="bentConnector3">
+            <a:avLst>
+              <a:gd name="adj1" fmla="val 50000"/>
+            </a:avLst>
+          </a:prstGeom>
+          <a:ln>
+            <a:tailEnd type="arrow"/>
+          </a:ln>
+        </p:spPr>
+        <p:style>
+          <a:lnRef idx="1">
+            <a:schemeClr val="accent1"/>
+          </a:lnRef>
+          <a:fillRef idx="0">
+            <a:schemeClr val="accent1"/>
+          </a:fillRef>
+          <a:effectRef idx="0">
+            <a:schemeClr val="accent1"/>
+          </a:effectRef>
+          <a:fontRef idx="minor">
+            <a:schemeClr val="tx1"/>
+          </a:fontRef>
+        </p:style>
+      </p:cxnSp>
+      <p:cxnSp>
+        <p:nvCxnSpPr>
+          <p:cNvPr id="47" name="꺾인 연결선 46"/>
+          <p:cNvCxnSpPr/>
+          <p:nvPr/>
+        </p:nvCxnSpPr>
+        <p:spPr>
+          <a:xfrm flipV="1">
+            <a:off x="3469140" y="4092548"/>
+            <a:ext cx="1367234" cy="2175967"/>
+          </a:xfrm>
+          <a:prstGeom prst="bentConnector3">
+            <a:avLst>
+              <a:gd name="adj1" fmla="val 50000"/>
+            </a:avLst>
+          </a:prstGeom>
+          <a:ln>
+            <a:tailEnd type="arrow"/>
+          </a:ln>
+        </p:spPr>
+        <p:style>
+          <a:lnRef idx="1">
+            <a:schemeClr val="accent1"/>
+          </a:lnRef>
+          <a:fillRef idx="0">
+            <a:schemeClr val="accent1"/>
+          </a:fillRef>
+          <a:effectRef idx="0">
+            <a:schemeClr val="accent1"/>
+          </a:effectRef>
+          <a:fontRef idx="minor">
+            <a:schemeClr val="tx1"/>
+          </a:fontRef>
+        </p:style>
+      </p:cxnSp>
+      <p:sp>
+        <p:nvSpPr>
+          <p:cNvPr id="49" name="가로 글상자 48"/>
+          <p:cNvSpPr txBox="1"/>
+          <p:nvPr/>
+        </p:nvSpPr>
+        <p:spPr>
+          <a:xfrm>
+            <a:off x="4151169" y="3361774"/>
+            <a:ext cx="997744" cy="365650"/>
+          </a:xfrm>
+          <a:prstGeom prst="rect">
+            <a:avLst/>
+          </a:prstGeom>
+        </p:spPr>
+        <p:txBody>
+          <a:bodyPr wrap="square">
+            <a:spAutoFit/>
+          </a:bodyPr>
+          <a:p>
+            <a:pPr lvl="0">
+              <a:defRPr/>
+            </a:pPr>
+            <a:r>
+              <a:rPr lang="en-US" altLang="ko-KR"/>
+              <a:t>Hp</a:t>
+            </a:r>
+            <a:r>
+              <a:rPr lang="ko-KR" altLang="en-US"/>
+              <a:t> </a:t>
+            </a:r>
+            <a:r>
+              <a:rPr lang="en-US" altLang="ko-KR"/>
+              <a:t>=</a:t>
+            </a:r>
+            <a:r>
+              <a:rPr lang="ko-KR" altLang="en-US"/>
+              <a:t> </a:t>
+            </a:r>
+            <a:r>
+              <a:rPr lang="en-US" altLang="ko-KR"/>
+              <a:t>0</a:t>
+            </a:r>
+            <a:endParaRPr lang="en-US" altLang="ko-KR"/>
+          </a:p>
+        </p:txBody>
+      </p:sp>
+      <p:sp>
+        <p:nvSpPr>
+          <p:cNvPr id="50" name="가로 글상자 49"/>
+          <p:cNvSpPr txBox="1"/>
+          <p:nvPr/>
+        </p:nvSpPr>
+        <p:spPr>
+          <a:xfrm>
+            <a:off x="2299892" y="3844221"/>
+            <a:ext cx="1925836" cy="642073"/>
+          </a:xfrm>
+          <a:prstGeom prst="rect">
+            <a:avLst/>
+          </a:prstGeom>
+        </p:spPr>
+        <p:txBody>
+          <a:bodyPr wrap="square">
+            <a:spAutoFit/>
+          </a:bodyPr>
+          <a:p>
+            <a:pPr lvl="0" algn="ctr">
+              <a:defRPr/>
+            </a:pPr>
+            <a:r>
+              <a:rPr lang="en-US" altLang="ko-KR"/>
+              <a:t>Player</a:t>
+            </a:r>
+            <a:r>
+              <a:rPr lang="ko-KR" altLang="en-US"/>
+              <a:t>가 탐색 </a:t>
+            </a:r>
             <a:endParaRPr lang="ko-KR" altLang="en-US"/>
+          </a:p>
+          <a:p>
+            <a:pPr lvl="0" algn="ctr">
+              <a:defRPr/>
+            </a:pPr>
+            <a:r>
+              <a:rPr lang="ko-KR" altLang="en-US"/>
+              <a:t>범위 안에 있으면</a:t>
+            </a:r>
+            <a:endParaRPr lang="ko-KR" altLang="en-US"/>
+          </a:p>
+        </p:txBody>
+      </p:sp>
+      <p:sp>
+        <p:nvSpPr>
+          <p:cNvPr id="51" name="가로 글상자 50"/>
+          <p:cNvSpPr txBox="1"/>
+          <p:nvPr/>
+        </p:nvSpPr>
+        <p:spPr>
+          <a:xfrm>
+            <a:off x="2303068" y="5274343"/>
+            <a:ext cx="1925836" cy="643873"/>
+          </a:xfrm>
+          <a:prstGeom prst="rect">
+            <a:avLst/>
+          </a:prstGeom>
+        </p:spPr>
+        <p:txBody>
+          <a:bodyPr wrap="square">
+            <a:spAutoFit/>
+          </a:bodyPr>
+          <a:p>
+            <a:pPr lvl="0" algn="ctr">
+              <a:defRPr/>
+            </a:pPr>
+            <a:r>
+              <a:rPr lang="en-US" altLang="ko-KR"/>
+              <a:t>Player</a:t>
+            </a:r>
+            <a:r>
+              <a:rPr lang="ko-KR" altLang="en-US"/>
+              <a:t>가 공격 </a:t>
+            </a:r>
+            <a:endParaRPr lang="ko-KR" altLang="en-US"/>
+          </a:p>
+          <a:p>
+            <a:pPr lvl="0" algn="ctr">
+              <a:defRPr/>
+            </a:pPr>
+            <a:r>
+              <a:rPr lang="ko-KR" altLang="en-US"/>
+              <a:t>범위 안에 있으면</a:t>
+            </a:r>
+            <a:endParaRPr lang="ko-KR" altLang="en-US"/>
+          </a:p>
+        </p:txBody>
+      </p:sp>
+      <p:sp>
+        <p:nvSpPr>
+          <p:cNvPr id="52" name="가로 글상자 51"/>
+          <p:cNvSpPr txBox="1"/>
+          <p:nvPr/>
+        </p:nvSpPr>
+        <p:spPr>
+          <a:xfrm>
+            <a:off x="2299892" y="2467853"/>
+            <a:ext cx="1925836" cy="635675"/>
+          </a:xfrm>
+          <a:prstGeom prst="rect">
+            <a:avLst/>
+          </a:prstGeom>
+        </p:spPr>
+        <p:txBody>
+          <a:bodyPr wrap="square">
+            <a:spAutoFit/>
+          </a:bodyPr>
+          <a:p>
+            <a:pPr lvl="0" algn="ctr">
+              <a:defRPr/>
+            </a:pPr>
+            <a:r>
+              <a:rPr lang="en-US" altLang="ko-KR"/>
+              <a:t>Random </a:t>
+            </a:r>
+            <a:r>
+              <a:rPr lang="ko-KR" altLang="en-US"/>
+              <a:t>초가 </a:t>
+            </a:r>
+            <a:endParaRPr lang="ko-KR" altLang="en-US"/>
+          </a:p>
+          <a:p>
+            <a:pPr lvl="0" algn="ctr">
+              <a:defRPr/>
+            </a:pPr>
+            <a:r>
+              <a:rPr lang="ko-KR" altLang="en-US"/>
+              <a:t>지나면</a:t>
+            </a:r>
+            <a:endParaRPr lang="ko-KR" altLang="en-US"/>
+          </a:p>
+        </p:txBody>
+      </p:sp>
+      <p:sp>
+        <p:nvSpPr>
+          <p:cNvPr id="54" name="직사각형 53"/>
+          <p:cNvSpPr/>
+          <p:nvPr/>
+        </p:nvSpPr>
+        <p:spPr>
+          <a:xfrm>
+            <a:off x="6695282" y="0"/>
+            <a:ext cx="585842" cy="1057276"/>
+          </a:xfrm>
+          <a:prstGeom prst="rect">
+            <a:avLst/>
+          </a:prstGeom>
+          <a:solidFill>
+            <a:schemeClr val="dk1"/>
+          </a:solidFill>
+          <a:ln>
+            <a:solidFill>
+              <a:schemeClr val="dk1"/>
+            </a:solidFill>
+          </a:ln>
+        </p:spPr>
+        <p:style>
+          <a:lnRef idx="2">
+            <a:schemeClr val="accent1">
+              <a:shade val="20000"/>
+            </a:schemeClr>
+          </a:lnRef>
+          <a:fillRef idx="1">
+            <a:schemeClr val="accent1"/>
+          </a:fillRef>
+          <a:effectRef idx="0">
+            <a:schemeClr val="accent1"/>
+          </a:effectRef>
+          <a:fontRef idx="minor">
+            <a:schemeClr val="lt1"/>
+          </a:fontRef>
+        </p:style>
+        <p:txBody>
+          <a:bodyPr anchor="ctr"/>
+          <a:p>
+            <a:pPr lvl="0" algn="ctr">
+              <a:defRPr/>
+            </a:pPr>
+            <a:endParaRPr lang="ko-KR" altLang="en-US"/>
+          </a:p>
+        </p:txBody>
+      </p:sp>
+      <p:sp>
+        <p:nvSpPr>
+          <p:cNvPr id="55" name="직사각형 54"/>
+          <p:cNvSpPr/>
+          <p:nvPr/>
+        </p:nvSpPr>
+        <p:spPr>
+          <a:xfrm>
+            <a:off x="4582375" y="2126197"/>
+            <a:ext cx="2587624" cy="650942"/>
+          </a:xfrm>
+          <a:prstGeom prst="rect">
+            <a:avLst/>
+          </a:prstGeom>
+        </p:spPr>
+        <p:style>
+          <a:lnRef idx="2">
+            <a:schemeClr val="accent1">
+              <a:shade val="20000"/>
+            </a:schemeClr>
+          </a:lnRef>
+          <a:fillRef idx="1">
+            <a:schemeClr val="accent1"/>
+          </a:fillRef>
+          <a:effectRef idx="0">
+            <a:schemeClr val="accent1"/>
+          </a:effectRef>
+          <a:fontRef idx="minor">
+            <a:schemeClr val="lt1"/>
+          </a:fontRef>
+        </p:style>
+        <p:txBody>
+          <a:bodyPr anchor="ctr"/>
+          <a:p>
+            <a:pPr lvl="0" algn="ctr">
+              <a:defRPr/>
+            </a:pPr>
+            <a:r>
+              <a:rPr lang="en-US" altLang="ko-KR"/>
+              <a:t>Inactive</a:t>
+            </a:r>
+            <a:endParaRPr lang="en-US" altLang="ko-KR"/>
+          </a:p>
+        </p:txBody>
+      </p:sp>
+      <p:sp>
+        <p:nvSpPr>
+          <p:cNvPr id="58" name="아래쪽 화살표 57"/>
+          <p:cNvSpPr/>
+          <p:nvPr/>
+        </p:nvSpPr>
+        <p:spPr>
+          <a:xfrm rot="10800000">
+            <a:off x="5705530" y="2960687"/>
+            <a:ext cx="341313" cy="468312"/>
+          </a:xfrm>
+          <a:prstGeom prst="downArrow">
+            <a:avLst>
+              <a:gd name="adj1" fmla="val 50000"/>
+              <a:gd name="adj2" fmla="val 50000"/>
+            </a:avLst>
+          </a:prstGeom>
+        </p:spPr>
+        <p:style>
+          <a:lnRef idx="2">
+            <a:schemeClr val="accent1">
+              <a:shade val="20000"/>
+            </a:schemeClr>
+          </a:lnRef>
+          <a:fillRef idx="1">
+            <a:schemeClr val="accent1"/>
+          </a:fillRef>
+          <a:effectRef idx="0">
+            <a:schemeClr val="accent1"/>
+          </a:effectRef>
+          <a:fontRef idx="minor">
+            <a:schemeClr val="lt1"/>
+          </a:fontRef>
+        </p:style>
+        <p:txBody>
+          <a:bodyPr anchor="ctr"/>
+          <a:p>
+            <a:pPr lvl="0" algn="ctr">
+              <a:defRPr/>
+            </a:pPr>
+            <a:endParaRPr lang="en-US" altLang="ko-KR"/>
+          </a:p>
+        </p:txBody>
+      </p:sp>
+      <p:cxnSp>
+        <p:nvCxnSpPr>
+          <p:cNvPr id="59" name="꺾인 연결선 58"/>
+          <p:cNvCxnSpPr>
+            <a:stCxn id="55" idx="0"/>
+            <a:endCxn id="24" idx="0"/>
+          </p:cNvCxnSpPr>
+          <p:nvPr/>
+        </p:nvCxnSpPr>
+        <p:spPr>
+          <a:xfrm rot="5400000" flipH="1">
+            <a:off x="3901427" y="151435"/>
+            <a:ext cx="370051" cy="3579474"/>
+          </a:xfrm>
+          <a:prstGeom prst="bentConnector3">
+            <a:avLst>
+              <a:gd name="adj1" fmla="val 148301"/>
+            </a:avLst>
+          </a:prstGeom>
+          <a:ln>
+            <a:tailEnd type="arrow"/>
+          </a:ln>
+        </p:spPr>
+        <p:style>
+          <a:lnRef idx="1">
+            <a:schemeClr val="accent1"/>
+          </a:lnRef>
+          <a:fillRef idx="0">
+            <a:schemeClr val="accent1"/>
+          </a:fillRef>
+          <a:effectRef idx="0">
+            <a:schemeClr val="accent1"/>
+          </a:effectRef>
+          <a:fontRef idx="minor">
+            <a:schemeClr val="tx1"/>
+          </a:fontRef>
+        </p:style>
+      </p:cxnSp>
+      <p:sp>
+        <p:nvSpPr>
+          <p:cNvPr id="60" name="가로 글상자 59"/>
+          <p:cNvSpPr txBox="1"/>
+          <p:nvPr/>
+        </p:nvSpPr>
+        <p:spPr>
+          <a:xfrm>
+            <a:off x="2807279" y="1170779"/>
+            <a:ext cx="3550191" cy="362428"/>
+          </a:xfrm>
+          <a:prstGeom prst="rect">
+            <a:avLst/>
+          </a:prstGeom>
+        </p:spPr>
+        <p:txBody>
+          <a:bodyPr wrap="square">
+            <a:spAutoFit/>
+          </a:bodyPr>
+          <a:p>
+            <a:pPr lvl="0">
+              <a:defRPr/>
+            </a:pPr>
+            <a:r>
+              <a:rPr lang="en-US" altLang="ko-KR"/>
+              <a:t>PoolManager</a:t>
+            </a:r>
+            <a:r>
+              <a:rPr lang="ko-KR" altLang="en-US"/>
+              <a:t>로 소환</a:t>
+            </a:r>
+            <a:r>
+              <a:rPr lang="en-US" altLang="ko-KR"/>
+              <a:t> </a:t>
+            </a:r>
+            <a:r>
+              <a:rPr lang="ko-KR" altLang="en-US"/>
+              <a:t>및 </a:t>
+            </a:r>
+            <a:r>
+              <a:rPr lang="en-US" altLang="ko-KR"/>
+              <a:t>Active</a:t>
+            </a:r>
+            <a:endParaRPr lang="en-US" altLang="ko-KR"/>
           </a:p>
         </p:txBody>
       </p:sp>
     </p:spTree>
     <p:extLst>
       <p:ext uri="{BB962C8B-B14F-4D97-AF65-F5344CB8AC3E}">
-        <p14:creationId xmlns:p14="http://schemas.microsoft.com/office/powerpoint/2010/main" val="2690096774"/>
+        <p14:creationId xmlns:p14="http://schemas.microsoft.com/office/powerpoint/2010/main" val="1353321395"/>
       </p:ext>
     </p:extLst>
   </p:cSld>
   <p:clrMapOvr>
     <a:masterClrMapping/>
   </p:clrMapOvr>
-  <p:timing>
-    <p:tnLst>
-      <p:par>
-        <p:cTn id="1" dur="indefinite" restart="never" nodeType="tmRoot"/>
-      </p:par>
-    </p:tnLst>
-  </p:timing>
 </p:sld>
 </file>
 
 <file path=ppt/theme/theme1.xml><?xml version="1.0" encoding="utf-8"?>
-<a:theme xmlns:a="http://schemas.openxmlformats.org/drawingml/2006/main" name="심해">
+<a:theme xmlns:r="http://schemas.openxmlformats.org/officeDocument/2006/relationships" xmlns:c="http://schemas.openxmlformats.org/drawingml/2006/chart" xmlns:dgm="http://schemas.openxmlformats.org/drawingml/2006/diagram" xmlns:dsp="http://schemas.microsoft.com/office/drawing/2008/diagram" xmlns:a="http://schemas.openxmlformats.org/drawingml/2006/main" xmlns:pic="http://schemas.openxmlformats.org/drawingml/2006/picture" xmlns:wp="http://schemas.openxmlformats.org/drawingml/2006/wordprocessingDrawing" xmlns:xdr="http://schemas.openxmlformats.org/drawingml/2006/spreadsheetDrawing" xmlns:lc="http://schemas.openxmlformats.org/drawingml/2006/lockedCanvas" xmlns:p="http://schemas.openxmlformats.org/presentationml/2006/main" name="심해">
   <a:themeElements>
     <a:clrScheme name="심해">
       <a:dk1>
         <a:srgbClr val="000000"/>
       </a:dk1>
       <a:lt1>
-        <a:srgbClr val="FFFFFF"/>
+        <a:srgbClr val="ffffff"/>
       </a:lt1>
       <a:dk2>
-        <a:srgbClr val="5F5F5F"/>
+        <a:srgbClr val="5f5f5f"/>
       </a:dk2>
       <a:lt2>
-        <a:srgbClr val="A5A5A5"/>
+        <a:srgbClr val="a5a5a5"/>
       </a:lt2>
       <a:accent1>
-        <a:srgbClr val="4D4D4D"/>
+        <a:srgbClr val="4d4d4d"/>
       </a:accent1>
       <a:accent2>
         <a:srgbClr val="657991"/>
       </a:accent2>
       <a:accent3>
-        <a:srgbClr val="63C8D3"/>
+        <a:srgbClr val="63c8d3"/>
       </a:accent3>
       <a:accent4>
         <a:srgbClr val="278089"/>
       </a:accent4>
       <a:accent5>
-        <a:srgbClr val="8495A0"/>
+        <a:srgbClr val="8495a0"/>
       </a:accent5>
       <a:accent6>
         <a:srgbClr val="777777"/>
       </a:accent6>
       <a:hlink>
-        <a:srgbClr val="4A45FF"/>
+        <a:srgbClr val="4a45ff"/>
       </a:hlink>
       <a:folHlink>
-        <a:srgbClr val="BE27BB"/>
+        <a:srgbClr val="be27bb"/>
       </a:folHlink>
     </a:clrScheme>
     <a:fontScheme name="심해">
@@ -8853,50 +11815,48 @@
       </a:bgFillStyleLst>
     </a:fmtScheme>
   </a:themeElements>
-  <a:objectDefaults/>
-  <a:extraClrSchemeLst/>
 </a:theme>
 </file>
 
 <file path=ppt/theme/theme2.xml><?xml version="1.0" encoding="utf-8"?>
-<a:theme xmlns:a="http://schemas.openxmlformats.org/drawingml/2006/main" name="한컴오피스">
+<a:theme xmlns:r="http://schemas.openxmlformats.org/officeDocument/2006/relationships" xmlns:c="http://schemas.openxmlformats.org/drawingml/2006/chart" xmlns:dgm="http://schemas.openxmlformats.org/drawingml/2006/diagram" xmlns:dsp="http://schemas.microsoft.com/office/drawing/2008/diagram" xmlns:a="http://schemas.openxmlformats.org/drawingml/2006/main" xmlns:pic="http://schemas.openxmlformats.org/drawingml/2006/picture" xmlns:wp="http://schemas.openxmlformats.org/drawingml/2006/wordprocessingDrawing" xmlns:xdr="http://schemas.openxmlformats.org/drawingml/2006/spreadsheetDrawing" xmlns:lc="http://schemas.openxmlformats.org/drawingml/2006/lockedCanvas" xmlns:p="http://schemas.openxmlformats.org/presentationml/2006/main" name="한컴오피스">
   <a:themeElements>
     <a:clrScheme name="한컴오피스">
       <a:dk1>
         <a:sysClr val="windowText" lastClr="000000"/>
       </a:dk1>
       <a:lt1>
-        <a:sysClr val="window" lastClr="FFFFFF"/>
+        <a:sysClr val="window" lastClr="ffffff"/>
       </a:lt1>
       <a:dk2>
-        <a:srgbClr val="3A3C84"/>
+        <a:srgbClr val="3a3c84"/>
       </a:dk2>
       <a:lt2>
-        <a:srgbClr val="FAF3DB"/>
+        <a:srgbClr val="faf3db"/>
       </a:lt2>
       <a:accent1>
-        <a:srgbClr val="6182D6"/>
+        <a:srgbClr val="6182d6"/>
       </a:accent1>
       <a:accent2>
-        <a:srgbClr val="FF843A"/>
+        <a:srgbClr val="ff843a"/>
       </a:accent2>
       <a:accent3>
-        <a:srgbClr val="B2B2B2"/>
+        <a:srgbClr val="b2b2b2"/>
       </a:accent3>
       <a:accent4>
-        <a:srgbClr val="FFD700"/>
+        <a:srgbClr val="ffd700"/>
       </a:accent4>
       <a:accent5>
-        <a:srgbClr val="289B6E"/>
+        <a:srgbClr val="289b6e"/>
       </a:accent5>
       <a:accent6>
-        <a:srgbClr val="9D5CBB"/>
+        <a:srgbClr val="9d5cbb"/>
       </a:accent6>
       <a:hlink>
-        <a:srgbClr val="4A45FF"/>
+        <a:srgbClr val="4a45ff"/>
       </a:hlink>
       <a:folHlink>
-        <a:srgbClr val="BE27BB"/>
+        <a:srgbClr val="be27bb"/>
       </a:folHlink>
     </a:clrScheme>
     <a:fontScheme name="한컴오피스">
@@ -9122,7 +12082,5 @@
       </a:bgFillStyleLst>
     </a:fmtScheme>
   </a:themeElements>
-  <a:objectDefaults/>
-  <a:extraClrSchemeLst/>
 </a:theme>
 </file>
--- a/The Darkest ppt.pptx
+++ b/The Darkest ppt.pptx
@@ -10237,7 +10237,7 @@
         <p:spPr>
           <a:xfrm>
             <a:off x="9074547" y="3026886"/>
-            <a:ext cx="1001973" cy="641826"/>
+            <a:ext cx="1001973" cy="638334"/>
           </a:xfrm>
           <a:prstGeom prst="rect">
             <a:avLst/>
@@ -10253,15 +10253,7 @@
             </a:pPr>
             <a:r>
               <a:rPr lang="en-US" altLang="ko-KR"/>
-              <a:t>Press Any</a:t>
-            </a:r>
-            <a:r>
-              <a:rPr lang="ko-KR" altLang="en-US"/>
-              <a:t> </a:t>
-            </a:r>
-            <a:r>
-              <a:rPr lang="en-US" altLang="ko-KR"/>
-              <a:t>Key</a:t>
+              <a:t>Press Anykey</a:t>
             </a:r>
             <a:endParaRPr lang="en-US" altLang="ko-KR"/>
           </a:p>
